--- a/src/presentation/final_presentation.pptx
+++ b/src/presentation/final_presentation.pptx
@@ -4098,7 +4098,7 @@
             <a:pPr lvl="1"/>
             <a:r>
               <a:rPr/>
-              <a:t>Model variance of lane positioning to undertand texting effect</a:t>
+              <a:t>Model variance of lane positioning to understand texting effect</a:t>
             </a:r>
           </a:p>
           <a:p>

--- a/src/presentation/final_presentation.pptx
+++ b/src/presentation/final_presentation.pptx
@@ -15,6 +15,9 @@
     <p:sldId id="263" r:id="rId9"/>
     <p:sldId id="264" r:id="rId10"/>
     <p:sldId id="265" r:id="rId11"/>
+    <p:sldId id="266" r:id="rId12"/>
+    <p:sldId id="267" r:id="rId13"/>
+    <p:sldId id="268" r:id="rId14"/>
   </p:sldIdLst>
   <p:sldSz cx="12192000" cy="6858000"/>
   <p:notesSz cx="6858000" cy="9144000"/>
@@ -3767,22 +3770,6 @@
             </a:r>
             <a:r>
               <a:rPr/>
-              <a:t>/</a:t>
-            </a:r>
-            <a:r>
-              <a:rPr/>
-              <a:t> </a:t>
-            </a:r>
-            <a:r>
-              <a:rPr/>
-              <a:t>Fall</a:t>
-            </a:r>
-            <a:r>
-              <a:rPr/>
-              <a:t> </a:t>
-            </a:r>
-            <a:r>
-              <a:rPr/>
               <a:t>2018</a:t>
             </a:r>
           </a:p>
@@ -3794,6 +3781,329 @@
 </file>
 
 <file path=ppt/slides/slide10.xml><?xml version="1.0" encoding="utf-8"?>
+<p:sld xmlns:a="http://schemas.openxmlformats.org/drawingml/2006/main" xmlns:r="http://schemas.openxmlformats.org/officeDocument/2006/relationships" xmlns:p="http://schemas.openxmlformats.org/presentationml/2006/main">
+  <p:cSld>
+    <p:spTree>
+      <p:nvGrpSpPr>
+        <p:cNvPr id="1" name=""/>
+        <p:cNvGrpSpPr/>
+        <p:nvPr/>
+      </p:nvGrpSpPr>
+      <p:grpSpPr>
+        <a:xfrm>
+          <a:off x="0" y="0"/>
+          <a:ext cx="0" cy="0"/>
+          <a:chOff x="0" y="0"/>
+          <a:chExt cx="0" cy="0"/>
+        </a:xfrm>
+      </p:grpSpPr>
+      <p:sp>
+        <p:nvSpPr>
+          <p:cNvPr id="2" name="Title 1"/>
+          <p:cNvSpPr>
+            <a:spLocks noGrp="1"/>
+          </p:cNvSpPr>
+          <p:nvPr>
+            <p:ph type="title"/>
+          </p:nvPr>
+        </p:nvSpPr>
+        <p:spPr>
+          <a:xfrm>
+            <a:off x="521208" y="877824"/>
+            <a:ext cx="10515600" cy="1325880"/>
+          </a:xfrm>
+        </p:spPr>
+        <p:txBody>
+          <a:bodyPr/>
+          <a:lstStyle/>
+          <a:p>
+            <a:pPr lvl="0" marL="0" indent="0">
+              <a:buNone/>
+            </a:pPr>
+            <a:r>
+              <a:rPr/>
+              <a:t>Backup</a:t>
+            </a:r>
+            <a:r>
+              <a:rPr/>
+              <a:t> </a:t>
+            </a:r>
+            <a:r>
+              <a:rPr/>
+              <a:t>slides</a:t>
+            </a:r>
+          </a:p>
+        </p:txBody>
+      </p:sp>
+    </p:spTree>
+  </p:cSld>
+</p:sld>
+</file>
+
+<file path=ppt/slides/slide11.xml><?xml version="1.0" encoding="utf-8"?>
+<p:sld xmlns:a="http://schemas.openxmlformats.org/drawingml/2006/main" xmlns:r="http://schemas.openxmlformats.org/officeDocument/2006/relationships" xmlns:p="http://schemas.openxmlformats.org/presentationml/2006/main">
+  <p:cSld>
+    <p:spTree>
+      <p:nvGrpSpPr>
+        <p:cNvPr id="1" name=""/>
+        <p:cNvGrpSpPr/>
+        <p:nvPr/>
+      </p:nvGrpSpPr>
+      <p:grpSpPr>
+        <a:xfrm>
+          <a:off x="0" y="0"/>
+          <a:ext cx="0" cy="0"/>
+          <a:chOff x="0" y="0"/>
+          <a:chExt cx="0" cy="0"/>
+        </a:xfrm>
+      </p:grpSpPr>
+      <p:sp>
+        <p:nvSpPr>
+          <p:cNvPr id="2" name="Title 1"/>
+          <p:cNvSpPr>
+            <a:spLocks noGrp="1"/>
+          </p:cNvSpPr>
+          <p:nvPr>
+            <p:ph type="title"/>
+          </p:nvPr>
+        </p:nvSpPr>
+        <p:spPr>
+          <a:xfrm>
+            <a:off x="603504" y="0"/>
+            <a:ext cx="10753344" cy="1207008"/>
+          </a:xfrm>
+        </p:spPr>
+        <p:txBody>
+          <a:bodyPr/>
+          <a:lstStyle/>
+          <a:p>
+            <a:pPr lvl="0" marL="0" indent="0">
+              <a:buNone/>
+            </a:pPr>
+            <a:r>
+              <a:rPr/>
+              <a:t>References</a:t>
+            </a:r>
+          </a:p>
+        </p:txBody>
+      </p:sp>
+      <p:sp>
+        <p:nvSpPr>
+          <p:cNvPr id="3" name="Content Placeholder 2"/>
+          <p:cNvSpPr>
+            <a:spLocks noGrp="1"/>
+          </p:cNvSpPr>
+          <p:nvPr>
+            <p:ph idx="1"/>
+          </p:nvPr>
+        </p:nvSpPr>
+        <p:spPr/>
+        <p:txBody>
+          <a:bodyPr/>
+          <a:lstStyle/>
+          <a:p>
+            <a:pPr lvl="1">
+              <a:buAutoNum type="arabicPeriod"/>
+            </a:pPr>
+            <a:r>
+              <a:rPr/>
+              <a:t>Taamneh, S. et al. A multimodal dataset for various forms of distracted driving. Sci. Data 4:170110 doi: 10.1038/sdata.2017.110 (2017).</a:t>
+            </a:r>
+          </a:p>
+          <a:p>
+            <a:pPr lvl="1">
+              <a:buAutoNum type="arabicPeriod"/>
+            </a:pPr>
+            <a:r>
+              <a:rPr/>
+              <a:t>Betancourt, Michael. 2018. “A Principled Bayesian Workflow” June 2018</a:t>
+            </a:r>
+          </a:p>
+          <a:p>
+            <a:pPr lvl="1">
+              <a:buAutoNum type="arabicPeriod"/>
+            </a:pPr>
+            <a:r>
+              <a:rPr/>
+              <a:t>Kim, Shephard, Chib (1998) “Stochastic Volatility: Likelihood Inference and Comparison with ARCH Models” </a:t>
+            </a:r>
+            <a:r>
+              <a:rPr i="1"/>
+              <a:t>The Review of Economic Studies Vol. 65, No. 3</a:t>
+            </a:r>
+          </a:p>
+          <a:p>
+            <a:pPr lvl="1">
+              <a:buAutoNum type="arabicPeriod"/>
+            </a:pPr>
+            <a:r>
+              <a:rPr/>
+              <a:t>Stan Development Team. “Stan Modeling Language User’s Guide and Reference Manual” Version 2.17.0, Sept 2017</a:t>
+            </a:r>
+          </a:p>
+        </p:txBody>
+      </p:sp>
+    </p:spTree>
+  </p:cSld>
+</p:sld>
+</file>
+
+<file path=ppt/slides/slide12.xml><?xml version="1.0" encoding="utf-8"?>
+<p:sld xmlns:a="http://schemas.openxmlformats.org/drawingml/2006/main" xmlns:r="http://schemas.openxmlformats.org/officeDocument/2006/relationships" xmlns:p="http://schemas.openxmlformats.org/presentationml/2006/main">
+  <p:cSld>
+    <p:spTree>
+      <p:nvGrpSpPr>
+        <p:cNvPr id="1" name=""/>
+        <p:cNvGrpSpPr/>
+        <p:nvPr/>
+      </p:nvGrpSpPr>
+      <p:grpSpPr>
+        <a:xfrm>
+          <a:off x="0" y="0"/>
+          <a:ext cx="0" cy="0"/>
+          <a:chOff x="0" y="0"/>
+          <a:chExt cx="0" cy="0"/>
+        </a:xfrm>
+      </p:grpSpPr>
+      <p:sp>
+        <p:nvSpPr>
+          <p:cNvPr id="2" name="Title 1"/>
+          <p:cNvSpPr>
+            <a:spLocks noGrp="1"/>
+          </p:cNvSpPr>
+          <p:nvPr>
+            <p:ph type="title"/>
+          </p:nvPr>
+        </p:nvSpPr>
+        <p:spPr>
+          <a:xfrm>
+            <a:off x="603504" y="0"/>
+            <a:ext cx="10753344" cy="1207008"/>
+          </a:xfrm>
+        </p:spPr>
+        <p:txBody>
+          <a:bodyPr/>
+          <a:lstStyle/>
+          <a:p>
+            <a:pPr lvl="0" marL="0" indent="0">
+              <a:buNone/>
+            </a:pPr>
+            <a:r>
+              <a:rPr/>
+              <a:t>Computing</a:t>
+            </a:r>
+            <a:r>
+              <a:rPr/>
+              <a:t> </a:t>
+            </a:r>
+            <a:r>
+              <a:rPr/>
+              <a:t>Cluster</a:t>
+            </a:r>
+            <a:r>
+              <a:rPr/>
+              <a:t> </a:t>
+            </a:r>
+            <a:r>
+              <a:rPr/>
+              <a:t>Setup</a:t>
+            </a:r>
+            <a:r>
+              <a:rPr/>
+              <a:t> </a:t>
+            </a:r>
+            <a:r>
+              <a:rPr/>
+              <a:t>(AWS)</a:t>
+            </a:r>
+          </a:p>
+        </p:txBody>
+      </p:sp>
+      <p:sp>
+        <p:nvSpPr>
+          <p:cNvPr id="3" name="Content Placeholder 2"/>
+          <p:cNvSpPr>
+            <a:spLocks noGrp="1"/>
+          </p:cNvSpPr>
+          <p:nvPr>
+            <p:ph idx="1"/>
+          </p:nvPr>
+        </p:nvSpPr>
+        <p:spPr/>
+        <p:txBody>
+          <a:bodyPr/>
+          <a:lstStyle/>
+          <a:p>
+            <a:pPr lvl="0" marL="0" indent="0">
+              <a:spcBef>
+                <a:spcPts val="3000"/>
+              </a:spcBef>
+              <a:buNone/>
+            </a:pPr>
+            <a:r>
+              <a:rPr b="1"/>
+              <a:t>Prior Predictive Modelling</a:t>
+            </a:r>
+          </a:p>
+          <a:p>
+            <a:pPr lvl="1"/>
+            <a:r>
+              <a:rPr/>
+              <a:t>Each prior predictive model ran 1000 simulations from the generative model</a:t>
+            </a:r>
+          </a:p>
+          <a:p>
+            <a:pPr lvl="1"/>
+            <a:r>
+              <a:rPr/>
+              <a:t>Fitting 1000 simulations is a time consuming process on local machine</a:t>
+            </a:r>
+          </a:p>
+          <a:p>
+            <a:pPr lvl="2"/>
+            <a:r>
+              <a:rPr sz="1800">
+                <a:latin typeface="Courier"/>
+              </a:rPr>
+              <a:t>Stan</a:t>
+            </a:r>
+            <a:r>
+              <a:rPr/>
+              <a:t> runs 4 markov chains in parallel and aggregates (4 cores)</a:t>
+            </a:r>
+          </a:p>
+          <a:p>
+            <a:pPr lvl="2"/>
+            <a:r>
+              <a:rPr/>
+              <a:t>1000 * 4 = 4000 CPU’s to run fit observations for one model!</a:t>
+            </a:r>
+          </a:p>
+          <a:p>
+            <a:pPr lvl="1"/>
+            <a:r>
+              <a:rPr/>
+              <a:t>Created a docker container with </a:t>
+            </a:r>
+            <a:r>
+              <a:rPr sz="1800">
+                <a:latin typeface="Courier"/>
+              </a:rPr>
+              <a:t>RStan</a:t>
+            </a:r>
+            <a:r>
+              <a:rPr/>
+              <a:t> and submitted jobs to AWS Batch service</a:t>
+            </a:r>
+          </a:p>
+        </p:txBody>
+      </p:sp>
+    </p:spTree>
+  </p:cSld>
+</p:sld>
+</file>
+
+<file path=ppt/slides/slide13.xml><?xml version="1.0" encoding="utf-8"?>
 <p:sld xmlns:a="http://schemas.openxmlformats.org/drawingml/2006/main" xmlns:r="http://schemas.openxmlformats.org/officeDocument/2006/relationships" xmlns:p="http://schemas.openxmlformats.org/presentationml/2006/main">
   <p:cSld>
     <p:spTree>
@@ -4550,7 +4860,7 @@
             <a:pPr lvl="1"/>
             <a:r>
               <a:rPr/>
-              <a:t>Autoregressive (AR) models</a:t>
+              <a:t>Autoregressive (AR) model</a:t>
             </a:r>
           </a:p>
           <a:p>
@@ -4574,6 +4884,13 @@
             <a:r>
               <a:rPr b="1"/>
               <a:t>Multivariate model (all drivers)</a:t>
+            </a:r>
+          </a:p>
+          <a:p>
+            <a:pPr lvl="1"/>
+            <a:r>
+              <a:rPr/>
+              <a:t>Independent drivers model</a:t>
             </a:r>
           </a:p>
           <a:p>
@@ -4705,7 +5022,7 @@
                     </m:oMathParaPr>
                     <m:oMath>
                       <m:r>
-                        <m:t>N</m:t>
+                        <m:t>T</m:t>
                       </m:r>
                       <m:r>
                         <m:t>:</m:t>
@@ -4715,6 +5032,68 @@
                           <m:sty m:val="p"/>
                         </m:rPr>
                         <m:t>Number of observations</m:t>
+                      </m:r>
+                    </m:oMath>
+                  </m:oMathPara>
+                </a14:m>
+              </a:p>
+              <a:p>
+                <a:pPr lvl="0" marL="0" indent="0">
+                  <a:buNone/>
+                </a:pPr>
+                <a14:m>
+                  <m:oMathPara xmlns:m="http://schemas.openxmlformats.org/officeDocument/2006/math">
+                    <m:oMathParaPr>
+                      <m:jc m:val="center"/>
+                    </m:oMathParaPr>
+                    <m:oMath>
+                      <m:sSub>
+                        <m:e>
+                          <m:r>
+                            <m:t>N</m:t>
+                          </m:r>
+                        </m:e>
+                        <m:sub>
+                          <m:r>
+                            <m:t>t</m:t>
+                          </m:r>
+                          <m:r>
+                            <m:t>e</m:t>
+                          </m:r>
+                          <m:r>
+                            <m:t>x</m:t>
+                          </m:r>
+                          <m:r>
+                            <m:t>t</m:t>
+                          </m:r>
+                          <m:r>
+                            <m:t>i</m:t>
+                          </m:r>
+                          <m:r>
+                            <m:t>n</m:t>
+                          </m:r>
+                          <m:r>
+                            <m:t>g</m:t>
+                          </m:r>
+                        </m:sub>
+                      </m:sSub>
+                      <m:r>
+                        <m:t>:</m:t>
+                      </m:r>
+                      <m:r>
+                        <m:rPr>
+                          <m:sty m:val="p"/>
+                        </m:rPr>
+                        <m:t>Number of texting states </m:t>
+                      </m:r>
+                      <m:r>
+                        <m:t>(</m:t>
+                      </m:r>
+                      <m:r>
+                        <m:t>j</m:t>
+                      </m:r>
+                      <m:r>
+                        <m:t>)</m:t>
                       </m:r>
                     </m:oMath>
                   </m:oMathPara>
@@ -4738,7 +5117,7 @@
                         </m:e>
                         <m:sub>
                           <m:r>
-                            <m:t>n</m:t>
+                            <m:t>t</m:t>
                           </m:r>
                         </m:sub>
                       </m:sSub>
@@ -4773,7 +5152,7 @@
                         </m:e>
                         <m:sub>
                           <m:r>
-                            <m:t>n</m:t>
+                            <m:t>t</m:t>
                           </m:r>
                         </m:sub>
                       </m:sSub>
@@ -4784,7 +5163,7 @@
                         <m:rPr>
                           <m:sty m:val="p"/>
                         </m:rPr>
-                        <m:t>Texting indicator</m:t>
+                        <m:t>Texting indicator (1: ND, 2: MD)</m:t>
                       </m:r>
                     </m:oMath>
                   </m:oMathPara>
@@ -4877,7 +5256,7 @@
                         </m:e>
                         <m:sub>
                           <m:r>
-                            <m:t>n</m:t>
+                            <m:t>t</m:t>
                           </m:r>
                         </m:sub>
                       </m:sSub>
@@ -4900,15 +5279,18 @@
                       <m:r>
                         <m:t>+</m:t>
                       </m:r>
+                      <m:r>
+                        <m:t>ρ</m:t>
+                      </m:r>
                       <m:sSub>
                         <m:e>
                           <m:r>
-                            <m:t>ρ</m:t>
+                            <m:t>y</m:t>
                           </m:r>
                         </m:e>
                         <m:sub>
                           <m:r>
-                            <m:t>n</m:t>
+                            <m:t>t</m:t>
                           </m:r>
                           <m:r>
                             <m:t>−</m:t>
@@ -4929,25 +5311,7 @@
                         </m:e>
                         <m:sub>
                           <m:r>
-                            <m:t>t</m:t>
-                          </m:r>
-                          <m:r>
-                            <m:t>e</m:t>
-                          </m:r>
-                          <m:r>
-                            <m:t>x</m:t>
-                          </m:r>
-                          <m:r>
-                            <m:t>t</m:t>
-                          </m:r>
-                          <m:r>
-                            <m:t>i</m:t>
-                          </m:r>
-                          <m:r>
-                            <m:t>n</m:t>
-                          </m:r>
-                          <m:r>
-                            <m:t>g</m:t>
+                            <m:t>j</m:t>
                           </m:r>
                         </m:sub>
                       </m:sSub>
@@ -5017,25 +5381,7 @@
                         </m:e>
                         <m:sub>
                           <m:r>
-                            <m:t>t</m:t>
-                          </m:r>
-                          <m:r>
-                            <m:t>e</m:t>
-                          </m:r>
-                          <m:r>
-                            <m:t>x</m:t>
-                          </m:r>
-                          <m:r>
-                            <m:t>t</m:t>
-                          </m:r>
-                          <m:r>
                             <m:t>i</m:t>
-                          </m:r>
-                          <m:r>
-                            <m:t>n</m:t>
-                          </m:r>
-                          <m:r>
-                            <m:t>g</m:t>
                           </m:r>
                         </m:sub>
                       </m:sSub>
@@ -5101,7 +5447,7 @@
                         <m:t>,</m:t>
                       </m:r>
                       <m:r>
-                        <m:t>0.25</m:t>
+                        <m:t>0.1</m:t>
                       </m:r>
                       <m:r>
                         <m:t>)</m:t>
@@ -5148,8 +5494,8 @@
         </p:nvSpPr>
         <p:spPr>
           <a:xfrm>
-            <a:off x="521208" y="877824"/>
-            <a:ext cx="10515600" cy="1325880"/>
+            <a:off x="603504" y="0"/>
+            <a:ext cx="10753344" cy="1207008"/>
           </a:xfrm>
         </p:spPr>
         <p:txBody>
@@ -5161,7 +5507,7 @@
             </a:pPr>
             <a:r>
               <a:rPr/>
-              <a:t>Backup</a:t>
+              <a:t>AR(1)</a:t>
             </a:r>
             <a:r>
               <a:rPr/>
@@ -5169,7 +5515,23 @@
             </a:r>
             <a:r>
               <a:rPr/>
-              <a:t>slides</a:t>
+              <a:t>Prior</a:t>
+            </a:r>
+            <a:r>
+              <a:rPr/>
+              <a:t> </a:t>
+            </a:r>
+            <a:r>
+              <a:rPr/>
+              <a:t>Predictive</a:t>
+            </a:r>
+            <a:r>
+              <a:rPr/>
+              <a:t> </a:t>
+            </a:r>
+            <a:r>
+              <a:rPr/>
+              <a:t>Analysis</a:t>
             </a:r>
           </a:p>
         </p:txBody>
@@ -5208,8 +5570,8 @@
         </p:nvSpPr>
         <p:spPr>
           <a:xfrm>
-            <a:off x="603504" y="0"/>
-            <a:ext cx="10753344" cy="1207008"/>
+            <a:off x="838200" y="0"/>
+            <a:ext cx="10515600" cy="1207008"/>
           </a:xfrm>
         </p:spPr>
         <p:txBody>
@@ -5221,58 +5583,723 @@
             </a:pPr>
             <a:r>
               <a:rPr/>
-              <a:t>References</a:t>
-            </a:r>
-          </a:p>
-        </p:txBody>
-      </p:sp>
-      <p:sp>
-        <p:nvSpPr>
-          <p:cNvPr id="3" name="Content Placeholder 2"/>
-          <p:cNvSpPr>
-            <a:spLocks noGrp="1"/>
-          </p:cNvSpPr>
-          <p:nvPr>
-            <p:ph idx="1"/>
-          </p:nvPr>
-        </p:nvSpPr>
-        <p:spPr/>
-        <p:txBody>
-          <a:bodyPr/>
-          <a:lstStyle/>
-          <a:p>
-            <a:pPr lvl="1">
-              <a:buAutoNum type="arabicPeriod"/>
-            </a:pPr>
-            <a:r>
-              <a:rPr/>
-              <a:t>Taamneh, S. et al. A multimodal dataset for various forms of distracted driving. Sci. Data 4:170110 doi: 10.1038/sdata.2017.110 (2017).</a:t>
-            </a:r>
-          </a:p>
-          <a:p>
-            <a:pPr lvl="1">
-              <a:buAutoNum type="arabicPeriod"/>
-            </a:pPr>
-            <a:r>
-              <a:rPr/>
-              <a:t>Betancourt, Michael. 2018. “A Principled Bayesian Workflow” June 2018</a:t>
-            </a:r>
-          </a:p>
-          <a:p>
-            <a:pPr lvl="1">
-              <a:buAutoNum type="arabicPeriod"/>
-            </a:pPr>
-            <a:r>
-              <a:rPr/>
-              <a:t>Kim, Shephard, Chib (1998) “Stochastic Volatility: Likelihood Inference and Comparison with ARCH Models” </a:t>
-            </a:r>
-            <a:r>
-              <a:rPr i="1"/>
-              <a:t>The Review of Economic Studies Vol. 65, No. 3</a:t>
-            </a:r>
-          </a:p>
-        </p:txBody>
-      </p:sp>
+              <a:t>Stochastic</a:t>
+            </a:r>
+            <a:r>
+              <a:rPr/>
+              <a:t> </a:t>
+            </a:r>
+            <a:r>
+              <a:rPr/>
+              <a:t>Volatility</a:t>
+            </a:r>
+            <a:r>
+              <a:rPr/>
+              <a:t> </a:t>
+            </a:r>
+            <a:r>
+              <a:rPr/>
+              <a:t>Setup</a:t>
+            </a:r>
+          </a:p>
+        </p:txBody>
+      </p:sp>
+      <mc:AlternateContent xmlns:mc="http://schemas.openxmlformats.org/markup-compatibility/2006">
+        <mc:Choice xmlns:a14="http://schemas.microsoft.com/office/drawing/2010/main" Requires="a14">
+          <p:sp>
+            <p:nvSpPr>
+              <p:cNvPr id="3" name="Content Placeholder 2"/>
+              <p:cNvSpPr>
+                <a:spLocks noGrp="1"/>
+              </p:cNvSpPr>
+              <p:nvPr>
+                <p:ph sz="half" idx="1"/>
+              </p:nvPr>
+            </p:nvSpPr>
+            <p:spPr/>
+            <p:txBody>
+              <a:bodyPr/>
+              <a:lstStyle/>
+              <a:p>
+                <a:pPr lvl="0" marL="0" indent="0">
+                  <a:spcBef>
+                    <a:spcPts val="3000"/>
+                  </a:spcBef>
+                  <a:buNone/>
+                </a:pPr>
+                <a:r>
+                  <a:rPr b="1"/>
+                  <a:t>Conceptual Analysis</a:t>
+                </a:r>
+              </a:p>
+              <a:p>
+                <a:pPr lvl="0" marL="0" indent="0">
+                  <a:buNone/>
+                </a:pPr>
+                <a:r>
+                  <a:rPr/>
+                  <a:t>Mean of lane positioning is constant but with changing volatility. The SV model has additional parameters to deal with the structure of this data. Latent variables and generative nature of model allows for additional complexity.</a:t>
+                </a:r>
+              </a:p>
+              <a:p>
+                <a:pPr lvl="0" marL="0" indent="0">
+                  <a:spcBef>
+                    <a:spcPts val="3000"/>
+                  </a:spcBef>
+                  <a:buNone/>
+                </a:pPr>
+                <a:r>
+                  <a:rPr b="1"/>
+                  <a:t>Define observations</a:t>
+                </a:r>
+              </a:p>
+              <a:p>
+                <a:pPr lvl="0" marL="0" indent="0">
+                  <a:buNone/>
+                </a:pPr>
+                <a14:m>
+                  <m:oMathPara xmlns:m="http://schemas.openxmlformats.org/officeDocument/2006/math">
+                    <m:oMathParaPr>
+                      <m:jc m:val="center"/>
+                    </m:oMathParaPr>
+                    <m:oMath>
+                      <m:r>
+                        <m:t>T</m:t>
+                      </m:r>
+                      <m:r>
+                        <m:t>:</m:t>
+                      </m:r>
+                      <m:r>
+                        <m:rPr>
+                          <m:sty m:val="p"/>
+                        </m:rPr>
+                        <m:t>Number of observations</m:t>
+                      </m:r>
+                    </m:oMath>
+                  </m:oMathPara>
+                </a14:m>
+              </a:p>
+              <a:p>
+                <a:pPr lvl="0" marL="0" indent="0">
+                  <a:buNone/>
+                </a:pPr>
+                <a14:m>
+                  <m:oMathPara xmlns:m="http://schemas.openxmlformats.org/officeDocument/2006/math">
+                    <m:oMathParaPr>
+                      <m:jc m:val="center"/>
+                    </m:oMathParaPr>
+                    <m:oMath>
+                      <m:sSub>
+                        <m:e>
+                          <m:r>
+                            <m:t>N</m:t>
+                          </m:r>
+                        </m:e>
+                        <m:sub>
+                          <m:r>
+                            <m:t>t</m:t>
+                          </m:r>
+                          <m:r>
+                            <m:t>e</m:t>
+                          </m:r>
+                          <m:r>
+                            <m:t>x</m:t>
+                          </m:r>
+                          <m:r>
+                            <m:t>t</m:t>
+                          </m:r>
+                          <m:r>
+                            <m:t>i</m:t>
+                          </m:r>
+                          <m:r>
+                            <m:t>n</m:t>
+                          </m:r>
+                          <m:r>
+                            <m:t>g</m:t>
+                          </m:r>
+                        </m:sub>
+                      </m:sSub>
+                      <m:r>
+                        <m:t>:</m:t>
+                      </m:r>
+                      <m:r>
+                        <m:rPr>
+                          <m:sty m:val="p"/>
+                        </m:rPr>
+                        <m:t>Number of texting states </m:t>
+                      </m:r>
+                      <m:r>
+                        <m:t>(</m:t>
+                      </m:r>
+                      <m:r>
+                        <m:t>j</m:t>
+                      </m:r>
+                      <m:r>
+                        <m:t>)</m:t>
+                      </m:r>
+                    </m:oMath>
+                  </m:oMathPara>
+                </a14:m>
+              </a:p>
+              <a:p>
+                <a:pPr lvl="0" marL="0" indent="0">
+                  <a:buNone/>
+                </a:pPr>
+                <a14:m>
+                  <m:oMathPara xmlns:m="http://schemas.openxmlformats.org/officeDocument/2006/math">
+                    <m:oMathParaPr>
+                      <m:jc m:val="center"/>
+                    </m:oMathParaPr>
+                    <m:oMath>
+                      <m:sSub>
+                        <m:e>
+                          <m:r>
+                            <m:t>y</m:t>
+                          </m:r>
+                        </m:e>
+                        <m:sub>
+                          <m:r>
+                            <m:t>t</m:t>
+                          </m:r>
+                        </m:sub>
+                      </m:sSub>
+                      <m:r>
+                        <m:t>:</m:t>
+                      </m:r>
+                      <m:r>
+                        <m:rPr>
+                          <m:sty m:val="p"/>
+                        </m:rPr>
+                        <m:t>Lane Position (meters), mean corrected</m:t>
+                      </m:r>
+                    </m:oMath>
+                  </m:oMathPara>
+                </a14:m>
+              </a:p>
+              <a:p>
+                <a:pPr lvl="0" marL="0" indent="0">
+                  <a:buNone/>
+                </a:pPr>
+                <a14:m>
+                  <m:oMathPara xmlns:m="http://schemas.openxmlformats.org/officeDocument/2006/math">
+                    <m:oMathParaPr>
+                      <m:jc m:val="center"/>
+                    </m:oMathParaPr>
+                    <m:oMath>
+                      <m:sSub>
+                        <m:e>
+                          <m:r>
+                            <m:t>x</m:t>
+                          </m:r>
+                        </m:e>
+                        <m:sub>
+                          <m:r>
+                            <m:t>t</m:t>
+                          </m:r>
+                        </m:sub>
+                      </m:sSub>
+                      <m:r>
+                        <m:t>:</m:t>
+                      </m:r>
+                      <m:r>
+                        <m:rPr>
+                          <m:sty m:val="p"/>
+                        </m:rPr>
+                        <m:t>Texting indicator (1: ND, 2: MD)</m:t>
+                      </m:r>
+                    </m:oMath>
+                  </m:oMathPara>
+                </a14:m>
+              </a:p>
+            </p:txBody>
+          </p:sp>
+        </mc:Choice>
+      </mc:AlternateContent>
+      <mc:AlternateContent xmlns:mc="http://schemas.openxmlformats.org/markup-compatibility/2006">
+        <mc:Choice xmlns:a14="http://schemas.microsoft.com/office/drawing/2010/main" Requires="a14">
+          <p:sp>
+            <p:nvSpPr>
+              <p:cNvPr id="4" name="Content Placeholder 3"/>
+              <p:cNvSpPr>
+                <a:spLocks noGrp="1"/>
+              </p:cNvSpPr>
+              <p:nvPr>
+                <p:ph sz="half" idx="2"/>
+              </p:nvPr>
+            </p:nvSpPr>
+            <p:spPr/>
+            <p:txBody>
+              <a:bodyPr/>
+              <a:lstStyle/>
+              <a:p>
+                <a:pPr lvl="0" marL="0" indent="0">
+                  <a:spcBef>
+                    <a:spcPts val="3000"/>
+                  </a:spcBef>
+                  <a:buNone/>
+                </a:pPr>
+                <a:r>
+                  <a:rPr b="1"/>
+                  <a:t>Likelihood and priors</a:t>
+                </a:r>
+              </a:p>
+              <a:p>
+                <a:pPr lvl="0" marL="0" indent="0">
+                  <a:buNone/>
+                </a:pPr>
+                <a14:m>
+                  <m:oMathPara xmlns:m="http://schemas.openxmlformats.org/officeDocument/2006/math">
+                    <m:oMathParaPr>
+                      <m:jc m:val="center"/>
+                    </m:oMathParaPr>
+                    <m:oMath>
+                      <m:sSub>
+                        <m:e>
+                          <m:r>
+                            <m:t>y</m:t>
+                          </m:r>
+                        </m:e>
+                        <m:sub>
+                          <m:r>
+                            <m:t>t</m:t>
+                          </m:r>
+                        </m:sub>
+                      </m:sSub>
+                      <m:r>
+                        <m:t>∼</m:t>
+                      </m:r>
+                      <m:r>
+                        <m:rPr>
+                          <m:sty m:val="p"/>
+                          <m:scr m:val="script"/>
+                        </m:rPr>
+                        <m:t>N</m:t>
+                      </m:r>
+                      <m:r>
+                        <m:t>(</m:t>
+                      </m:r>
+                      <m:r>
+                        <m:t>0</m:t>
+                      </m:r>
+                      <m:r>
+                        <m:t>,</m:t>
+                      </m:r>
+                      <m:r>
+                        <m:rPr>
+                          <m:sty m:val="p"/>
+                        </m:rPr>
+                        <m:t>exp</m:t>
+                      </m:r>
+                      <m:r>
+                        <m:t>(</m:t>
+                      </m:r>
+                      <m:sSub>
+                        <m:e>
+                          <m:r>
+                            <m:t>h</m:t>
+                          </m:r>
+                        </m:e>
+                        <m:sub>
+                          <m:r>
+                            <m:t>t</m:t>
+                          </m:r>
+                        </m:sub>
+                      </m:sSub>
+                      <m:r>
+                        <m:t>/</m:t>
+                      </m:r>
+                      <m:r>
+                        <m:t>2</m:t>
+                      </m:r>
+                      <m:r>
+                        <m:t>)</m:t>
+                      </m:r>
+                      <m:r>
+                        <m:t>)</m:t>
+                      </m:r>
+                    </m:oMath>
+                  </m:oMathPara>
+                </a14:m>
+              </a:p>
+              <a:p>
+                <a:pPr lvl="0" marL="0" indent="0">
+                  <a:buNone/>
+                </a:pPr>
+                <a14:m>
+                  <m:oMathPara xmlns:m="http://schemas.openxmlformats.org/officeDocument/2006/math">
+                    <m:oMathParaPr>
+                      <m:jc m:val="center"/>
+                    </m:oMathParaPr>
+                    <m:oMath>
+                      <m:sSub>
+                        <m:e>
+                          <m:r>
+                            <m:t>h</m:t>
+                          </m:r>
+                        </m:e>
+                        <m:sub>
+                          <m:r>
+                            <m:t>t</m:t>
+                          </m:r>
+                        </m:sub>
+                      </m:sSub>
+                      <m:r>
+                        <m:t>∼</m:t>
+                      </m:r>
+                      <m:r>
+                        <m:rPr>
+                          <m:sty m:val="p"/>
+                          <m:scr m:val="script"/>
+                        </m:rPr>
+                        <m:t>N</m:t>
+                      </m:r>
+                      <m:r>
+                        <m:t>(</m:t>
+                      </m:r>
+                      <m:r>
+                        <m:t>μ</m:t>
+                      </m:r>
+                      <m:r>
+                        <m:t>+</m:t>
+                      </m:r>
+                      <m:r>
+                        <m:t>δ</m:t>
+                      </m:r>
+                      <m:r>
+                        <m:t>+</m:t>
+                      </m:r>
+                      <m:r>
+                        <m:t>ϕ</m:t>
+                      </m:r>
+                      <m:r>
+                        <m:t>(</m:t>
+                      </m:r>
+                      <m:sSub>
+                        <m:e>
+                          <m:r>
+                            <m:t>h</m:t>
+                          </m:r>
+                        </m:e>
+                        <m:sub>
+                          <m:r>
+                            <m:t>t</m:t>
+                          </m:r>
+                        </m:sub>
+                      </m:sSub>
+                      <m:r>
+                        <m:t>−</m:t>
+                      </m:r>
+                      <m:r>
+                        <m:t>μ</m:t>
+                      </m:r>
+                      <m:r>
+                        <m:t>)</m:t>
+                      </m:r>
+                      <m:r>
+                        <m:t>,</m:t>
+                      </m:r>
+                      <m:r>
+                        <m:t>σ</m:t>
+                      </m:r>
+                      <m:r>
+                        <m:t>)</m:t>
+                      </m:r>
+                    </m:oMath>
+                  </m:oMathPara>
+                </a14:m>
+              </a:p>
+              <a:p>
+                <a:pPr lvl="0" marL="0" indent="0">
+                  <a:buNone/>
+                </a:pPr>
+                <a14:m>
+                  <m:oMathPara xmlns:m="http://schemas.openxmlformats.org/officeDocument/2006/math">
+                    <m:oMathParaPr>
+                      <m:jc m:val="center"/>
+                    </m:oMathParaPr>
+                    <m:oMath>
+                      <m:sSub>
+                        <m:e>
+                          <m:r>
+                            <m:t>h</m:t>
+                          </m:r>
+                        </m:e>
+                        <m:sub>
+                          <m:r>
+                            <m:t>1</m:t>
+                          </m:r>
+                        </m:sub>
+                      </m:sSub>
+                      <m:r>
+                        <m:t>∼</m:t>
+                      </m:r>
+                      <m:r>
+                        <m:rPr>
+                          <m:sty m:val="p"/>
+                          <m:scr m:val="script"/>
+                        </m:rPr>
+                        <m:t>N</m:t>
+                      </m:r>
+                      <m:r>
+                        <m:t>(</m:t>
+                      </m:r>
+                      <m:r>
+                        <m:t>μ</m:t>
+                      </m:r>
+                      <m:r>
+                        <m:t>,</m:t>
+                      </m:r>
+                      <m:f>
+                        <m:fPr>
+                          <m:type m:val="bar"/>
+                        </m:fPr>
+                        <m:num>
+                          <m:r>
+                            <m:t>σ</m:t>
+                          </m:r>
+                        </m:num>
+                        <m:den>
+                          <m:rad>
+                            <m:radPr>
+                              <m:degHide m:val="1"/>
+                            </m:radPr>
+                            <m:deg/>
+                            <m:e>
+                              <m:r>
+                                <m:t>1</m:t>
+                              </m:r>
+                              <m:r>
+                                <m:t>−</m:t>
+                              </m:r>
+                              <m:sSup>
+                                <m:e>
+                                  <m:r>
+                                    <m:t>ϕ</m:t>
+                                  </m:r>
+                                </m:e>
+                                <m:sup>
+                                  <m:r>
+                                    <m:t>2</m:t>
+                                  </m:r>
+                                </m:sup>
+                              </m:sSup>
+                            </m:e>
+                          </m:rad>
+                        </m:den>
+                      </m:f>
+                      <m:r>
+                        <m:t>)</m:t>
+                      </m:r>
+                    </m:oMath>
+                  </m:oMathPara>
+                </a14:m>
+              </a:p>
+              <a:p>
+                <a:pPr lvl="0" marL="0" indent="0">
+                  <a:buNone/>
+                </a:pPr>
+              </a:p>
+              <a:p>
+                <a:pPr lvl="0" marL="0" indent="0">
+                  <a:buNone/>
+                </a:pPr>
+                <a14:m>
+                  <m:oMathPara xmlns:m="http://schemas.openxmlformats.org/officeDocument/2006/math">
+                    <m:oMathParaPr>
+                      <m:jc m:val="center"/>
+                    </m:oMathParaPr>
+                    <m:oMath>
+                      <m:r>
+                        <m:t>μ</m:t>
+                      </m:r>
+                      <m:r>
+                        <m:t>∼</m:t>
+                      </m:r>
+                      <m:r>
+                        <m:rPr>
+                          <m:sty m:val="p"/>
+                          <m:scr m:val="script"/>
+                        </m:rPr>
+                        <m:t>N</m:t>
+                      </m:r>
+                      <m:r>
+                        <m:t>(</m:t>
+                      </m:r>
+                      <m:r>
+                        <m:t>0</m:t>
+                      </m:r>
+                      <m:r>
+                        <m:t>,</m:t>
+                      </m:r>
+                      <m:r>
+                        <m:t>1</m:t>
+                      </m:r>
+                      <m:r>
+                        <m:t>)</m:t>
+                      </m:r>
+                      <m:r>
+                        <m:t>:</m:t>
+                      </m:r>
+                      <m:r>
+                        <m:rPr>
+                          <m:sty m:val="p"/>
+                        </m:rPr>
+                        <m:t>Mean log volatility</m:t>
+                      </m:r>
+                    </m:oMath>
+                  </m:oMathPara>
+                </a14:m>
+              </a:p>
+              <a:p>
+                <a:pPr lvl="0" marL="0" indent="0">
+                  <a:buNone/>
+                </a:pPr>
+                <a14:m>
+                  <m:oMathPara xmlns:m="http://schemas.openxmlformats.org/officeDocument/2006/math">
+                    <m:oMathParaPr>
+                      <m:jc m:val="center"/>
+                    </m:oMathParaPr>
+                    <m:oMath>
+                      <m:r>
+                        <m:t>ϕ</m:t>
+                      </m:r>
+                      <m:r>
+                        <m:t>∼</m:t>
+                      </m:r>
+                      <m:r>
+                        <m:rPr>
+                          <m:sty m:val="p"/>
+                        </m:rPr>
+                        <m:t>Uniform</m:t>
+                      </m:r>
+                      <m:r>
+                        <m:t>(</m:t>
+                      </m:r>
+                      <m:r>
+                        <m:t>−</m:t>
+                      </m:r>
+                      <m:r>
+                        <m:t>1</m:t>
+                      </m:r>
+                      <m:r>
+                        <m:t>,</m:t>
+                      </m:r>
+                      <m:r>
+                        <m:t>1</m:t>
+                      </m:r>
+                      <m:r>
+                        <m:t>)</m:t>
+                      </m:r>
+                      <m:r>
+                        <m:t>:</m:t>
+                      </m:r>
+                      <m:r>
+                        <m:rPr>
+                          <m:sty m:val="p"/>
+                        </m:rPr>
+                        <m:t>Persistence of volatility</m:t>
+                      </m:r>
+                    </m:oMath>
+                  </m:oMathPara>
+                </a14:m>
+              </a:p>
+              <a:p>
+                <a:pPr lvl="0" marL="0" indent="0">
+                  <a:buNone/>
+                </a:pPr>
+                <a14:m>
+                  <m:oMathPara xmlns:m="http://schemas.openxmlformats.org/officeDocument/2006/math">
+                    <m:oMathParaPr>
+                      <m:jc m:val="center"/>
+                    </m:oMathParaPr>
+                    <m:oMath>
+                      <m:r>
+                        <m:t>σ</m:t>
+                      </m:r>
+                      <m:r>
+                        <m:t>∼</m:t>
+                      </m:r>
+                      <m:r>
+                        <m:rPr>
+                          <m:sty m:val="p"/>
+                          <m:scr m:val="script"/>
+                        </m:rPr>
+                        <m:t>N</m:t>
+                      </m:r>
+                      <m:r>
+                        <m:t>(</m:t>
+                      </m:r>
+                      <m:r>
+                        <m:t>0</m:t>
+                      </m:r>
+                      <m:r>
+                        <m:t>,</m:t>
+                      </m:r>
+                      <m:r>
+                        <m:t>1</m:t>
+                      </m:r>
+                      <m:r>
+                        <m:t>)</m:t>
+                      </m:r>
+                    </m:oMath>
+                  </m:oMathPara>
+                </a14:m>
+              </a:p>
+              <a:p>
+                <a:pPr lvl="0" marL="0" indent="0">
+                  <a:buNone/>
+                </a:pPr>
+                <a14:m>
+                  <m:oMathPara xmlns:m="http://schemas.openxmlformats.org/officeDocument/2006/math">
+                    <m:oMathParaPr>
+                      <m:jc m:val="center"/>
+                    </m:oMathParaPr>
+                    <m:oMath>
+                      <m:r>
+                        <m:t>δ</m:t>
+                      </m:r>
+                      <m:r>
+                        <m:t>∼</m:t>
+                      </m:r>
+                      <m:r>
+                        <m:rPr>
+                          <m:sty m:val="p"/>
+                          <m:scr m:val="script"/>
+                        </m:rPr>
+                        <m:t>N</m:t>
+                      </m:r>
+                      <m:r>
+                        <m:t>(</m:t>
+                      </m:r>
+                      <m:r>
+                        <m:t>0</m:t>
+                      </m:r>
+                      <m:r>
+                        <m:t>,</m:t>
+                      </m:r>
+                      <m:r>
+                        <m:t>0.05</m:t>
+                      </m:r>
+                      <m:r>
+                        <m:t>)</m:t>
+                      </m:r>
+                      <m:r>
+                        <m:t>:</m:t>
+                      </m:r>
+                      <m:r>
+                        <m:rPr>
+                          <m:sty m:val="p"/>
+                        </m:rPr>
+                        <m:t>Texting effect</m:t>
+                      </m:r>
+                    </m:oMath>
+                  </m:oMathPara>
+                </a14:m>
+              </a:p>
+            </p:txBody>
+          </p:sp>
+        </mc:Choice>
+      </mc:AlternateContent>
     </p:spTree>
   </p:cSld>
 </p:sld>

--- a/src/presentation/final_presentation.pptx
+++ b/src/presentation/final_presentation.pptx
@@ -18,6 +18,7 @@
     <p:sldId id="266" r:id="rId12"/>
     <p:sldId id="267" r:id="rId13"/>
     <p:sldId id="268" r:id="rId14"/>
+    <p:sldId id="269" r:id="rId15"/>
   </p:sldIdLst>
   <p:sldSz cx="12192000" cy="6858000"/>
   <p:notesSz cx="6858000" cy="9144000"/>
@@ -3809,8 +3810,8 @@
         </p:nvSpPr>
         <p:spPr>
           <a:xfrm>
-            <a:off x="521208" y="877824"/>
-            <a:ext cx="10515600" cy="1325880"/>
+            <a:off x="603504" y="0"/>
+            <a:ext cx="10753344" cy="1207008"/>
           </a:xfrm>
         </p:spPr>
         <p:txBody>
@@ -3822,15 +3823,32 @@
             </a:pPr>
             <a:r>
               <a:rPr/>
-              <a:t>Backup</a:t>
-            </a:r>
-            <a:r>
-              <a:rPr/>
-              <a:t> </a:t>
-            </a:r>
-            <a:r>
-              <a:rPr/>
-              <a:t>slides</a:t>
+              <a:t>Conclusions</a:t>
+            </a:r>
+          </a:p>
+        </p:txBody>
+      </p:sp>
+      <p:sp>
+        <p:nvSpPr>
+          <p:cNvPr id="3" name="Content Placeholder 2"/>
+          <p:cNvSpPr>
+            <a:spLocks noGrp="1"/>
+          </p:cNvSpPr>
+          <p:nvPr>
+            <p:ph idx="1"/>
+          </p:nvPr>
+        </p:nvSpPr>
+        <p:spPr/>
+        <p:txBody>
+          <a:bodyPr/>
+          <a:lstStyle/>
+          <a:p>
+            <a:pPr lvl="0" marL="0" indent="0">
+              <a:buNone/>
+            </a:pPr>
+            <a:r>
+              <a:rPr/>
+              <a:t>Texting effect</a:t>
             </a:r>
           </a:p>
         </p:txBody>
@@ -3869,8 +3887,8 @@
         </p:nvSpPr>
         <p:spPr>
           <a:xfrm>
-            <a:off x="603504" y="0"/>
-            <a:ext cx="10753344" cy="1207008"/>
+            <a:off x="521208" y="877824"/>
+            <a:ext cx="10515600" cy="1325880"/>
           </a:xfrm>
         </p:spPr>
         <p:txBody>
@@ -3882,63 +3900,15 @@
             </a:pPr>
             <a:r>
               <a:rPr/>
-              <a:t>References</a:t>
-            </a:r>
-          </a:p>
-        </p:txBody>
-      </p:sp>
-      <p:sp>
-        <p:nvSpPr>
-          <p:cNvPr id="3" name="Content Placeholder 2"/>
-          <p:cNvSpPr>
-            <a:spLocks noGrp="1"/>
-          </p:cNvSpPr>
-          <p:nvPr>
-            <p:ph idx="1"/>
-          </p:nvPr>
-        </p:nvSpPr>
-        <p:spPr/>
-        <p:txBody>
-          <a:bodyPr/>
-          <a:lstStyle/>
-          <a:p>
-            <a:pPr lvl="1">
-              <a:buAutoNum type="arabicPeriod"/>
-            </a:pPr>
-            <a:r>
-              <a:rPr/>
-              <a:t>Taamneh, S. et al. A multimodal dataset for various forms of distracted driving. Sci. Data 4:170110 doi: 10.1038/sdata.2017.110 (2017).</a:t>
-            </a:r>
-          </a:p>
-          <a:p>
-            <a:pPr lvl="1">
-              <a:buAutoNum type="arabicPeriod"/>
-            </a:pPr>
-            <a:r>
-              <a:rPr/>
-              <a:t>Betancourt, Michael. 2018. “A Principled Bayesian Workflow” June 2018</a:t>
-            </a:r>
-          </a:p>
-          <a:p>
-            <a:pPr lvl="1">
-              <a:buAutoNum type="arabicPeriod"/>
-            </a:pPr>
-            <a:r>
-              <a:rPr/>
-              <a:t>Kim, Shephard, Chib (1998) “Stochastic Volatility: Likelihood Inference and Comparison with ARCH Models” </a:t>
-            </a:r>
-            <a:r>
-              <a:rPr i="1"/>
-              <a:t>The Review of Economic Studies Vol. 65, No. 3</a:t>
-            </a:r>
-          </a:p>
-          <a:p>
-            <a:pPr lvl="1">
-              <a:buAutoNum type="arabicPeriod"/>
-            </a:pPr>
-            <a:r>
-              <a:rPr/>
-              <a:t>Stan Development Team. “Stan Modeling Language User’s Guide and Reference Manual” Version 2.17.0, Sept 2017</a:t>
+              <a:t>Backup</a:t>
+            </a:r>
+            <a:r>
+              <a:rPr/>
+              <a:t> </a:t>
+            </a:r>
+            <a:r>
+              <a:rPr/>
+              <a:t>slides</a:t>
             </a:r>
           </a:p>
         </p:txBody>
@@ -3990,31 +3960,7 @@
             </a:pPr>
             <a:r>
               <a:rPr/>
-              <a:t>Computing</a:t>
-            </a:r>
-            <a:r>
-              <a:rPr/>
-              <a:t> </a:t>
-            </a:r>
-            <a:r>
-              <a:rPr/>
-              <a:t>Cluster</a:t>
-            </a:r>
-            <a:r>
-              <a:rPr/>
-              <a:t> </a:t>
-            </a:r>
-            <a:r>
-              <a:rPr/>
-              <a:t>Setup</a:t>
-            </a:r>
-            <a:r>
-              <a:rPr/>
-              <a:t> </a:t>
-            </a:r>
-            <a:r>
-              <a:rPr/>
-              <a:t>(AWS)</a:t>
+              <a:t>References</a:t>
             </a:r>
           </a:p>
         </p:txBody>
@@ -4034,66 +3980,43 @@
           <a:bodyPr/>
           <a:lstStyle/>
           <a:p>
-            <a:pPr lvl="0" marL="0" indent="0">
-              <a:spcBef>
-                <a:spcPts val="3000"/>
-              </a:spcBef>
-              <a:buNone/>
+            <a:pPr lvl="1">
+              <a:buAutoNum type="arabicPeriod"/>
             </a:pPr>
             <a:r>
-              <a:rPr b="1"/>
-              <a:t>Prior Predictive Modelling</a:t>
-            </a:r>
-          </a:p>
-          <a:p>
-            <a:pPr lvl="1"/>
-            <a:r>
-              <a:rPr/>
-              <a:t>Each prior predictive model ran 1000 simulations from the generative model</a:t>
-            </a:r>
-          </a:p>
-          <a:p>
-            <a:pPr lvl="1"/>
-            <a:r>
-              <a:rPr/>
-              <a:t>Fitting 1000 simulations is a time consuming process on local machine</a:t>
-            </a:r>
-          </a:p>
-          <a:p>
-            <a:pPr lvl="2"/>
-            <a:r>
-              <a:rPr sz="1800">
-                <a:latin typeface="Courier"/>
-              </a:rPr>
-              <a:t>Stan</a:t>
-            </a:r>
-            <a:r>
-              <a:rPr/>
-              <a:t> runs 4 markov chains in parallel and aggregates (4 cores)</a:t>
-            </a:r>
-          </a:p>
-          <a:p>
-            <a:pPr lvl="2"/>
-            <a:r>
-              <a:rPr/>
-              <a:t>1000 * 4 = 4000 CPU’s to run fit observations for one model!</a:t>
-            </a:r>
-          </a:p>
-          <a:p>
-            <a:pPr lvl="1"/>
-            <a:r>
-              <a:rPr/>
-              <a:t>Created a docker container with </a:t>
-            </a:r>
-            <a:r>
-              <a:rPr sz="1800">
-                <a:latin typeface="Courier"/>
-              </a:rPr>
-              <a:t>RStan</a:t>
-            </a:r>
-            <a:r>
-              <a:rPr/>
-              <a:t> and submitted jobs to AWS Batch service</a:t>
+              <a:rPr/>
+              <a:t>Taamneh, S. et al. A multimodal dataset for various forms of distracted driving. Sci. Data 4:170110 doi: 10.1038/sdata.2017.110 (2017).</a:t>
+            </a:r>
+          </a:p>
+          <a:p>
+            <a:pPr lvl="1">
+              <a:buAutoNum type="arabicPeriod"/>
+            </a:pPr>
+            <a:r>
+              <a:rPr/>
+              <a:t>Betancourt, Michael. 2018. “A Principled Bayesian Workflow” June 2018</a:t>
+            </a:r>
+          </a:p>
+          <a:p>
+            <a:pPr lvl="1">
+              <a:buAutoNum type="arabicPeriod"/>
+            </a:pPr>
+            <a:r>
+              <a:rPr/>
+              <a:t>Kim, Shephard, Chib (1998) “Stochastic Volatility: Likelihood Inference and Comparison with ARCH Models” </a:t>
+            </a:r>
+            <a:r>
+              <a:rPr i="1"/>
+              <a:t>The Review of Economic Studies Vol. 65, No. 3</a:t>
+            </a:r>
+          </a:p>
+          <a:p>
+            <a:pPr lvl="1">
+              <a:buAutoNum type="arabicPeriod"/>
+            </a:pPr>
+            <a:r>
+              <a:rPr/>
+              <a:t>Stan Development Team. “Stan Modeling Language User’s Guide and Reference Manual” Version 2.17.0, Sept 2017</a:t>
             </a:r>
           </a:p>
         </p:txBody>
@@ -4104,6 +4027,161 @@
 </file>
 
 <file path=ppt/slides/slide13.xml><?xml version="1.0" encoding="utf-8"?>
+<p:sld xmlns:a="http://schemas.openxmlformats.org/drawingml/2006/main" xmlns:r="http://schemas.openxmlformats.org/officeDocument/2006/relationships" xmlns:p="http://schemas.openxmlformats.org/presentationml/2006/main">
+  <p:cSld>
+    <p:spTree>
+      <p:nvGrpSpPr>
+        <p:cNvPr id="1" name=""/>
+        <p:cNvGrpSpPr/>
+        <p:nvPr/>
+      </p:nvGrpSpPr>
+      <p:grpSpPr>
+        <a:xfrm>
+          <a:off x="0" y="0"/>
+          <a:ext cx="0" cy="0"/>
+          <a:chOff x="0" y="0"/>
+          <a:chExt cx="0" cy="0"/>
+        </a:xfrm>
+      </p:grpSpPr>
+      <p:sp>
+        <p:nvSpPr>
+          <p:cNvPr id="2" name="Title 1"/>
+          <p:cNvSpPr>
+            <a:spLocks noGrp="1"/>
+          </p:cNvSpPr>
+          <p:nvPr>
+            <p:ph type="title"/>
+          </p:nvPr>
+        </p:nvSpPr>
+        <p:spPr>
+          <a:xfrm>
+            <a:off x="603504" y="0"/>
+            <a:ext cx="10753344" cy="1207008"/>
+          </a:xfrm>
+        </p:spPr>
+        <p:txBody>
+          <a:bodyPr/>
+          <a:lstStyle/>
+          <a:p>
+            <a:pPr lvl="0" marL="0" indent="0">
+              <a:buNone/>
+            </a:pPr>
+            <a:r>
+              <a:rPr/>
+              <a:t>Computing</a:t>
+            </a:r>
+            <a:r>
+              <a:rPr/>
+              <a:t> </a:t>
+            </a:r>
+            <a:r>
+              <a:rPr/>
+              <a:t>Cluster</a:t>
+            </a:r>
+            <a:r>
+              <a:rPr/>
+              <a:t> </a:t>
+            </a:r>
+            <a:r>
+              <a:rPr/>
+              <a:t>Setup</a:t>
+            </a:r>
+            <a:r>
+              <a:rPr/>
+              <a:t> </a:t>
+            </a:r>
+            <a:r>
+              <a:rPr/>
+              <a:t>(AWS)</a:t>
+            </a:r>
+          </a:p>
+        </p:txBody>
+      </p:sp>
+      <p:sp>
+        <p:nvSpPr>
+          <p:cNvPr id="3" name="Content Placeholder 2"/>
+          <p:cNvSpPr>
+            <a:spLocks noGrp="1"/>
+          </p:cNvSpPr>
+          <p:nvPr>
+            <p:ph idx="1"/>
+          </p:nvPr>
+        </p:nvSpPr>
+        <p:spPr/>
+        <p:txBody>
+          <a:bodyPr/>
+          <a:lstStyle/>
+          <a:p>
+            <a:pPr lvl="0" marL="0" indent="0">
+              <a:spcBef>
+                <a:spcPts val="3000"/>
+              </a:spcBef>
+              <a:buNone/>
+            </a:pPr>
+            <a:r>
+              <a:rPr b="1"/>
+              <a:t>Prior Predictive Modelling</a:t>
+            </a:r>
+          </a:p>
+          <a:p>
+            <a:pPr lvl="1"/>
+            <a:r>
+              <a:rPr/>
+              <a:t>Each prior predictive model ran 1000 simulations from the generative model</a:t>
+            </a:r>
+          </a:p>
+          <a:p>
+            <a:pPr lvl="1"/>
+            <a:r>
+              <a:rPr/>
+              <a:t>Fitting 1000 simulations is a time consuming process on local machine</a:t>
+            </a:r>
+          </a:p>
+          <a:p>
+            <a:pPr lvl="2"/>
+            <a:r>
+              <a:rPr sz="1800">
+                <a:latin typeface="Courier"/>
+              </a:rPr>
+              <a:t>Stan</a:t>
+            </a:r>
+            <a:r>
+              <a:rPr/>
+              <a:t> runs 4 markov chains in parallel and aggregates (4 cores)</a:t>
+            </a:r>
+          </a:p>
+          <a:p>
+            <a:pPr lvl="2"/>
+            <a:r>
+              <a:rPr/>
+              <a:t>1000 * 4 = 4000 CPU’s to run fit observations for one model!</a:t>
+            </a:r>
+          </a:p>
+          <a:p>
+            <a:pPr lvl="1"/>
+            <a:r>
+              <a:rPr/>
+              <a:t>Created a docker container with </a:t>
+            </a:r>
+            <a:r>
+              <a:rPr sz="1800">
+                <a:latin typeface="Courier"/>
+              </a:rPr>
+              <a:t>RStan</a:t>
+            </a:r>
+            <a:r>
+              <a:rPr/>
+              <a:t> and submitted jobs to AWS Batch service</a:t>
+            </a:r>
+          </a:p>
+        </p:txBody>
+      </p:sp>
+    </p:spTree>
+  </p:cSld>
+</p:sld>
+</file>
+
+<file path=ppt/slides/slide14.xml><?xml version="1.0" encoding="utf-8"?>
 <p:sld xmlns:a="http://schemas.openxmlformats.org/drawingml/2006/main" xmlns:r="http://schemas.openxmlformats.org/officeDocument/2006/relationships" xmlns:p="http://schemas.openxmlformats.org/presentationml/2006/main">
   <p:cSld>
     <p:spTree>
@@ -6240,6 +6318,15 @@
                       </m:r>
                       <m:r>
                         <m:t>)</m:t>
+                      </m:r>
+                      <m:r>
+                        <m:t>:</m:t>
+                      </m:r>
+                      <m:r>
+                        <m:rPr>
+                          <m:sty m:val="p"/>
+                        </m:rPr>
+                        <m:t>White noise shock</m:t>
                       </m:r>
                     </m:oMath>
                   </m:oMathPara>

--- a/src/presentation/final_presentation.pptx
+++ b/src/presentation/final_presentation.pptx
@@ -19,6 +19,7 @@
     <p:sldId id="267" r:id="rId13"/>
     <p:sldId id="268" r:id="rId14"/>
     <p:sldId id="269" r:id="rId15"/>
+    <p:sldId id="270" r:id="rId16"/>
   </p:sldIdLst>
   <p:sldSz cx="12192000" cy="6858000"/>
   <p:notesSz cx="6858000" cy="9144000"/>
@@ -3810,8 +3811,8 @@
         </p:nvSpPr>
         <p:spPr>
           <a:xfrm>
-            <a:off x="603504" y="0"/>
-            <a:ext cx="10753344" cy="1207008"/>
+            <a:off x="838200" y="0"/>
+            <a:ext cx="10515600" cy="1207008"/>
           </a:xfrm>
         </p:spPr>
         <p:txBody>
@@ -3823,36 +3824,693 @@
             </a:pPr>
             <a:r>
               <a:rPr/>
-              <a:t>Conclusions</a:t>
-            </a:r>
-          </a:p>
-        </p:txBody>
-      </p:sp>
-      <p:sp>
-        <p:nvSpPr>
-          <p:cNvPr id="3" name="Content Placeholder 2"/>
-          <p:cNvSpPr>
-            <a:spLocks noGrp="1"/>
-          </p:cNvSpPr>
-          <p:nvPr>
-            <p:ph idx="1"/>
-          </p:nvPr>
-        </p:nvSpPr>
-        <p:spPr/>
-        <p:txBody>
-          <a:bodyPr/>
-          <a:lstStyle/>
-          <a:p>
-            <a:pPr lvl="0" marL="0" indent="0">
-              <a:buNone/>
-            </a:pPr>
-            <a:r>
-              <a:rPr/>
-              <a:t>Texting effect</a:t>
-            </a:r>
-          </a:p>
-        </p:txBody>
-      </p:sp>
+              <a:t>Multivariate</a:t>
+            </a:r>
+            <a:r>
+              <a:rPr/>
+              <a:t> </a:t>
+            </a:r>
+            <a:r>
+              <a:rPr/>
+              <a:t>(SV</a:t>
+            </a:r>
+            <a:r>
+              <a:rPr/>
+              <a:t> </a:t>
+            </a:r>
+            <a:r>
+              <a:rPr/>
+              <a:t>Model)</a:t>
+            </a:r>
+            <a:r>
+              <a:rPr/>
+              <a:t> </a:t>
+            </a:r>
+            <a:r>
+              <a:rPr/>
+              <a:t>Setup</a:t>
+            </a:r>
+          </a:p>
+        </p:txBody>
+      </p:sp>
+      <mc:AlternateContent xmlns:mc="http://schemas.openxmlformats.org/markup-compatibility/2006">
+        <mc:Choice xmlns:a14="http://schemas.microsoft.com/office/drawing/2010/main" Requires="a14">
+          <p:sp>
+            <p:nvSpPr>
+              <p:cNvPr id="3" name="Content Placeholder 2"/>
+              <p:cNvSpPr>
+                <a:spLocks noGrp="1"/>
+              </p:cNvSpPr>
+              <p:nvPr>
+                <p:ph sz="half" idx="1"/>
+              </p:nvPr>
+            </p:nvSpPr>
+            <p:spPr/>
+            <p:txBody>
+              <a:bodyPr/>
+              <a:lstStyle/>
+              <a:p>
+                <a:pPr lvl="0" marL="0" indent="0">
+                  <a:spcBef>
+                    <a:spcPts val="3000"/>
+                  </a:spcBef>
+                  <a:buNone/>
+                </a:pPr>
+                <a:r>
+                  <a:rPr b="1"/>
+                  <a:t>Conceptual Analysis</a:t>
+                </a:r>
+              </a:p>
+              <a:p>
+                <a:pPr lvl="0" marL="0" indent="0">
+                  <a:buNone/>
+                </a:pPr>
+                <a:r>
+                  <a:rPr/>
+                  <a:t>All the drivers!</a:t>
+                </a:r>
+              </a:p>
+              <a:p>
+                <a:pPr lvl="0" marL="0" indent="0">
+                  <a:spcBef>
+                    <a:spcPts val="3000"/>
+                  </a:spcBef>
+                  <a:buNone/>
+                </a:pPr>
+                <a:r>
+                  <a:rPr b="1"/>
+                  <a:t>Define observations</a:t>
+                </a:r>
+              </a:p>
+              <a:p>
+                <a:pPr lvl="0" marL="0" indent="0">
+                  <a:buNone/>
+                </a:pPr>
+                <a14:m>
+                  <m:oMathPara xmlns:m="http://schemas.openxmlformats.org/officeDocument/2006/math">
+                    <m:oMathParaPr>
+                      <m:jc m:val="center"/>
+                    </m:oMathParaPr>
+                    <m:oMath>
+                      <m:sSub>
+                        <m:e>
+                          <m:r>
+                            <m:t>N</m:t>
+                          </m:r>
+                        </m:e>
+                        <m:sub>
+                          <m:r>
+                            <m:t>t</m:t>
+                          </m:r>
+                          <m:r>
+                            <m:t>e</m:t>
+                          </m:r>
+                          <m:r>
+                            <m:t>x</m:t>
+                          </m:r>
+                          <m:r>
+                            <m:t>t</m:t>
+                          </m:r>
+                          <m:r>
+                            <m:t>i</m:t>
+                          </m:r>
+                          <m:r>
+                            <m:t>n</m:t>
+                          </m:r>
+                          <m:r>
+                            <m:t>g</m:t>
+                          </m:r>
+                        </m:sub>
+                      </m:sSub>
+                      <m:r>
+                        <m:t>:</m:t>
+                      </m:r>
+                      <m:r>
+                        <m:rPr>
+                          <m:sty m:val="p"/>
+                        </m:rPr>
+                        <m:t>Number of texting states </m:t>
+                      </m:r>
+                      <m:r>
+                        <m:t>(</m:t>
+                      </m:r>
+                      <m:r>
+                        <m:t>j</m:t>
+                      </m:r>
+                      <m:r>
+                        <m:t>)</m:t>
+                      </m:r>
+                    </m:oMath>
+                  </m:oMathPara>
+                </a14:m>
+              </a:p>
+              <a:p>
+                <a:pPr lvl="0" marL="0" indent="0">
+                  <a:buNone/>
+                </a:pPr>
+                <a14:m>
+                  <m:oMathPara xmlns:m="http://schemas.openxmlformats.org/officeDocument/2006/math">
+                    <m:oMathParaPr>
+                      <m:jc m:val="center"/>
+                    </m:oMathParaPr>
+                    <m:oMath>
+                      <m:sSub>
+                        <m:e>
+                          <m:r>
+                            <m:t>N</m:t>
+                          </m:r>
+                        </m:e>
+                        <m:sub>
+                          <m:r>
+                            <m:t>d</m:t>
+                          </m:r>
+                          <m:r>
+                            <m:t>r</m:t>
+                          </m:r>
+                          <m:r>
+                            <m:t>i</m:t>
+                          </m:r>
+                          <m:r>
+                            <m:t>v</m:t>
+                          </m:r>
+                          <m:r>
+                            <m:t>e</m:t>
+                          </m:r>
+                          <m:r>
+                            <m:t>r</m:t>
+                          </m:r>
+                          <m:r>
+                            <m:t>s</m:t>
+                          </m:r>
+                        </m:sub>
+                      </m:sSub>
+                      <m:r>
+                        <m:t>:</m:t>
+                      </m:r>
+                      <m:r>
+                        <m:rPr>
+                          <m:sty m:val="p"/>
+                        </m:rPr>
+                        <m:t>Number of drivers </m:t>
+                      </m:r>
+                      <m:r>
+                        <m:t>(</m:t>
+                      </m:r>
+                      <m:r>
+                        <m:t>i</m:t>
+                      </m:r>
+                      <m:r>
+                        <m:t>)</m:t>
+                      </m:r>
+                    </m:oMath>
+                  </m:oMathPara>
+                </a14:m>
+              </a:p>
+              <a:p>
+                <a:pPr lvl="0" marL="0" indent="0">
+                  <a:buNone/>
+                </a:pPr>
+                <a14:m>
+                  <m:oMathPara xmlns:m="http://schemas.openxmlformats.org/officeDocument/2006/math">
+                    <m:oMathParaPr>
+                      <m:jc m:val="center"/>
+                    </m:oMathParaPr>
+                    <m:oMath>
+                      <m:r>
+                        <m:t>N</m:t>
+                      </m:r>
+                      <m:r>
+                        <m:t>:</m:t>
+                      </m:r>
+                      <m:r>
+                        <m:rPr>
+                          <m:sty m:val="p"/>
+                        </m:rPr>
+                        <m:t>Number of observations, </m:t>
+                      </m:r>
+                      <m:sSub>
+                        <m:e>
+                          <m:r>
+                            <m:t>N</m:t>
+                          </m:r>
+                        </m:e>
+                        <m:sub>
+                          <m:r>
+                            <m:t>d</m:t>
+                          </m:r>
+                          <m:r>
+                            <m:t>r</m:t>
+                          </m:r>
+                          <m:r>
+                            <m:t>i</m:t>
+                          </m:r>
+                          <m:r>
+                            <m:t>v</m:t>
+                          </m:r>
+                          <m:r>
+                            <m:t>e</m:t>
+                          </m:r>
+                          <m:r>
+                            <m:t>r</m:t>
+                          </m:r>
+                          <m:r>
+                            <m:t>s</m:t>
+                          </m:r>
+                        </m:sub>
+                      </m:sSub>
+                      <m:r>
+                        <m:t>*</m:t>
+                      </m:r>
+                      <m:sSub>
+                        <m:e>
+                          <m:r>
+                            <m:t>N</m:t>
+                          </m:r>
+                        </m:e>
+                        <m:sub>
+                          <m:r>
+                            <m:t>o</m:t>
+                          </m:r>
+                          <m:r>
+                            <m:t>b</m:t>
+                          </m:r>
+                          <m:r>
+                            <m:t>s</m:t>
+                          </m:r>
+                          <m:r>
+                            <m:t>/</m:t>
+                          </m:r>
+                          <m:r>
+                            <m:t>d</m:t>
+                          </m:r>
+                          <m:r>
+                            <m:t>r</m:t>
+                          </m:r>
+                          <m:r>
+                            <m:t>i</m:t>
+                          </m:r>
+                          <m:r>
+                            <m:t>v</m:t>
+                          </m:r>
+                          <m:r>
+                            <m:t>e</m:t>
+                          </m:r>
+                          <m:r>
+                            <m:t>r</m:t>
+                          </m:r>
+                        </m:sub>
+                      </m:sSub>
+                    </m:oMath>
+                  </m:oMathPara>
+                </a14:m>
+              </a:p>
+              <a:p>
+                <a:pPr lvl="0" marL="0" indent="0">
+                  <a:buNone/>
+                </a:pPr>
+                <a14:m>
+                  <m:oMathPara xmlns:m="http://schemas.openxmlformats.org/officeDocument/2006/math">
+                    <m:oMathParaPr>
+                      <m:jc m:val="center"/>
+                    </m:oMathParaPr>
+                    <m:oMath>
+                      <m:sSub>
+                        <m:e>
+                          <m:r>
+                            <m:t>y</m:t>
+                          </m:r>
+                        </m:e>
+                        <m:sub>
+                          <m:r>
+                            <m:t>n</m:t>
+                          </m:r>
+                        </m:sub>
+                      </m:sSub>
+                      <m:r>
+                        <m:t>:</m:t>
+                      </m:r>
+                      <m:r>
+                        <m:rPr>
+                          <m:sty m:val="p"/>
+                        </m:rPr>
+                        <m:t>Lane Position (meters), mean corrected</m:t>
+                      </m:r>
+                    </m:oMath>
+                  </m:oMathPara>
+                </a14:m>
+              </a:p>
+              <a:p>
+                <a:pPr lvl="0" marL="0" indent="0">
+                  <a:buNone/>
+                </a:pPr>
+                <a14:m>
+                  <m:oMathPara xmlns:m="http://schemas.openxmlformats.org/officeDocument/2006/math">
+                    <m:oMathParaPr>
+                      <m:jc m:val="center"/>
+                    </m:oMathParaPr>
+                    <m:oMath>
+                      <m:sSub>
+                        <m:e>
+                          <m:r>
+                            <m:t>x</m:t>
+                          </m:r>
+                        </m:e>
+                        <m:sub>
+                          <m:r>
+                            <m:t>n</m:t>
+                          </m:r>
+                        </m:sub>
+                      </m:sSub>
+                      <m:r>
+                        <m:t>:</m:t>
+                      </m:r>
+                      <m:r>
+                        <m:rPr>
+                          <m:sty m:val="p"/>
+                        </m:rPr>
+                        <m:t>Texting indicator (1: ND, 2: MD)</m:t>
+                      </m:r>
+                    </m:oMath>
+                  </m:oMathPara>
+                </a14:m>
+              </a:p>
+            </p:txBody>
+          </p:sp>
+        </mc:Choice>
+      </mc:AlternateContent>
+      <mc:AlternateContent xmlns:mc="http://schemas.openxmlformats.org/markup-compatibility/2006">
+        <mc:Choice xmlns:a14="http://schemas.microsoft.com/office/drawing/2010/main" Requires="a14">
+          <p:sp>
+            <p:nvSpPr>
+              <p:cNvPr id="4" name="Content Placeholder 3"/>
+              <p:cNvSpPr>
+                <a:spLocks noGrp="1"/>
+              </p:cNvSpPr>
+              <p:nvPr>
+                <p:ph sz="half" idx="2"/>
+              </p:nvPr>
+            </p:nvSpPr>
+            <p:spPr/>
+            <p:txBody>
+              <a:bodyPr/>
+              <a:lstStyle/>
+              <a:p>
+                <a:pPr lvl="0" marL="0" indent="0">
+                  <a:spcBef>
+                    <a:spcPts val="3000"/>
+                  </a:spcBef>
+                  <a:buNone/>
+                </a:pPr>
+                <a:r>
+                  <a:rPr b="1"/>
+                  <a:t>Likelihood and priors</a:t>
+                </a:r>
+              </a:p>
+              <a:p>
+                <a:pPr lvl="0" marL="0" indent="0">
+                  <a:buNone/>
+                </a:pPr>
+                <a14:m>
+                  <m:oMathPara xmlns:m="http://schemas.openxmlformats.org/officeDocument/2006/math">
+                    <m:oMathParaPr>
+                      <m:jc m:val="center"/>
+                    </m:oMathParaPr>
+                    <m:oMath>
+                      <m:sSub>
+                        <m:e>
+                          <m:r>
+                            <m:t>y</m:t>
+                          </m:r>
+                        </m:e>
+                        <m:sub>
+                          <m:r>
+                            <m:t>n</m:t>
+                          </m:r>
+                        </m:sub>
+                      </m:sSub>
+                      <m:r>
+                        <m:t>∼</m:t>
+                      </m:r>
+                      <m:r>
+                        <m:rPr>
+                          <m:sty m:val="p"/>
+                          <m:scr m:val="script"/>
+                        </m:rPr>
+                        <m:t>N</m:t>
+                      </m:r>
+                      <m:r>
+                        <m:t>(</m:t>
+                      </m:r>
+                      <m:r>
+                        <m:t>0</m:t>
+                      </m:r>
+                      <m:r>
+                        <m:t>,</m:t>
+                      </m:r>
+                      <m:r>
+                        <m:rPr>
+                          <m:sty m:val="p"/>
+                        </m:rPr>
+                        <m:t>exp</m:t>
+                      </m:r>
+                      <m:r>
+                        <m:t>(</m:t>
+                      </m:r>
+                      <m:sSub>
+                        <m:e>
+                          <m:r>
+                            <m:t>h</m:t>
+                          </m:r>
+                        </m:e>
+                        <m:sub>
+                          <m:r>
+                            <m:t>n</m:t>
+                          </m:r>
+                        </m:sub>
+                      </m:sSub>
+                      <m:r>
+                        <m:t>/</m:t>
+                      </m:r>
+                      <m:r>
+                        <m:t>2</m:t>
+                      </m:r>
+                      <m:r>
+                        <m:t>)</m:t>
+                      </m:r>
+                      <m:r>
+                        <m:t>)</m:t>
+                      </m:r>
+                    </m:oMath>
+                  </m:oMathPara>
+                </a14:m>
+              </a:p>
+              <a:p>
+                <a:pPr lvl="0" marL="0" indent="0">
+                  <a:buNone/>
+                </a:pPr>
+                <a14:m>
+                  <m:oMathPara xmlns:m="http://schemas.openxmlformats.org/officeDocument/2006/math">
+                    <m:oMathParaPr>
+                      <m:jc m:val="center"/>
+                    </m:oMathParaPr>
+                    <m:oMath>
+                      <m:sSub>
+                        <m:e>
+                          <m:r>
+                            <m:t>h</m:t>
+                          </m:r>
+                        </m:e>
+                        <m:sub>
+                          <m:r>
+                            <m:t>n</m:t>
+                          </m:r>
+                        </m:sub>
+                      </m:sSub>
+                      <m:r>
+                        <m:t>∼</m:t>
+                      </m:r>
+                      <m:r>
+                        <m:rPr>
+                          <m:sty m:val="p"/>
+                          <m:scr m:val="script"/>
+                        </m:rPr>
+                        <m:t>N</m:t>
+                      </m:r>
+                      <m:r>
+                        <m:t>(</m:t>
+                      </m:r>
+                      <m:r>
+                        <m:t>μ</m:t>
+                      </m:r>
+                      <m:r>
+                        <m:t>+</m:t>
+                      </m:r>
+                      <m:sSub>
+                        <m:e>
+                          <m:r>
+                            <m:t>μ</m:t>
+                          </m:r>
+                        </m:e>
+                        <m:sub>
+                          <m:r>
+                            <m:t>i</m:t>
+                          </m:r>
+                        </m:sub>
+                      </m:sSub>
+                      <m:r>
+                        <m:t>+</m:t>
+                      </m:r>
+                      <m:r>
+                        <m:t>δ</m:t>
+                      </m:r>
+                      <m:r>
+                        <m:t>+</m:t>
+                      </m:r>
+                      <m:sSub>
+                        <m:e>
+                          <m:r>
+                            <m:t>δ</m:t>
+                          </m:r>
+                        </m:e>
+                        <m:sub>
+                          <m:r>
+                            <m:t>i</m:t>
+                          </m:r>
+                        </m:sub>
+                      </m:sSub>
+                      <m:r>
+                        <m:t>+</m:t>
+                      </m:r>
+                      <m:r>
+                        <m:t>ϕ</m:t>
+                      </m:r>
+                      <m:r>
+                        <m:t>(</m:t>
+                      </m:r>
+                      <m:sSub>
+                        <m:e>
+                          <m:r>
+                            <m:t>h</m:t>
+                          </m:r>
+                        </m:e>
+                        <m:sub>
+                          <m:r>
+                            <m:t>n</m:t>
+                          </m:r>
+                        </m:sub>
+                      </m:sSub>
+                      <m:r>
+                        <m:t>−</m:t>
+                      </m:r>
+                      <m:r>
+                        <m:t>μ</m:t>
+                      </m:r>
+                      <m:r>
+                        <m:t>)</m:t>
+                      </m:r>
+                      <m:r>
+                        <m:t>,</m:t>
+                      </m:r>
+                      <m:r>
+                        <m:t>σ</m:t>
+                      </m:r>
+                      <m:r>
+                        <m:t>)</m:t>
+                      </m:r>
+                    </m:oMath>
+                  </m:oMathPara>
+                </a14:m>
+              </a:p>
+              <a:p>
+                <a:pPr lvl="0" marL="0" indent="0">
+                  <a:buNone/>
+                </a:pPr>
+                <a14:m>
+                  <m:oMathPara xmlns:m="http://schemas.openxmlformats.org/officeDocument/2006/math">
+                    <m:oMathParaPr>
+                      <m:jc m:val="center"/>
+                    </m:oMathParaPr>
+                    <m:oMath>
+                      <m:sSub>
+                        <m:e>
+                          <m:r>
+                            <m:t>h</m:t>
+                          </m:r>
+                        </m:e>
+                        <m:sub>
+                          <m:r>
+                            <m:t>1</m:t>
+                          </m:r>
+                        </m:sub>
+                      </m:sSub>
+                      <m:r>
+                        <m:t>∼</m:t>
+                      </m:r>
+                      <m:r>
+                        <m:rPr>
+                          <m:sty m:val="p"/>
+                          <m:scr m:val="script"/>
+                        </m:rPr>
+                        <m:t>N</m:t>
+                      </m:r>
+                      <m:r>
+                        <m:t>(</m:t>
+                      </m:r>
+                      <m:r>
+                        <m:t>μ</m:t>
+                      </m:r>
+                      <m:r>
+                        <m:t>,</m:t>
+                      </m:r>
+                      <m:f>
+                        <m:fPr>
+                          <m:type m:val="bar"/>
+                        </m:fPr>
+                        <m:num>
+                          <m:r>
+                            <m:t>σ</m:t>
+                          </m:r>
+                        </m:num>
+                        <m:den>
+                          <m:rad>
+                            <m:radPr>
+                              <m:degHide m:val="1"/>
+                            </m:radPr>
+                            <m:deg/>
+                            <m:e>
+                              <m:r>
+                                <m:t>1</m:t>
+                              </m:r>
+                              <m:r>
+                                <m:t>−</m:t>
+                              </m:r>
+                              <m:sSup>
+                                <m:e>
+                                  <m:r>
+                                    <m:t>ϕ</m:t>
+                                  </m:r>
+                                </m:e>
+                                <m:sup>
+                                  <m:r>
+                                    <m:t>2</m:t>
+                                  </m:r>
+                                </m:sup>
+                              </m:sSup>
+                            </m:e>
+                          </m:rad>
+                        </m:den>
+                      </m:f>
+                      <m:r>
+                        <m:t>)</m:t>
+                      </m:r>
+                    </m:oMath>
+                  </m:oMathPara>
+                </a14:m>
+              </a:p>
+            </p:txBody>
+          </p:sp>
+        </mc:Choice>
+      </mc:AlternateContent>
     </p:spTree>
   </p:cSld>
 </p:sld>
@@ -3887,8 +4545,8 @@
         </p:nvSpPr>
         <p:spPr>
           <a:xfrm>
-            <a:off x="521208" y="877824"/>
-            <a:ext cx="10515600" cy="1325880"/>
+            <a:off x="603504" y="0"/>
+            <a:ext cx="10753344" cy="1207008"/>
           </a:xfrm>
         </p:spPr>
         <p:txBody>
@@ -3900,15 +4558,7 @@
             </a:pPr>
             <a:r>
               <a:rPr/>
-              <a:t>Backup</a:t>
-            </a:r>
-            <a:r>
-              <a:rPr/>
-              <a:t> </a:t>
-            </a:r>
-            <a:r>
-              <a:rPr/>
-              <a:t>slides</a:t>
+              <a:t>Conclusions</a:t>
             </a:r>
           </a:p>
         </p:txBody>
@@ -3947,8 +4597,8 @@
         </p:nvSpPr>
         <p:spPr>
           <a:xfrm>
-            <a:off x="603504" y="0"/>
-            <a:ext cx="10753344" cy="1207008"/>
+            <a:off x="521208" y="877824"/>
+            <a:ext cx="10515600" cy="1325880"/>
           </a:xfrm>
         </p:spPr>
         <p:txBody>
@@ -3960,63 +4610,15 @@
             </a:pPr>
             <a:r>
               <a:rPr/>
-              <a:t>References</a:t>
-            </a:r>
-          </a:p>
-        </p:txBody>
-      </p:sp>
-      <p:sp>
-        <p:nvSpPr>
-          <p:cNvPr id="3" name="Content Placeholder 2"/>
-          <p:cNvSpPr>
-            <a:spLocks noGrp="1"/>
-          </p:cNvSpPr>
-          <p:nvPr>
-            <p:ph idx="1"/>
-          </p:nvPr>
-        </p:nvSpPr>
-        <p:spPr/>
-        <p:txBody>
-          <a:bodyPr/>
-          <a:lstStyle/>
-          <a:p>
-            <a:pPr lvl="1">
-              <a:buAutoNum type="arabicPeriod"/>
-            </a:pPr>
-            <a:r>
-              <a:rPr/>
-              <a:t>Taamneh, S. et al. A multimodal dataset for various forms of distracted driving. Sci. Data 4:170110 doi: 10.1038/sdata.2017.110 (2017).</a:t>
-            </a:r>
-          </a:p>
-          <a:p>
-            <a:pPr lvl="1">
-              <a:buAutoNum type="arabicPeriod"/>
-            </a:pPr>
-            <a:r>
-              <a:rPr/>
-              <a:t>Betancourt, Michael. 2018. “A Principled Bayesian Workflow” June 2018</a:t>
-            </a:r>
-          </a:p>
-          <a:p>
-            <a:pPr lvl="1">
-              <a:buAutoNum type="arabicPeriod"/>
-            </a:pPr>
-            <a:r>
-              <a:rPr/>
-              <a:t>Kim, Shephard, Chib (1998) “Stochastic Volatility: Likelihood Inference and Comparison with ARCH Models” </a:t>
-            </a:r>
-            <a:r>
-              <a:rPr i="1"/>
-              <a:t>The Review of Economic Studies Vol. 65, No. 3</a:t>
-            </a:r>
-          </a:p>
-          <a:p>
-            <a:pPr lvl="1">
-              <a:buAutoNum type="arabicPeriod"/>
-            </a:pPr>
-            <a:r>
-              <a:rPr/>
-              <a:t>Stan Development Team. “Stan Modeling Language User’s Guide and Reference Manual” Version 2.17.0, Sept 2017</a:t>
+              <a:t>Backup</a:t>
+            </a:r>
+            <a:r>
+              <a:rPr/>
+              <a:t> </a:t>
+            </a:r>
+            <a:r>
+              <a:rPr/>
+              <a:t>slides</a:t>
             </a:r>
           </a:p>
         </p:txBody>
@@ -4068,31 +4670,7 @@
             </a:pPr>
             <a:r>
               <a:rPr/>
-              <a:t>Computing</a:t>
-            </a:r>
-            <a:r>
-              <a:rPr/>
-              <a:t> </a:t>
-            </a:r>
-            <a:r>
-              <a:rPr/>
-              <a:t>Cluster</a:t>
-            </a:r>
-            <a:r>
-              <a:rPr/>
-              <a:t> </a:t>
-            </a:r>
-            <a:r>
-              <a:rPr/>
-              <a:t>Setup</a:t>
-            </a:r>
-            <a:r>
-              <a:rPr/>
-              <a:t> </a:t>
-            </a:r>
-            <a:r>
-              <a:rPr/>
-              <a:t>(AWS)</a:t>
+              <a:t>References</a:t>
             </a:r>
           </a:p>
         </p:txBody>
@@ -4112,66 +4690,43 @@
           <a:bodyPr/>
           <a:lstStyle/>
           <a:p>
-            <a:pPr lvl="0" marL="0" indent="0">
-              <a:spcBef>
-                <a:spcPts val="3000"/>
-              </a:spcBef>
-              <a:buNone/>
+            <a:pPr lvl="1">
+              <a:buAutoNum type="arabicPeriod"/>
             </a:pPr>
             <a:r>
-              <a:rPr b="1"/>
-              <a:t>Prior Predictive Modelling</a:t>
-            </a:r>
-          </a:p>
-          <a:p>
-            <a:pPr lvl="1"/>
-            <a:r>
-              <a:rPr/>
-              <a:t>Each prior predictive model ran 1000 simulations from the generative model</a:t>
-            </a:r>
-          </a:p>
-          <a:p>
-            <a:pPr lvl="1"/>
-            <a:r>
-              <a:rPr/>
-              <a:t>Fitting 1000 simulations is a time consuming process on local machine</a:t>
-            </a:r>
-          </a:p>
-          <a:p>
-            <a:pPr lvl="2"/>
-            <a:r>
-              <a:rPr sz="1800">
-                <a:latin typeface="Courier"/>
-              </a:rPr>
-              <a:t>Stan</a:t>
-            </a:r>
-            <a:r>
-              <a:rPr/>
-              <a:t> runs 4 markov chains in parallel and aggregates (4 cores)</a:t>
-            </a:r>
-          </a:p>
-          <a:p>
-            <a:pPr lvl="2"/>
-            <a:r>
-              <a:rPr/>
-              <a:t>1000 * 4 = 4000 CPU’s to run fit observations for one model!</a:t>
-            </a:r>
-          </a:p>
-          <a:p>
-            <a:pPr lvl="1"/>
-            <a:r>
-              <a:rPr/>
-              <a:t>Created a docker container with </a:t>
-            </a:r>
-            <a:r>
-              <a:rPr sz="1800">
-                <a:latin typeface="Courier"/>
-              </a:rPr>
-              <a:t>RStan</a:t>
-            </a:r>
-            <a:r>
-              <a:rPr/>
-              <a:t> and submitted jobs to AWS Batch service</a:t>
+              <a:rPr/>
+              <a:t>Taamneh, S. et al. A multimodal dataset for various forms of distracted driving. Sci. Data 4:170110 doi: 10.1038/sdata.2017.110 (2017).</a:t>
+            </a:r>
+          </a:p>
+          <a:p>
+            <a:pPr lvl="1">
+              <a:buAutoNum type="arabicPeriod"/>
+            </a:pPr>
+            <a:r>
+              <a:rPr/>
+              <a:t>Betancourt, Michael. 2018. “A Principled Bayesian Workflow” June 2018</a:t>
+            </a:r>
+          </a:p>
+          <a:p>
+            <a:pPr lvl="1">
+              <a:buAutoNum type="arabicPeriod"/>
+            </a:pPr>
+            <a:r>
+              <a:rPr/>
+              <a:t>Kim, Shephard, Chib (1998) “Stochastic Volatility: Likelihood Inference and Comparison with ARCH Models” </a:t>
+            </a:r>
+            <a:r>
+              <a:rPr i="1"/>
+              <a:t>The Review of Economic Studies Vol. 65, No. 3</a:t>
+            </a:r>
+          </a:p>
+          <a:p>
+            <a:pPr lvl="1">
+              <a:buAutoNum type="arabicPeriod"/>
+            </a:pPr>
+            <a:r>
+              <a:rPr/>
+              <a:t>Stan Development Team. “Stan Modeling Language User’s Guide and Reference Manual” Version 2.17.0, Sept 2017</a:t>
             </a:r>
           </a:p>
         </p:txBody>
@@ -4223,6 +4778,161 @@
             </a:pPr>
             <a:r>
               <a:rPr/>
+              <a:t>Computing</a:t>
+            </a:r>
+            <a:r>
+              <a:rPr/>
+              <a:t> </a:t>
+            </a:r>
+            <a:r>
+              <a:rPr/>
+              <a:t>Cluster</a:t>
+            </a:r>
+            <a:r>
+              <a:rPr/>
+              <a:t> </a:t>
+            </a:r>
+            <a:r>
+              <a:rPr/>
+              <a:t>Setup</a:t>
+            </a:r>
+            <a:r>
+              <a:rPr/>
+              <a:t> </a:t>
+            </a:r>
+            <a:r>
+              <a:rPr/>
+              <a:t>(AWS)</a:t>
+            </a:r>
+          </a:p>
+        </p:txBody>
+      </p:sp>
+      <p:sp>
+        <p:nvSpPr>
+          <p:cNvPr id="3" name="Content Placeholder 2"/>
+          <p:cNvSpPr>
+            <a:spLocks noGrp="1"/>
+          </p:cNvSpPr>
+          <p:nvPr>
+            <p:ph idx="1"/>
+          </p:nvPr>
+        </p:nvSpPr>
+        <p:spPr/>
+        <p:txBody>
+          <a:bodyPr/>
+          <a:lstStyle/>
+          <a:p>
+            <a:pPr lvl="0" marL="0" indent="0">
+              <a:spcBef>
+                <a:spcPts val="3000"/>
+              </a:spcBef>
+              <a:buNone/>
+            </a:pPr>
+            <a:r>
+              <a:rPr b="1"/>
+              <a:t>Prior Predictive Modelling</a:t>
+            </a:r>
+          </a:p>
+          <a:p>
+            <a:pPr lvl="1"/>
+            <a:r>
+              <a:rPr/>
+              <a:t>Each prior predictive model ran 1000 simulations from the generative model</a:t>
+            </a:r>
+          </a:p>
+          <a:p>
+            <a:pPr lvl="1"/>
+            <a:r>
+              <a:rPr/>
+              <a:t>Fitting 1000 simulations is a time consuming process on local machine</a:t>
+            </a:r>
+          </a:p>
+          <a:p>
+            <a:pPr lvl="2"/>
+            <a:r>
+              <a:rPr sz="1800">
+                <a:latin typeface="Courier"/>
+              </a:rPr>
+              <a:t>Stan</a:t>
+            </a:r>
+            <a:r>
+              <a:rPr/>
+              <a:t> runs 4 markov chains in parallel and aggregates (4 cores)</a:t>
+            </a:r>
+          </a:p>
+          <a:p>
+            <a:pPr lvl="2"/>
+            <a:r>
+              <a:rPr/>
+              <a:t>1000 * 4 = 4000 CPU’s to run fit observations for one model!</a:t>
+            </a:r>
+          </a:p>
+          <a:p>
+            <a:pPr lvl="1"/>
+            <a:r>
+              <a:rPr/>
+              <a:t>Created a docker container with </a:t>
+            </a:r>
+            <a:r>
+              <a:rPr sz="1800">
+                <a:latin typeface="Courier"/>
+              </a:rPr>
+              <a:t>RStan</a:t>
+            </a:r>
+            <a:r>
+              <a:rPr/>
+              <a:t> and submitted jobs to AWS Batch service</a:t>
+            </a:r>
+          </a:p>
+        </p:txBody>
+      </p:sp>
+    </p:spTree>
+  </p:cSld>
+</p:sld>
+</file>
+
+<file path=ppt/slides/slide15.xml><?xml version="1.0" encoding="utf-8"?>
+<p:sld xmlns:a="http://schemas.openxmlformats.org/drawingml/2006/main" xmlns:r="http://schemas.openxmlformats.org/officeDocument/2006/relationships" xmlns:p="http://schemas.openxmlformats.org/presentationml/2006/main">
+  <p:cSld>
+    <p:spTree>
+      <p:nvGrpSpPr>
+        <p:cNvPr id="1" name=""/>
+        <p:cNvGrpSpPr/>
+        <p:nvPr/>
+      </p:nvGrpSpPr>
+      <p:grpSpPr>
+        <a:xfrm>
+          <a:off x="0" y="0"/>
+          <a:ext cx="0" cy="0"/>
+          <a:chOff x="0" y="0"/>
+          <a:chExt cx="0" cy="0"/>
+        </a:xfrm>
+      </p:grpSpPr>
+      <p:sp>
+        <p:nvSpPr>
+          <p:cNvPr id="2" name="Title 1"/>
+          <p:cNvSpPr>
+            <a:spLocks noGrp="1"/>
+          </p:cNvSpPr>
+          <p:nvPr>
+            <p:ph type="title"/>
+          </p:nvPr>
+        </p:nvSpPr>
+        <p:spPr>
+          <a:xfrm>
+            <a:off x="603504" y="0"/>
+            <a:ext cx="10753344" cy="1207008"/>
+          </a:xfrm>
+        </p:spPr>
+        <p:txBody>
+          <a:bodyPr/>
+          <a:lstStyle/>
+          <a:p>
+            <a:pPr lvl="0" marL="0" indent="0">
+              <a:buNone/>
+            </a:pPr>
+            <a:r>
+              <a:rPr/>
               <a:t>Future</a:t>
             </a:r>
             <a:r>
@@ -4353,7 +5063,11 @@
             <a:pPr lvl="1"/>
             <a:r>
               <a:rPr/>
-              <a:t>Multiple different stressors: cognitive, emotional, sensorimotor (texting)</a:t>
+              <a:t>Multiple different stressors: </a:t>
+            </a:r>
+            <a:r>
+              <a:rPr i="1"/>
+              <a:t>cognitive, emotional, sensorimotor (texting)</a:t>
             </a:r>
           </a:p>
           <a:p>
@@ -4366,22 +5080,34 @@
           <a:p>
             <a:pPr lvl="1"/>
             <a:r>
-              <a:rPr/>
-              <a:t>Subject variables: age, gender, personality</a:t>
+              <a:rPr b="1"/>
+              <a:t>Subject variables:</a:t>
+            </a:r>
+            <a:r>
+              <a:rPr/>
+              <a:t> age, gender, personality</a:t>
             </a:r>
           </a:p>
           <a:p>
             <a:pPr lvl="1"/>
             <a:r>
-              <a:rPr/>
-              <a:t>Drive variables: Speed, brake, lane position</a:t>
+              <a:rPr b="1"/>
+              <a:t>Drive variables:</a:t>
+            </a:r>
+            <a:r>
+              <a:rPr/>
+              <a:t> Speed, distance, lane position, etc</a:t>
             </a:r>
           </a:p>
           <a:p>
             <a:pPr lvl="1"/>
             <a:r>
-              <a:rPr/>
-              <a:t>Biological variables: eye gaze, heart rate, breathing rate, etc</a:t>
+              <a:rPr b="1"/>
+              <a:t>Biological variables:</a:t>
+            </a:r>
+            <a:r>
+              <a:rPr/>
+              <a:t> eye gaze, heart rate, breathing, etc</a:t>
             </a:r>
           </a:p>
         </p:txBody>
@@ -4664,7 +5390,15 @@
             <a:pPr lvl="1"/>
             <a:r>
               <a:rPr/>
-              <a:t>Focused on first half (prior to lane change)</a:t>
+              <a:t>Focused on </a:t>
+            </a:r>
+            <a:r>
+              <a:rPr b="1"/>
+              <a:t>first half</a:t>
+            </a:r>
+            <a:r>
+              <a:rPr/>
+              <a:t> (red area)</a:t>
             </a:r>
           </a:p>
           <a:p>
@@ -5100,7 +5834,7 @@
                     </m:oMathParaPr>
                     <m:oMath>
                       <m:r>
-                        <m:t>T</m:t>
+                        <m:t>N</m:t>
                       </m:r>
                       <m:r>
                         <m:t>:</m:t>
@@ -5195,7 +5929,7 @@
                         </m:e>
                         <m:sub>
                           <m:r>
-                            <m:t>t</m:t>
+                            <m:t>n</m:t>
                           </m:r>
                         </m:sub>
                       </m:sSub>
@@ -5230,7 +5964,7 @@
                         </m:e>
                         <m:sub>
                           <m:r>
-                            <m:t>t</m:t>
+                            <m:t>n</m:t>
                           </m:r>
                         </m:sub>
                       </m:sSub>
@@ -5334,7 +6068,7 @@
                         </m:e>
                         <m:sub>
                           <m:r>
-                            <m:t>t</m:t>
+                            <m:t>n</m:t>
                           </m:r>
                         </m:sub>
                       </m:sSub>
@@ -5368,7 +6102,7 @@
                         </m:e>
                         <m:sub>
                           <m:r>
-                            <m:t>t</m:t>
+                            <m:t>n</m:t>
                           </m:r>
                           <m:r>
                             <m:t>−</m:t>
@@ -5742,7 +6476,7 @@
                     </m:oMathParaPr>
                     <m:oMath>
                       <m:r>
-                        <m:t>T</m:t>
+                        <m:t>N</m:t>
                       </m:r>
                       <m:r>
                         <m:t>:</m:t>
@@ -5837,7 +6571,7 @@
                         </m:e>
                         <m:sub>
                           <m:r>
-                            <m:t>t</m:t>
+                            <m:t>n</m:t>
                           </m:r>
                         </m:sub>
                       </m:sSub>
@@ -5872,7 +6606,7 @@
                         </m:e>
                         <m:sub>
                           <m:r>
-                            <m:t>t</m:t>
+                            <m:t>n</m:t>
                           </m:r>
                         </m:sub>
                       </m:sSub>
@@ -5939,7 +6673,7 @@
                         </m:e>
                         <m:sub>
                           <m:r>
-                            <m:t>t</m:t>
+                            <m:t>n</m:t>
                           </m:r>
                         </m:sub>
                       </m:sSub>
@@ -5979,7 +6713,7 @@
                         </m:e>
                         <m:sub>
                           <m:r>
-                            <m:t>t</m:t>
+                            <m:t>n</m:t>
                           </m:r>
                         </m:sub>
                       </m:sSub>
@@ -6017,7 +6751,7 @@
                         </m:e>
                         <m:sub>
                           <m:r>
-                            <m:t>t</m:t>
+                            <m:t>n</m:t>
                           </m:r>
                         </m:sub>
                       </m:sSub>
@@ -6060,7 +6794,7 @@
                         </m:e>
                         <m:sub>
                           <m:r>
-                            <m:t>t</m:t>
+                            <m:t>n</m:t>
                           </m:r>
                         </m:sub>
                       </m:sSub>

--- a/src/presentation/final_presentation.pptx
+++ b/src/presentation/final_presentation.pptx
@@ -18,6 +18,9 @@
     <p:sldId id="266" r:id="rId12"/>
     <p:sldId id="267" r:id="rId13"/>
     <p:sldId id="268" r:id="rId14"/>
+    <p:sldId id="269" r:id="rId15"/>
+    <p:sldId id="270" r:id="rId16"/>
+    <p:sldId id="271" r:id="rId17"/>
   </p:sldIdLst>
   <p:sldSz cx="12192000" cy="6858000"/>
   <p:notesSz cx="6858000" cy="9144000"/>
@@ -3809,8 +3812,8 @@
         </p:nvSpPr>
         <p:spPr>
           <a:xfrm>
-            <a:off x="521208" y="877824"/>
-            <a:ext cx="10515600" cy="1325880"/>
+            <a:off x="603504" y="0"/>
+            <a:ext cx="10753344" cy="1207008"/>
           </a:xfrm>
         </p:spPr>
         <p:txBody>
@@ -3822,7 +3825,7 @@
             </a:pPr>
             <a:r>
               <a:rPr/>
-              <a:t>Backup</a:t>
+              <a:t>AR(1):</a:t>
             </a:r>
             <a:r>
               <a:rPr/>
@@ -3830,7 +3833,23 @@
             </a:r>
             <a:r>
               <a:rPr/>
-              <a:t>slides</a:t>
+              <a:t>Prior</a:t>
+            </a:r>
+            <a:r>
+              <a:rPr/>
+              <a:t> </a:t>
+            </a:r>
+            <a:r>
+              <a:rPr/>
+              <a:t>Predictive</a:t>
+            </a:r>
+            <a:r>
+              <a:rPr/>
+              <a:t> </a:t>
+            </a:r>
+            <a:r>
+              <a:rPr/>
+              <a:t>Analysis</a:t>
             </a:r>
           </a:p>
         </p:txBody>
@@ -3869,8 +3888,8 @@
         </p:nvSpPr>
         <p:spPr>
           <a:xfrm>
-            <a:off x="603504" y="0"/>
-            <a:ext cx="10753344" cy="1207008"/>
+            <a:off x="838200" y="0"/>
+            <a:ext cx="10515600" cy="1207008"/>
           </a:xfrm>
         </p:spPr>
         <p:txBody>
@@ -3882,67 +3901,723 @@
             </a:pPr>
             <a:r>
               <a:rPr/>
-              <a:t>References</a:t>
-            </a:r>
-          </a:p>
-        </p:txBody>
-      </p:sp>
-      <p:sp>
-        <p:nvSpPr>
-          <p:cNvPr id="3" name="Content Placeholder 2"/>
-          <p:cNvSpPr>
-            <a:spLocks noGrp="1"/>
-          </p:cNvSpPr>
-          <p:nvPr>
-            <p:ph idx="1"/>
-          </p:nvPr>
-        </p:nvSpPr>
-        <p:spPr/>
-        <p:txBody>
-          <a:bodyPr/>
-          <a:lstStyle/>
-          <a:p>
-            <a:pPr lvl="1">
-              <a:buAutoNum type="arabicPeriod"/>
-            </a:pPr>
-            <a:r>
-              <a:rPr/>
-              <a:t>Taamneh, S. et al. A multimodal dataset for various forms of distracted driving. Sci. Data 4:170110 doi: 10.1038/sdata.2017.110 (2017).</a:t>
-            </a:r>
-          </a:p>
-          <a:p>
-            <a:pPr lvl="1">
-              <a:buAutoNum type="arabicPeriod"/>
-            </a:pPr>
-            <a:r>
-              <a:rPr/>
-              <a:t>Betancourt, Michael. 2018. “A Principled Bayesian Workflow” June 2018</a:t>
-            </a:r>
-          </a:p>
-          <a:p>
-            <a:pPr lvl="1">
-              <a:buAutoNum type="arabicPeriod"/>
-            </a:pPr>
-            <a:r>
-              <a:rPr/>
-              <a:t>Kim, Shephard, Chib (1998) “Stochastic Volatility: Likelihood Inference and Comparison with ARCH Models” </a:t>
-            </a:r>
-            <a:r>
-              <a:rPr i="1"/>
-              <a:t>The Review of Economic Studies Vol. 65, No. 3</a:t>
-            </a:r>
-          </a:p>
-          <a:p>
-            <a:pPr lvl="1">
-              <a:buAutoNum type="arabicPeriod"/>
-            </a:pPr>
-            <a:r>
-              <a:rPr/>
-              <a:t>Stan Development Team. “Stan Modeling Language User’s Guide and Reference Manual” Version 2.17.0, Sept 2017</a:t>
-            </a:r>
-          </a:p>
-        </p:txBody>
-      </p:sp>
+              <a:t>Stochastic</a:t>
+            </a:r>
+            <a:r>
+              <a:rPr/>
+              <a:t> </a:t>
+            </a:r>
+            <a:r>
+              <a:rPr/>
+              <a:t>Volatility:</a:t>
+            </a:r>
+            <a:r>
+              <a:rPr/>
+              <a:t> </a:t>
+            </a:r>
+            <a:r>
+              <a:rPr/>
+              <a:t>Setup</a:t>
+            </a:r>
+          </a:p>
+        </p:txBody>
+      </p:sp>
+      <mc:AlternateContent xmlns:mc="http://schemas.openxmlformats.org/markup-compatibility/2006">
+        <mc:Choice xmlns:a14="http://schemas.microsoft.com/office/drawing/2010/main" Requires="a14">
+          <p:sp>
+            <p:nvSpPr>
+              <p:cNvPr id="3" name="Content Placeholder 2"/>
+              <p:cNvSpPr>
+                <a:spLocks noGrp="1"/>
+              </p:cNvSpPr>
+              <p:nvPr>
+                <p:ph sz="half" idx="1"/>
+              </p:nvPr>
+            </p:nvSpPr>
+            <p:spPr/>
+            <p:txBody>
+              <a:bodyPr/>
+              <a:lstStyle/>
+              <a:p>
+                <a:pPr lvl="0" marL="0" indent="0">
+                  <a:spcBef>
+                    <a:spcPts val="3000"/>
+                  </a:spcBef>
+                  <a:buNone/>
+                </a:pPr>
+                <a:r>
+                  <a:rPr b="1"/>
+                  <a:t>Conceptual Analysis</a:t>
+                </a:r>
+              </a:p>
+              <a:p>
+                <a:pPr lvl="0" marL="0" indent="0">
+                  <a:buNone/>
+                </a:pPr>
+                <a:r>
+                  <a:rPr/>
+                  <a:t>Mean of lane positioning is constant but with changing volatility. The SV model has additional parameters to deal with the structure of this data. Latent variables and generative nature of model allows for additional complexity.</a:t>
+                </a:r>
+              </a:p>
+              <a:p>
+                <a:pPr lvl="0" marL="0" indent="0">
+                  <a:spcBef>
+                    <a:spcPts val="3000"/>
+                  </a:spcBef>
+                  <a:buNone/>
+                </a:pPr>
+                <a:r>
+                  <a:rPr b="1"/>
+                  <a:t>Define observations</a:t>
+                </a:r>
+              </a:p>
+              <a:p>
+                <a:pPr lvl="0" marL="0" indent="0">
+                  <a:buNone/>
+                </a:pPr>
+                <a14:m>
+                  <m:oMathPara xmlns:m="http://schemas.openxmlformats.org/officeDocument/2006/math">
+                    <m:oMathParaPr>
+                      <m:jc m:val="center"/>
+                    </m:oMathParaPr>
+                    <m:oMath>
+                      <m:r>
+                        <m:t>T</m:t>
+                      </m:r>
+                      <m:r>
+                        <m:t>:</m:t>
+                      </m:r>
+                      <m:r>
+                        <m:rPr>
+                          <m:sty m:val="p"/>
+                        </m:rPr>
+                        <m:t>Number of observations</m:t>
+                      </m:r>
+                    </m:oMath>
+                  </m:oMathPara>
+                </a14:m>
+              </a:p>
+              <a:p>
+                <a:pPr lvl="0" marL="0" indent="0">
+                  <a:buNone/>
+                </a:pPr>
+                <a14:m>
+                  <m:oMathPara xmlns:m="http://schemas.openxmlformats.org/officeDocument/2006/math">
+                    <m:oMathParaPr>
+                      <m:jc m:val="center"/>
+                    </m:oMathParaPr>
+                    <m:oMath>
+                      <m:sSub>
+                        <m:e>
+                          <m:r>
+                            <m:t>N</m:t>
+                          </m:r>
+                        </m:e>
+                        <m:sub>
+                          <m:r>
+                            <m:t>t</m:t>
+                          </m:r>
+                          <m:r>
+                            <m:t>e</m:t>
+                          </m:r>
+                          <m:r>
+                            <m:t>x</m:t>
+                          </m:r>
+                          <m:r>
+                            <m:t>t</m:t>
+                          </m:r>
+                          <m:r>
+                            <m:t>i</m:t>
+                          </m:r>
+                          <m:r>
+                            <m:t>n</m:t>
+                          </m:r>
+                          <m:r>
+                            <m:t>g</m:t>
+                          </m:r>
+                        </m:sub>
+                      </m:sSub>
+                      <m:r>
+                        <m:t>:</m:t>
+                      </m:r>
+                      <m:r>
+                        <m:rPr>
+                          <m:sty m:val="p"/>
+                        </m:rPr>
+                        <m:t>Number of texting states </m:t>
+                      </m:r>
+                      <m:r>
+                        <m:t>(</m:t>
+                      </m:r>
+                      <m:r>
+                        <m:t>j</m:t>
+                      </m:r>
+                      <m:r>
+                        <m:t>)</m:t>
+                      </m:r>
+                    </m:oMath>
+                  </m:oMathPara>
+                </a14:m>
+              </a:p>
+              <a:p>
+                <a:pPr lvl="0" marL="0" indent="0">
+                  <a:buNone/>
+                </a:pPr>
+                <a14:m>
+                  <m:oMathPara xmlns:m="http://schemas.openxmlformats.org/officeDocument/2006/math">
+                    <m:oMathParaPr>
+                      <m:jc m:val="center"/>
+                    </m:oMathParaPr>
+                    <m:oMath>
+                      <m:sSub>
+                        <m:e>
+                          <m:r>
+                            <m:t>y</m:t>
+                          </m:r>
+                        </m:e>
+                        <m:sub>
+                          <m:r>
+                            <m:t>t</m:t>
+                          </m:r>
+                        </m:sub>
+                      </m:sSub>
+                      <m:r>
+                        <m:t>:</m:t>
+                      </m:r>
+                      <m:r>
+                        <m:rPr>
+                          <m:sty m:val="p"/>
+                        </m:rPr>
+                        <m:t>Lane Position (meters), mean corrected</m:t>
+                      </m:r>
+                    </m:oMath>
+                  </m:oMathPara>
+                </a14:m>
+              </a:p>
+              <a:p>
+                <a:pPr lvl="0" marL="0" indent="0">
+                  <a:buNone/>
+                </a:pPr>
+                <a14:m>
+                  <m:oMathPara xmlns:m="http://schemas.openxmlformats.org/officeDocument/2006/math">
+                    <m:oMathParaPr>
+                      <m:jc m:val="center"/>
+                    </m:oMathParaPr>
+                    <m:oMath>
+                      <m:sSub>
+                        <m:e>
+                          <m:r>
+                            <m:t>x</m:t>
+                          </m:r>
+                        </m:e>
+                        <m:sub>
+                          <m:r>
+                            <m:t>t</m:t>
+                          </m:r>
+                        </m:sub>
+                      </m:sSub>
+                      <m:r>
+                        <m:t>:</m:t>
+                      </m:r>
+                      <m:r>
+                        <m:rPr>
+                          <m:sty m:val="p"/>
+                        </m:rPr>
+                        <m:t>Texting indicator (1: ND, 2: MD)</m:t>
+                      </m:r>
+                    </m:oMath>
+                  </m:oMathPara>
+                </a14:m>
+              </a:p>
+            </p:txBody>
+          </p:sp>
+        </mc:Choice>
+      </mc:AlternateContent>
+      <mc:AlternateContent xmlns:mc="http://schemas.openxmlformats.org/markup-compatibility/2006">
+        <mc:Choice xmlns:a14="http://schemas.microsoft.com/office/drawing/2010/main" Requires="a14">
+          <p:sp>
+            <p:nvSpPr>
+              <p:cNvPr id="4" name="Content Placeholder 3"/>
+              <p:cNvSpPr>
+                <a:spLocks noGrp="1"/>
+              </p:cNvSpPr>
+              <p:nvPr>
+                <p:ph sz="half" idx="2"/>
+              </p:nvPr>
+            </p:nvSpPr>
+            <p:spPr/>
+            <p:txBody>
+              <a:bodyPr/>
+              <a:lstStyle/>
+              <a:p>
+                <a:pPr lvl="0" marL="0" indent="0">
+                  <a:spcBef>
+                    <a:spcPts val="3000"/>
+                  </a:spcBef>
+                  <a:buNone/>
+                </a:pPr>
+                <a:r>
+                  <a:rPr b="1"/>
+                  <a:t>Likelihood and priors</a:t>
+                </a:r>
+              </a:p>
+              <a:p>
+                <a:pPr lvl="0" marL="0" indent="0">
+                  <a:buNone/>
+                </a:pPr>
+                <a14:m>
+                  <m:oMathPara xmlns:m="http://schemas.openxmlformats.org/officeDocument/2006/math">
+                    <m:oMathParaPr>
+                      <m:jc m:val="center"/>
+                    </m:oMathParaPr>
+                    <m:oMath>
+                      <m:sSub>
+                        <m:e>
+                          <m:r>
+                            <m:t>y</m:t>
+                          </m:r>
+                        </m:e>
+                        <m:sub>
+                          <m:r>
+                            <m:t>t</m:t>
+                          </m:r>
+                        </m:sub>
+                      </m:sSub>
+                      <m:r>
+                        <m:t>∼</m:t>
+                      </m:r>
+                      <m:r>
+                        <m:rPr>
+                          <m:sty m:val="p"/>
+                          <m:scr m:val="script"/>
+                        </m:rPr>
+                        <m:t>N</m:t>
+                      </m:r>
+                      <m:r>
+                        <m:t>(</m:t>
+                      </m:r>
+                      <m:r>
+                        <m:t>0</m:t>
+                      </m:r>
+                      <m:r>
+                        <m:t>,</m:t>
+                      </m:r>
+                      <m:r>
+                        <m:rPr>
+                          <m:sty m:val="p"/>
+                        </m:rPr>
+                        <m:t>exp</m:t>
+                      </m:r>
+                      <m:r>
+                        <m:t>(</m:t>
+                      </m:r>
+                      <m:sSub>
+                        <m:e>
+                          <m:r>
+                            <m:t>h</m:t>
+                          </m:r>
+                        </m:e>
+                        <m:sub>
+                          <m:r>
+                            <m:t>t</m:t>
+                          </m:r>
+                        </m:sub>
+                      </m:sSub>
+                      <m:r>
+                        <m:t>/</m:t>
+                      </m:r>
+                      <m:r>
+                        <m:t>2</m:t>
+                      </m:r>
+                      <m:r>
+                        <m:t>)</m:t>
+                      </m:r>
+                      <m:r>
+                        <m:t>)</m:t>
+                      </m:r>
+                    </m:oMath>
+                  </m:oMathPara>
+                </a14:m>
+              </a:p>
+              <a:p>
+                <a:pPr lvl="0" marL="0" indent="0">
+                  <a:buNone/>
+                </a:pPr>
+                <a14:m>
+                  <m:oMathPara xmlns:m="http://schemas.openxmlformats.org/officeDocument/2006/math">
+                    <m:oMathParaPr>
+                      <m:jc m:val="center"/>
+                    </m:oMathParaPr>
+                    <m:oMath>
+                      <m:sSub>
+                        <m:e>
+                          <m:r>
+                            <m:t>h</m:t>
+                          </m:r>
+                        </m:e>
+                        <m:sub>
+                          <m:r>
+                            <m:t>t</m:t>
+                          </m:r>
+                        </m:sub>
+                      </m:sSub>
+                      <m:r>
+                        <m:t>∼</m:t>
+                      </m:r>
+                      <m:r>
+                        <m:rPr>
+                          <m:sty m:val="p"/>
+                          <m:scr m:val="script"/>
+                        </m:rPr>
+                        <m:t>N</m:t>
+                      </m:r>
+                      <m:r>
+                        <m:t>(</m:t>
+                      </m:r>
+                      <m:r>
+                        <m:t>μ</m:t>
+                      </m:r>
+                      <m:r>
+                        <m:t>+</m:t>
+                      </m:r>
+                      <m:r>
+                        <m:t>δ</m:t>
+                      </m:r>
+                      <m:r>
+                        <m:t>+</m:t>
+                      </m:r>
+                      <m:r>
+                        <m:t>ϕ</m:t>
+                      </m:r>
+                      <m:r>
+                        <m:t>(</m:t>
+                      </m:r>
+                      <m:sSub>
+                        <m:e>
+                          <m:r>
+                            <m:t>h</m:t>
+                          </m:r>
+                        </m:e>
+                        <m:sub>
+                          <m:r>
+                            <m:t>t</m:t>
+                          </m:r>
+                        </m:sub>
+                      </m:sSub>
+                      <m:r>
+                        <m:t>−</m:t>
+                      </m:r>
+                      <m:r>
+                        <m:t>μ</m:t>
+                      </m:r>
+                      <m:r>
+                        <m:t>)</m:t>
+                      </m:r>
+                      <m:r>
+                        <m:t>,</m:t>
+                      </m:r>
+                      <m:r>
+                        <m:t>σ</m:t>
+                      </m:r>
+                      <m:r>
+                        <m:t>)</m:t>
+                      </m:r>
+                    </m:oMath>
+                  </m:oMathPara>
+                </a14:m>
+              </a:p>
+              <a:p>
+                <a:pPr lvl="0" marL="0" indent="0">
+                  <a:buNone/>
+                </a:pPr>
+                <a14:m>
+                  <m:oMathPara xmlns:m="http://schemas.openxmlformats.org/officeDocument/2006/math">
+                    <m:oMathParaPr>
+                      <m:jc m:val="center"/>
+                    </m:oMathParaPr>
+                    <m:oMath>
+                      <m:sSub>
+                        <m:e>
+                          <m:r>
+                            <m:t>h</m:t>
+                          </m:r>
+                        </m:e>
+                        <m:sub>
+                          <m:r>
+                            <m:t>1</m:t>
+                          </m:r>
+                        </m:sub>
+                      </m:sSub>
+                      <m:r>
+                        <m:t>∼</m:t>
+                      </m:r>
+                      <m:r>
+                        <m:rPr>
+                          <m:sty m:val="p"/>
+                          <m:scr m:val="script"/>
+                        </m:rPr>
+                        <m:t>N</m:t>
+                      </m:r>
+                      <m:r>
+                        <m:t>(</m:t>
+                      </m:r>
+                      <m:r>
+                        <m:t>μ</m:t>
+                      </m:r>
+                      <m:r>
+                        <m:t>,</m:t>
+                      </m:r>
+                      <m:f>
+                        <m:fPr>
+                          <m:type m:val="bar"/>
+                        </m:fPr>
+                        <m:num>
+                          <m:r>
+                            <m:t>σ</m:t>
+                          </m:r>
+                        </m:num>
+                        <m:den>
+                          <m:rad>
+                            <m:radPr>
+                              <m:degHide m:val="1"/>
+                            </m:radPr>
+                            <m:deg/>
+                            <m:e>
+                              <m:r>
+                                <m:t>1</m:t>
+                              </m:r>
+                              <m:r>
+                                <m:t>−</m:t>
+                              </m:r>
+                              <m:sSup>
+                                <m:e>
+                                  <m:r>
+                                    <m:t>ϕ</m:t>
+                                  </m:r>
+                                </m:e>
+                                <m:sup>
+                                  <m:r>
+                                    <m:t>2</m:t>
+                                  </m:r>
+                                </m:sup>
+                              </m:sSup>
+                            </m:e>
+                          </m:rad>
+                        </m:den>
+                      </m:f>
+                      <m:r>
+                        <m:t>)</m:t>
+                      </m:r>
+                    </m:oMath>
+                  </m:oMathPara>
+                </a14:m>
+              </a:p>
+              <a:p>
+                <a:pPr lvl="0" marL="0" indent="0">
+                  <a:buNone/>
+                </a:pPr>
+              </a:p>
+              <a:p>
+                <a:pPr lvl="0" marL="0" indent="0">
+                  <a:buNone/>
+                </a:pPr>
+                <a14:m>
+                  <m:oMathPara xmlns:m="http://schemas.openxmlformats.org/officeDocument/2006/math">
+                    <m:oMathParaPr>
+                      <m:jc m:val="center"/>
+                    </m:oMathParaPr>
+                    <m:oMath>
+                      <m:r>
+                        <m:t>μ</m:t>
+                      </m:r>
+                      <m:r>
+                        <m:t>∼</m:t>
+                      </m:r>
+                      <m:r>
+                        <m:rPr>
+                          <m:sty m:val="p"/>
+                          <m:scr m:val="script"/>
+                        </m:rPr>
+                        <m:t>N</m:t>
+                      </m:r>
+                      <m:r>
+                        <m:t>(</m:t>
+                      </m:r>
+                      <m:r>
+                        <m:t>0</m:t>
+                      </m:r>
+                      <m:r>
+                        <m:t>,</m:t>
+                      </m:r>
+                      <m:r>
+                        <m:t>1</m:t>
+                      </m:r>
+                      <m:r>
+                        <m:t>)</m:t>
+                      </m:r>
+                      <m:r>
+                        <m:t>:</m:t>
+                      </m:r>
+                      <m:r>
+                        <m:rPr>
+                          <m:sty m:val="p"/>
+                        </m:rPr>
+                        <m:t>Mean log volatility</m:t>
+                      </m:r>
+                    </m:oMath>
+                  </m:oMathPara>
+                </a14:m>
+              </a:p>
+              <a:p>
+                <a:pPr lvl="0" marL="0" indent="0">
+                  <a:buNone/>
+                </a:pPr>
+                <a14:m>
+                  <m:oMathPara xmlns:m="http://schemas.openxmlformats.org/officeDocument/2006/math">
+                    <m:oMathParaPr>
+                      <m:jc m:val="center"/>
+                    </m:oMathParaPr>
+                    <m:oMath>
+                      <m:r>
+                        <m:t>ϕ</m:t>
+                      </m:r>
+                      <m:r>
+                        <m:t>∼</m:t>
+                      </m:r>
+                      <m:r>
+                        <m:rPr>
+                          <m:sty m:val="p"/>
+                        </m:rPr>
+                        <m:t>Uniform</m:t>
+                      </m:r>
+                      <m:r>
+                        <m:t>(</m:t>
+                      </m:r>
+                      <m:r>
+                        <m:t>−</m:t>
+                      </m:r>
+                      <m:r>
+                        <m:t>1</m:t>
+                      </m:r>
+                      <m:r>
+                        <m:t>,</m:t>
+                      </m:r>
+                      <m:r>
+                        <m:t>1</m:t>
+                      </m:r>
+                      <m:r>
+                        <m:t>)</m:t>
+                      </m:r>
+                      <m:r>
+                        <m:t>:</m:t>
+                      </m:r>
+                      <m:r>
+                        <m:rPr>
+                          <m:sty m:val="p"/>
+                        </m:rPr>
+                        <m:t>Persistence of volatility</m:t>
+                      </m:r>
+                    </m:oMath>
+                  </m:oMathPara>
+                </a14:m>
+              </a:p>
+              <a:p>
+                <a:pPr lvl="0" marL="0" indent="0">
+                  <a:buNone/>
+                </a:pPr>
+                <a14:m>
+                  <m:oMathPara xmlns:m="http://schemas.openxmlformats.org/officeDocument/2006/math">
+                    <m:oMathParaPr>
+                      <m:jc m:val="center"/>
+                    </m:oMathParaPr>
+                    <m:oMath>
+                      <m:r>
+                        <m:t>σ</m:t>
+                      </m:r>
+                      <m:r>
+                        <m:t>∼</m:t>
+                      </m:r>
+                      <m:r>
+                        <m:rPr>
+                          <m:sty m:val="p"/>
+                          <m:scr m:val="script"/>
+                        </m:rPr>
+                        <m:t>N</m:t>
+                      </m:r>
+                      <m:r>
+                        <m:t>(</m:t>
+                      </m:r>
+                      <m:r>
+                        <m:t>0</m:t>
+                      </m:r>
+                      <m:r>
+                        <m:t>,</m:t>
+                      </m:r>
+                      <m:r>
+                        <m:t>1</m:t>
+                      </m:r>
+                      <m:r>
+                        <m:t>)</m:t>
+                      </m:r>
+                    </m:oMath>
+                  </m:oMathPara>
+                </a14:m>
+              </a:p>
+              <a:p>
+                <a:pPr lvl="0" marL="0" indent="0">
+                  <a:buNone/>
+                </a:pPr>
+                <a14:m>
+                  <m:oMathPara xmlns:m="http://schemas.openxmlformats.org/officeDocument/2006/math">
+                    <m:oMathParaPr>
+                      <m:jc m:val="center"/>
+                    </m:oMathParaPr>
+                    <m:oMath>
+                      <m:r>
+                        <m:t>δ</m:t>
+                      </m:r>
+                      <m:r>
+                        <m:t>∼</m:t>
+                      </m:r>
+                      <m:r>
+                        <m:rPr>
+                          <m:sty m:val="p"/>
+                          <m:scr m:val="script"/>
+                        </m:rPr>
+                        <m:t>N</m:t>
+                      </m:r>
+                      <m:r>
+                        <m:t>(</m:t>
+                      </m:r>
+                      <m:r>
+                        <m:t>0</m:t>
+                      </m:r>
+                      <m:r>
+                        <m:t>,</m:t>
+                      </m:r>
+                      <m:r>
+                        <m:t>0.05</m:t>
+                      </m:r>
+                      <m:r>
+                        <m:t>)</m:t>
+                      </m:r>
+                      <m:r>
+                        <m:t>:</m:t>
+                      </m:r>
+                      <m:r>
+                        <m:rPr>
+                          <m:sty m:val="p"/>
+                        </m:rPr>
+                        <m:t>Texting effect</m:t>
+                      </m:r>
+                    </m:oMath>
+                  </m:oMathPara>
+                </a14:m>
+              </a:p>
+            </p:txBody>
+          </p:sp>
+        </mc:Choice>
+      </mc:AlternateContent>
     </p:spTree>
   </p:cSld>
 </p:sld>
@@ -3977,8 +4652,8 @@
         </p:nvSpPr>
         <p:spPr>
           <a:xfrm>
-            <a:off x="603504" y="0"/>
-            <a:ext cx="10753344" cy="1207008"/>
+            <a:off x="838200" y="0"/>
+            <a:ext cx="10515600" cy="1207008"/>
           </a:xfrm>
         </p:spPr>
         <p:txBody>
@@ -3990,7 +4665,7 @@
             </a:pPr>
             <a:r>
               <a:rPr/>
-              <a:t>Computing</a:t>
+              <a:t>Stochastic</a:t>
             </a:r>
             <a:r>
               <a:rPr/>
@@ -3998,7 +4673,7 @@
             </a:r>
             <a:r>
               <a:rPr/>
-              <a:t>Cluster</a:t>
+              <a:t>Volatility:</a:t>
             </a:r>
             <a:r>
               <a:rPr/>
@@ -4006,7 +4681,7 @@
             </a:r>
             <a:r>
               <a:rPr/>
-              <a:t>Setup</a:t>
+              <a:t>Prior</a:t>
             </a:r>
             <a:r>
               <a:rPr/>
@@ -4014,19 +4689,49 @@
             </a:r>
             <a:r>
               <a:rPr/>
-              <a:t>(AWS)</a:t>
-            </a:r>
-          </a:p>
-        </p:txBody>
-      </p:sp>
-      <p:sp>
-        <p:nvSpPr>
-          <p:cNvPr id="3" name="Content Placeholder 2"/>
-          <p:cNvSpPr>
-            <a:spLocks noGrp="1"/>
-          </p:cNvSpPr>
-          <p:nvPr>
-            <p:ph idx="1"/>
+              <a:t>Predictive</a:t>
+            </a:r>
+          </a:p>
+        </p:txBody>
+      </p:sp>
+      <p:pic>
+        <p:nvPicPr>
+          <p:cNvPr descr="/Users/bryanyu/Dropbox/STATS/STAT685/src/presentation/graphics/prior/sv2.png" id="0" name="Picture 1"/>
+          <p:cNvPicPr>
+            <a:picLocks noGrp="1" noChangeAspect="1"/>
+          </p:cNvPicPr>
+          <p:nvPr/>
+        </p:nvPicPr>
+        <p:blipFill>
+          <a:blip r:embed="rId2"/>
+          <a:stretch>
+            <a:fillRect/>
+          </a:stretch>
+        </p:blipFill>
+        <p:spPr bwMode="auto">
+          <a:xfrm>
+            <a:off x="838200" y="2044700"/>
+            <a:ext cx="5181600" cy="3886200"/>
+          </a:xfrm>
+          <a:prstGeom prst="rect">
+            <a:avLst/>
+          </a:prstGeom>
+          <a:noFill/>
+          <a:ln w="9525">
+            <a:noFill/>
+            <a:headEnd/>
+            <a:tailEnd/>
+          </a:ln>
+        </p:spPr>
+      </p:pic>
+      <p:sp>
+        <p:nvSpPr>
+          <p:cNvPr id="4" name="Content Placeholder 3"/>
+          <p:cNvSpPr>
+            <a:spLocks noGrp="1"/>
+          </p:cNvSpPr>
+          <p:nvPr>
+            <p:ph sz="half" idx="2"/>
           </p:nvPr>
         </p:nvSpPr>
         <p:spPr/>
@@ -4035,65 +4740,15 @@
           <a:lstStyle/>
           <a:p>
             <a:pPr lvl="0" marL="0" indent="0">
-              <a:spcBef>
-                <a:spcPts val="3000"/>
-              </a:spcBef>
               <a:buNone/>
             </a:pPr>
             <a:r>
               <a:rPr b="1"/>
-              <a:t>Prior Predictive Modelling</a:t>
-            </a:r>
-          </a:p>
-          <a:p>
-            <a:pPr lvl="1"/>
-            <a:r>
-              <a:rPr/>
-              <a:t>Each prior predictive model ran 1000 simulations from the generative model</a:t>
-            </a:r>
-          </a:p>
-          <a:p>
-            <a:pPr lvl="1"/>
-            <a:r>
-              <a:rPr/>
-              <a:t>Fitting 1000 simulations is a time consuming process on local machine</a:t>
-            </a:r>
-          </a:p>
-          <a:p>
-            <a:pPr lvl="2"/>
-            <a:r>
-              <a:rPr sz="1800">
-                <a:latin typeface="Courier"/>
-              </a:rPr>
-              <a:t>Stan</a:t>
-            </a:r>
-            <a:r>
-              <a:rPr/>
-              <a:t> runs 4 markov chains in parallel and aggregates (4 cores)</a:t>
-            </a:r>
-          </a:p>
-          <a:p>
-            <a:pPr lvl="2"/>
-            <a:r>
-              <a:rPr/>
-              <a:t>1000 * 4 = 4000 CPU’s to run fit observations for one model!</a:t>
-            </a:r>
-          </a:p>
-          <a:p>
-            <a:pPr lvl="1"/>
-            <a:r>
-              <a:rPr/>
-              <a:t>Created a docker container with </a:t>
-            </a:r>
-            <a:r>
-              <a:rPr sz="1800">
-                <a:latin typeface="Courier"/>
-              </a:rPr>
-              <a:t>RStan</a:t>
-            </a:r>
-            <a:r>
-              <a:rPr/>
-              <a:t> and submitted jobs to AWS Batch service</a:t>
+              <a:t>SBC &amp; Shrinkage plots</a:t>
+            </a:r>
+            <a:r>
+              <a:rPr/>
+              <a:t> … Awaiting computation</a:t>
             </a:r>
           </a:p>
         </p:txBody>
@@ -4132,6 +4787,302 @@
         </p:nvSpPr>
         <p:spPr>
           <a:xfrm>
+            <a:off x="838200" y="0"/>
+            <a:ext cx="10515600" cy="1207008"/>
+          </a:xfrm>
+        </p:spPr>
+        <p:txBody>
+          <a:bodyPr/>
+          <a:lstStyle/>
+          <a:p>
+            <a:pPr lvl="0" marL="0" indent="0">
+              <a:buNone/>
+            </a:pPr>
+            <a:r>
+              <a:rPr/>
+              <a:t>Stochastic</a:t>
+            </a:r>
+            <a:r>
+              <a:rPr/>
+              <a:t> </a:t>
+            </a:r>
+            <a:r>
+              <a:rPr/>
+              <a:t>Volatility:</a:t>
+            </a:r>
+            <a:r>
+              <a:rPr/>
+              <a:t> </a:t>
+            </a:r>
+            <a:r>
+              <a:rPr/>
+              <a:t>Output</a:t>
+            </a:r>
+          </a:p>
+        </p:txBody>
+      </p:sp>
+      <p:pic>
+        <p:nvPicPr>
+          <p:cNvPr descr="final_presentation_files/figure-pptx/sv2-1.png" id="0" name="Picture 1"/>
+          <p:cNvPicPr>
+            <a:picLocks noGrp="1" noChangeAspect="1"/>
+          </p:cNvPicPr>
+          <p:nvPr/>
+        </p:nvPicPr>
+        <p:blipFill>
+          <a:blip r:embed="rId2"/>
+          <a:stretch>
+            <a:fillRect/>
+          </a:stretch>
+        </p:blipFill>
+        <p:spPr bwMode="auto">
+          <a:xfrm>
+            <a:off x="838200" y="1917700"/>
+            <a:ext cx="5181600" cy="4140200"/>
+          </a:xfrm>
+          <a:prstGeom prst="rect">
+            <a:avLst/>
+          </a:prstGeom>
+          <a:noFill/>
+          <a:ln w="9525">
+            <a:noFill/>
+            <a:headEnd/>
+            <a:tailEnd/>
+          </a:ln>
+        </p:spPr>
+      </p:pic>
+      <p:pic>
+        <p:nvPicPr>
+          <p:cNvPr descr="final_presentation_files/figure-pptx/sv2_plot-1.png" id="0" name="Picture 1"/>
+          <p:cNvPicPr>
+            <a:picLocks noGrp="1" noChangeAspect="1"/>
+          </p:cNvPicPr>
+          <p:nvPr/>
+        </p:nvPicPr>
+        <p:blipFill>
+          <a:blip r:embed="rId3"/>
+          <a:stretch>
+            <a:fillRect/>
+          </a:stretch>
+        </p:blipFill>
+        <p:spPr bwMode="auto">
+          <a:xfrm>
+            <a:off x="6172200" y="1917700"/>
+            <a:ext cx="5181600" cy="4140200"/>
+          </a:xfrm>
+          <a:prstGeom prst="rect">
+            <a:avLst/>
+          </a:prstGeom>
+          <a:noFill/>
+          <a:ln w="9525">
+            <a:noFill/>
+            <a:headEnd/>
+            <a:tailEnd/>
+          </a:ln>
+        </p:spPr>
+      </p:pic>
+    </p:spTree>
+  </p:cSld>
+</p:sld>
+</file>
+
+<file path=ppt/slides/slide14.xml><?xml version="1.0" encoding="utf-8"?>
+<p:sld xmlns:a="http://schemas.openxmlformats.org/drawingml/2006/main" xmlns:r="http://schemas.openxmlformats.org/officeDocument/2006/relationships" xmlns:p="http://schemas.openxmlformats.org/presentationml/2006/main">
+  <p:cSld>
+    <p:spTree>
+      <p:nvGrpSpPr>
+        <p:cNvPr id="1" name=""/>
+        <p:cNvGrpSpPr/>
+        <p:nvPr/>
+      </p:nvGrpSpPr>
+      <p:grpSpPr>
+        <a:xfrm>
+          <a:off x="0" y="0"/>
+          <a:ext cx="0" cy="0"/>
+          <a:chOff x="0" y="0"/>
+          <a:chExt cx="0" cy="0"/>
+        </a:xfrm>
+      </p:grpSpPr>
+      <p:sp>
+        <p:nvSpPr>
+          <p:cNvPr id="2" name="Title 1"/>
+          <p:cNvSpPr>
+            <a:spLocks noGrp="1"/>
+          </p:cNvSpPr>
+          <p:nvPr>
+            <p:ph type="title"/>
+          </p:nvPr>
+        </p:nvSpPr>
+        <p:spPr>
+          <a:xfrm>
+            <a:off x="521208" y="877824"/>
+            <a:ext cx="10515600" cy="1325880"/>
+          </a:xfrm>
+        </p:spPr>
+        <p:txBody>
+          <a:bodyPr/>
+          <a:lstStyle/>
+          <a:p>
+            <a:pPr lvl="0" marL="0" indent="0">
+              <a:buNone/>
+            </a:pPr>
+            <a:r>
+              <a:rPr/>
+              <a:t>Backup</a:t>
+            </a:r>
+            <a:r>
+              <a:rPr/>
+              <a:t> </a:t>
+            </a:r>
+            <a:r>
+              <a:rPr/>
+              <a:t>slides</a:t>
+            </a:r>
+          </a:p>
+        </p:txBody>
+      </p:sp>
+    </p:spTree>
+  </p:cSld>
+</p:sld>
+</file>
+
+<file path=ppt/slides/slide15.xml><?xml version="1.0" encoding="utf-8"?>
+<p:sld xmlns:a="http://schemas.openxmlformats.org/drawingml/2006/main" xmlns:r="http://schemas.openxmlformats.org/officeDocument/2006/relationships" xmlns:p="http://schemas.openxmlformats.org/presentationml/2006/main">
+  <p:cSld>
+    <p:spTree>
+      <p:nvGrpSpPr>
+        <p:cNvPr id="1" name=""/>
+        <p:cNvGrpSpPr/>
+        <p:nvPr/>
+      </p:nvGrpSpPr>
+      <p:grpSpPr>
+        <a:xfrm>
+          <a:off x="0" y="0"/>
+          <a:ext cx="0" cy="0"/>
+          <a:chOff x="0" y="0"/>
+          <a:chExt cx="0" cy="0"/>
+        </a:xfrm>
+      </p:grpSpPr>
+      <p:sp>
+        <p:nvSpPr>
+          <p:cNvPr id="2" name="Title 1"/>
+          <p:cNvSpPr>
+            <a:spLocks noGrp="1"/>
+          </p:cNvSpPr>
+          <p:nvPr>
+            <p:ph type="title"/>
+          </p:nvPr>
+        </p:nvSpPr>
+        <p:spPr>
+          <a:xfrm>
+            <a:off x="603504" y="0"/>
+            <a:ext cx="10753344" cy="1207008"/>
+          </a:xfrm>
+        </p:spPr>
+        <p:txBody>
+          <a:bodyPr/>
+          <a:lstStyle/>
+          <a:p>
+            <a:pPr lvl="0" marL="0" indent="0">
+              <a:buNone/>
+            </a:pPr>
+            <a:r>
+              <a:rPr/>
+              <a:t>References</a:t>
+            </a:r>
+          </a:p>
+        </p:txBody>
+      </p:sp>
+      <p:sp>
+        <p:nvSpPr>
+          <p:cNvPr id="3" name="Content Placeholder 2"/>
+          <p:cNvSpPr>
+            <a:spLocks noGrp="1"/>
+          </p:cNvSpPr>
+          <p:nvPr>
+            <p:ph idx="1"/>
+          </p:nvPr>
+        </p:nvSpPr>
+        <p:spPr/>
+        <p:txBody>
+          <a:bodyPr/>
+          <a:lstStyle/>
+          <a:p>
+            <a:pPr lvl="1">
+              <a:buAutoNum type="arabicPeriod"/>
+            </a:pPr>
+            <a:r>
+              <a:rPr/>
+              <a:t>Taamneh, S. et al. A multimodal dataset for various forms of distracted driving. Sci. Data 4:170110 doi: 10.1038/sdata.2017.110 (2017).</a:t>
+            </a:r>
+          </a:p>
+          <a:p>
+            <a:pPr lvl="1">
+              <a:buAutoNum type="arabicPeriod"/>
+            </a:pPr>
+            <a:r>
+              <a:rPr/>
+              <a:t>Betancourt, Michael. 2018. “A Principled Bayesian Workflow” June 2018</a:t>
+            </a:r>
+          </a:p>
+          <a:p>
+            <a:pPr lvl="1">
+              <a:buAutoNum type="arabicPeriod"/>
+            </a:pPr>
+            <a:r>
+              <a:rPr/>
+              <a:t>Kim, Shephard, Chib (1998) “Stochastic Volatility: Likelihood Inference and Comparison with ARCH Models” </a:t>
+            </a:r>
+            <a:r>
+              <a:rPr i="1"/>
+              <a:t>The Review of Economic Studies Vol. 65, No. 3</a:t>
+            </a:r>
+          </a:p>
+          <a:p>
+            <a:pPr lvl="1">
+              <a:buAutoNum type="arabicPeriod"/>
+            </a:pPr>
+            <a:r>
+              <a:rPr/>
+              <a:t>Stan Development Team. “Stan Modeling Language User’s Guide and Reference Manual” Version 2.17.0, Sept 2017</a:t>
+            </a:r>
+          </a:p>
+        </p:txBody>
+      </p:sp>
+    </p:spTree>
+  </p:cSld>
+</p:sld>
+</file>
+
+<file path=ppt/slides/slide16.xml><?xml version="1.0" encoding="utf-8"?>
+<p:sld xmlns:a="http://schemas.openxmlformats.org/drawingml/2006/main" xmlns:r="http://schemas.openxmlformats.org/officeDocument/2006/relationships" xmlns:p="http://schemas.openxmlformats.org/presentationml/2006/main">
+  <p:cSld>
+    <p:spTree>
+      <p:nvGrpSpPr>
+        <p:cNvPr id="1" name=""/>
+        <p:cNvGrpSpPr/>
+        <p:nvPr/>
+      </p:nvGrpSpPr>
+      <p:grpSpPr>
+        <a:xfrm>
+          <a:off x="0" y="0"/>
+          <a:ext cx="0" cy="0"/>
+          <a:chOff x="0" y="0"/>
+          <a:chExt cx="0" cy="0"/>
+        </a:xfrm>
+      </p:grpSpPr>
+      <p:sp>
+        <p:nvSpPr>
+          <p:cNvPr id="2" name="Title 1"/>
+          <p:cNvSpPr>
+            <a:spLocks noGrp="1"/>
+          </p:cNvSpPr>
+          <p:nvPr>
+            <p:ph type="title"/>
+          </p:nvPr>
+        </p:nvSpPr>
+        <p:spPr>
+          <a:xfrm>
             <a:off x="603504" y="0"/>
             <a:ext cx="10753344" cy="1207008"/>
           </a:xfrm>
@@ -4194,6 +5145,303 @@
 </file>
 
 <file path=ppt/slides/slide2.xml><?xml version="1.0" encoding="utf-8"?>
+<p:sld xmlns:a="http://schemas.openxmlformats.org/drawingml/2006/main" xmlns:r="http://schemas.openxmlformats.org/officeDocument/2006/relationships" xmlns:p="http://schemas.openxmlformats.org/presentationml/2006/main">
+  <p:cSld>
+    <p:spTree>
+      <p:nvGrpSpPr>
+        <p:cNvPr id="1" name=""/>
+        <p:cNvGrpSpPr/>
+        <p:nvPr/>
+      </p:nvGrpSpPr>
+      <p:grpSpPr>
+        <a:xfrm>
+          <a:off x="0" y="0"/>
+          <a:ext cx="0" cy="0"/>
+          <a:chOff x="0" y="0"/>
+          <a:chExt cx="0" cy="0"/>
+        </a:xfrm>
+      </p:grpSpPr>
+      <p:sp>
+        <p:nvSpPr>
+          <p:cNvPr id="2" name="Title 1"/>
+          <p:cNvSpPr>
+            <a:spLocks noGrp="1"/>
+          </p:cNvSpPr>
+          <p:nvPr>
+            <p:ph type="title"/>
+          </p:nvPr>
+        </p:nvSpPr>
+        <p:spPr>
+          <a:xfrm>
+            <a:off x="603504" y="0"/>
+            <a:ext cx="10753344" cy="1207008"/>
+          </a:xfrm>
+        </p:spPr>
+        <p:txBody>
+          <a:bodyPr/>
+          <a:lstStyle/>
+          <a:p>
+            <a:pPr lvl="0" marL="0" indent="0">
+              <a:buNone/>
+            </a:pPr>
+            <a:r>
+              <a:rPr/>
+              <a:t>Summary</a:t>
+            </a:r>
+            <a:r>
+              <a:rPr/>
+              <a:t> </a:t>
+            </a:r>
+            <a:r>
+              <a:rPr/>
+              <a:t>(Assignment</a:t>
+            </a:r>
+            <a:r>
+              <a:rPr/>
+              <a:t> </a:t>
+            </a:r>
+            <a:r>
+              <a:rPr/>
+              <a:t>7)</a:t>
+            </a:r>
+          </a:p>
+        </p:txBody>
+      </p:sp>
+      <p:sp>
+        <p:nvSpPr>
+          <p:cNvPr id="3" name="Content Placeholder 2"/>
+          <p:cNvSpPr>
+            <a:spLocks noGrp="1"/>
+          </p:cNvSpPr>
+          <p:nvPr>
+            <p:ph idx="1"/>
+          </p:nvPr>
+        </p:nvSpPr>
+        <p:spPr/>
+        <p:txBody>
+          <a:bodyPr/>
+          <a:lstStyle/>
+          <a:p>
+            <a:pPr lvl="1"/>
+            <a:r>
+              <a:rPr/>
+              <a:t>Created cloud computing infrastructure to run MCMC samples more effectively</a:t>
+            </a:r>
+          </a:p>
+          <a:p>
+            <a:pPr lvl="2"/>
+            <a:r>
+              <a:rPr/>
+              <a:t>16 hour run time for one model on laptop</a:t>
+            </a:r>
+          </a:p>
+          <a:p>
+            <a:pPr lvl="2"/>
+            <a:r>
+              <a:rPr/>
+              <a:t>1 hour with concurrent docker containers</a:t>
+            </a:r>
+          </a:p>
+          <a:p>
+            <a:pPr lvl="1"/>
+            <a:r>
+              <a:rPr/>
+              <a:t>Updated stochastic volatility model with less complexity</a:t>
+            </a:r>
+          </a:p>
+          <a:p>
+            <a:pPr lvl="2"/>
+            <a:r>
+              <a:rPr/>
+              <a:t>Lots of divergences with non-stationarity</a:t>
+            </a:r>
+          </a:p>
+          <a:p>
+            <a:pPr lvl="1"/>
+            <a:r>
+              <a:rPr/>
+              <a:t>Created stochastic volatility model for all drivers</a:t>
+            </a:r>
+          </a:p>
+        </p:txBody>
+      </p:sp>
+    </p:spTree>
+  </p:cSld>
+</p:sld>
+</file>
+
+<file path=ppt/slides/slide3.xml><?xml version="1.0" encoding="utf-8"?>
+<p:sld xmlns:a="http://schemas.openxmlformats.org/drawingml/2006/main" xmlns:r="http://schemas.openxmlformats.org/officeDocument/2006/relationships" xmlns:p="http://schemas.openxmlformats.org/presentationml/2006/main">
+  <p:cSld>
+    <p:spTree>
+      <p:nvGrpSpPr>
+        <p:cNvPr id="1" name=""/>
+        <p:cNvGrpSpPr/>
+        <p:nvPr/>
+      </p:nvGrpSpPr>
+      <p:grpSpPr>
+        <a:xfrm>
+          <a:off x="0" y="0"/>
+          <a:ext cx="0" cy="0"/>
+          <a:chOff x="0" y="0"/>
+          <a:chExt cx="0" cy="0"/>
+        </a:xfrm>
+      </p:grpSpPr>
+      <p:sp>
+        <p:nvSpPr>
+          <p:cNvPr id="2" name="Title 1"/>
+          <p:cNvSpPr>
+            <a:spLocks noGrp="1"/>
+          </p:cNvSpPr>
+          <p:nvPr>
+            <p:ph type="title"/>
+          </p:nvPr>
+        </p:nvSpPr>
+        <p:spPr>
+          <a:xfrm>
+            <a:off x="603504" y="0"/>
+            <a:ext cx="10753344" cy="1207008"/>
+          </a:xfrm>
+        </p:spPr>
+        <p:txBody>
+          <a:bodyPr/>
+          <a:lstStyle/>
+          <a:p>
+            <a:pPr lvl="0" marL="0" indent="0">
+              <a:buNone/>
+            </a:pPr>
+            <a:r>
+              <a:rPr/>
+              <a:t>Computing</a:t>
+            </a:r>
+            <a:r>
+              <a:rPr/>
+              <a:t> </a:t>
+            </a:r>
+            <a:r>
+              <a:rPr/>
+              <a:t>Cluster</a:t>
+            </a:r>
+            <a:r>
+              <a:rPr/>
+              <a:t> </a:t>
+            </a:r>
+            <a:r>
+              <a:rPr/>
+              <a:t>Setup</a:t>
+            </a:r>
+            <a:r>
+              <a:rPr/>
+              <a:t> </a:t>
+            </a:r>
+            <a:r>
+              <a:rPr/>
+              <a:t>(Amazon</a:t>
+            </a:r>
+            <a:r>
+              <a:rPr/>
+              <a:t> </a:t>
+            </a:r>
+            <a:r>
+              <a:rPr/>
+              <a:t>Web</a:t>
+            </a:r>
+            <a:r>
+              <a:rPr/>
+              <a:t> </a:t>
+            </a:r>
+            <a:r>
+              <a:rPr/>
+              <a:t>Services)</a:t>
+            </a:r>
+          </a:p>
+        </p:txBody>
+      </p:sp>
+      <p:sp>
+        <p:nvSpPr>
+          <p:cNvPr id="3" name="Content Placeholder 2"/>
+          <p:cNvSpPr>
+            <a:spLocks noGrp="1"/>
+          </p:cNvSpPr>
+          <p:nvPr>
+            <p:ph idx="1"/>
+          </p:nvPr>
+        </p:nvSpPr>
+        <p:spPr/>
+        <p:txBody>
+          <a:bodyPr/>
+          <a:lstStyle/>
+          <a:p>
+            <a:pPr lvl="0" marL="0" indent="0">
+              <a:spcBef>
+                <a:spcPts val="3000"/>
+              </a:spcBef>
+              <a:buNone/>
+            </a:pPr>
+            <a:r>
+              <a:rPr b="1"/>
+              <a:t>Prior Predictive Modelling</a:t>
+            </a:r>
+          </a:p>
+          <a:p>
+            <a:pPr lvl="1"/>
+            <a:r>
+              <a:rPr/>
+              <a:t>Each prior predictive model runs 1000 simulations from the generative model</a:t>
+            </a:r>
+          </a:p>
+          <a:p>
+            <a:pPr lvl="1"/>
+            <a:r>
+              <a:rPr/>
+              <a:t>Fitting 1000 simulations is a time consuming process on local machine</a:t>
+            </a:r>
+          </a:p>
+          <a:p>
+            <a:pPr lvl="2"/>
+            <a:r>
+              <a:rPr sz="1800">
+                <a:latin typeface="Courier"/>
+              </a:rPr>
+              <a:t>Stan</a:t>
+            </a:r>
+            <a:r>
+              <a:rPr/>
+              <a:t> runs 4 markov chains in parallel and aggregates (4 cores)</a:t>
+            </a:r>
+          </a:p>
+          <a:p>
+            <a:pPr lvl="2"/>
+            <a:r>
+              <a:rPr/>
+              <a:t>1000 * 4 = 4000 CPU’s to run fit observations for one model!</a:t>
+            </a:r>
+          </a:p>
+          <a:p>
+            <a:pPr lvl="1"/>
+            <a:r>
+              <a:rPr/>
+              <a:t>Created a docker container with </a:t>
+            </a:r>
+            <a:r>
+              <a:rPr sz="1800">
+                <a:latin typeface="Courier"/>
+              </a:rPr>
+              <a:t>RStan</a:t>
+            </a:r>
+            <a:r>
+              <a:rPr/>
+              <a:t> and submitted jobs to AWS Batch service</a:t>
+            </a:r>
+          </a:p>
+        </p:txBody>
+      </p:sp>
+    </p:spTree>
+  </p:cSld>
+</p:sld>
+</file>
+
+<file path=ppt/slides/slide4.xml><?xml version="1.0" encoding="utf-8"?>
 <p:sld xmlns:a="http://schemas.openxmlformats.org/drawingml/2006/main" xmlns:r="http://schemas.openxmlformats.org/officeDocument/2006/relationships" xmlns:p="http://schemas.openxmlformats.org/presentationml/2006/main">
   <p:cSld>
     <p:spTree>
@@ -4343,7 +5591,7 @@
 </p:sld>
 </file>
 
-<file path=ppt/slides/slide3.xml><?xml version="1.0" encoding="utf-8"?>
+<file path=ppt/slides/slide5.xml><?xml version="1.0" encoding="utf-8"?>
 <p:sld xmlns:a="http://schemas.openxmlformats.org/drawingml/2006/main" xmlns:r="http://schemas.openxmlformats.org/officeDocument/2006/relationships" xmlns:p="http://schemas.openxmlformats.org/presentationml/2006/main">
   <p:cSld>
     <p:spTree>
@@ -4469,7 +5717,7 @@
 </p:sld>
 </file>
 
-<file path=ppt/slides/slide4.xml><?xml version="1.0" encoding="utf-8"?>
+<file path=ppt/slides/slide6.xml><?xml version="1.0" encoding="utf-8"?>
 <p:sld xmlns:a="http://schemas.openxmlformats.org/drawingml/2006/main" xmlns:r="http://schemas.openxmlformats.org/officeDocument/2006/relationships" xmlns:p="http://schemas.openxmlformats.org/presentationml/2006/main">
   <p:cSld>
     <p:spTree>
@@ -4647,7 +5895,7 @@
 </p:sld>
 </file>
 
-<file path=ppt/slides/slide5.xml><?xml version="1.0" encoding="utf-8"?>
+<file path=ppt/slides/slide7.xml><?xml version="1.0" encoding="utf-8"?>
 <p:sld xmlns:a="http://schemas.openxmlformats.org/drawingml/2006/main" xmlns:r="http://schemas.openxmlformats.org/officeDocument/2006/relationships" xmlns:p="http://schemas.openxmlformats.org/presentationml/2006/main">
   <p:cSld>
     <p:spTree>
@@ -4783,7 +6031,7 @@
 </p:sld>
 </file>
 
-<file path=ppt/slides/slide6.xml><?xml version="1.0" encoding="utf-8"?>
+<file path=ppt/slides/slide8.xml><?xml version="1.0" encoding="utf-8"?>
 <p:sld xmlns:a="http://schemas.openxmlformats.org/drawingml/2006/main" xmlns:r="http://schemas.openxmlformats.org/officeDocument/2006/relationships" xmlns:p="http://schemas.openxmlformats.org/presentationml/2006/main">
   <p:cSld>
     <p:spTree>
@@ -4907,7 +6155,7 @@
 </p:sld>
 </file>
 
-<file path=ppt/slides/slide7.xml><?xml version="1.0" encoding="utf-8"?>
+<file path=ppt/slides/slide9.xml><?xml version="1.0" encoding="utf-8"?>
 <p:sld xmlns:a="http://schemas.openxmlformats.org/drawingml/2006/main" xmlns:r="http://schemas.openxmlformats.org/officeDocument/2006/relationships" xmlns:p="http://schemas.openxmlformats.org/presentationml/2006/main">
   <p:cSld>
     <p:spTree>
@@ -4949,7 +6197,7 @@
             </a:pPr>
             <a:r>
               <a:rPr/>
-              <a:t>AR(1)</a:t>
+              <a:t>AR(1):</a:t>
             </a:r>
             <a:r>
               <a:rPr/>
@@ -5451,846 +6699,6 @@
                       </m:r>
                       <m:r>
                         <m:t>)</m:t>
-                      </m:r>
-                    </m:oMath>
-                  </m:oMathPara>
-                </a14:m>
-              </a:p>
-            </p:txBody>
-          </p:sp>
-        </mc:Choice>
-      </mc:AlternateContent>
-    </p:spTree>
-  </p:cSld>
-</p:sld>
-</file>
-
-<file path=ppt/slides/slide8.xml><?xml version="1.0" encoding="utf-8"?>
-<p:sld xmlns:a="http://schemas.openxmlformats.org/drawingml/2006/main" xmlns:r="http://schemas.openxmlformats.org/officeDocument/2006/relationships" xmlns:p="http://schemas.openxmlformats.org/presentationml/2006/main">
-  <p:cSld>
-    <p:spTree>
-      <p:nvGrpSpPr>
-        <p:cNvPr id="1" name=""/>
-        <p:cNvGrpSpPr/>
-        <p:nvPr/>
-      </p:nvGrpSpPr>
-      <p:grpSpPr>
-        <a:xfrm>
-          <a:off x="0" y="0"/>
-          <a:ext cx="0" cy="0"/>
-          <a:chOff x="0" y="0"/>
-          <a:chExt cx="0" cy="0"/>
-        </a:xfrm>
-      </p:grpSpPr>
-      <p:sp>
-        <p:nvSpPr>
-          <p:cNvPr id="2" name="Title 1"/>
-          <p:cNvSpPr>
-            <a:spLocks noGrp="1"/>
-          </p:cNvSpPr>
-          <p:nvPr>
-            <p:ph type="title"/>
-          </p:nvPr>
-        </p:nvSpPr>
-        <p:spPr>
-          <a:xfrm>
-            <a:off x="603504" y="0"/>
-            <a:ext cx="10753344" cy="1207008"/>
-          </a:xfrm>
-        </p:spPr>
-        <p:txBody>
-          <a:bodyPr/>
-          <a:lstStyle/>
-          <a:p>
-            <a:pPr lvl="0" marL="0" indent="0">
-              <a:buNone/>
-            </a:pPr>
-            <a:r>
-              <a:rPr/>
-              <a:t>AR(1)</a:t>
-            </a:r>
-            <a:r>
-              <a:rPr/>
-              <a:t> </a:t>
-            </a:r>
-            <a:r>
-              <a:rPr/>
-              <a:t>Prior</a:t>
-            </a:r>
-            <a:r>
-              <a:rPr/>
-              <a:t> </a:t>
-            </a:r>
-            <a:r>
-              <a:rPr/>
-              <a:t>Predictive</a:t>
-            </a:r>
-            <a:r>
-              <a:rPr/>
-              <a:t> </a:t>
-            </a:r>
-            <a:r>
-              <a:rPr/>
-              <a:t>Analysis</a:t>
-            </a:r>
-          </a:p>
-        </p:txBody>
-      </p:sp>
-    </p:spTree>
-  </p:cSld>
-</p:sld>
-</file>
-
-<file path=ppt/slides/slide9.xml><?xml version="1.0" encoding="utf-8"?>
-<p:sld xmlns:a="http://schemas.openxmlformats.org/drawingml/2006/main" xmlns:r="http://schemas.openxmlformats.org/officeDocument/2006/relationships" xmlns:p="http://schemas.openxmlformats.org/presentationml/2006/main">
-  <p:cSld>
-    <p:spTree>
-      <p:nvGrpSpPr>
-        <p:cNvPr id="1" name=""/>
-        <p:cNvGrpSpPr/>
-        <p:nvPr/>
-      </p:nvGrpSpPr>
-      <p:grpSpPr>
-        <a:xfrm>
-          <a:off x="0" y="0"/>
-          <a:ext cx="0" cy="0"/>
-          <a:chOff x="0" y="0"/>
-          <a:chExt cx="0" cy="0"/>
-        </a:xfrm>
-      </p:grpSpPr>
-      <p:sp>
-        <p:nvSpPr>
-          <p:cNvPr id="2" name="Title 1"/>
-          <p:cNvSpPr>
-            <a:spLocks noGrp="1"/>
-          </p:cNvSpPr>
-          <p:nvPr>
-            <p:ph type="title"/>
-          </p:nvPr>
-        </p:nvSpPr>
-        <p:spPr>
-          <a:xfrm>
-            <a:off x="838200" y="0"/>
-            <a:ext cx="10515600" cy="1207008"/>
-          </a:xfrm>
-        </p:spPr>
-        <p:txBody>
-          <a:bodyPr/>
-          <a:lstStyle/>
-          <a:p>
-            <a:pPr lvl="0" marL="0" indent="0">
-              <a:buNone/>
-            </a:pPr>
-            <a:r>
-              <a:rPr/>
-              <a:t>Stochastic</a:t>
-            </a:r>
-            <a:r>
-              <a:rPr/>
-              <a:t> </a:t>
-            </a:r>
-            <a:r>
-              <a:rPr/>
-              <a:t>Volatility</a:t>
-            </a:r>
-            <a:r>
-              <a:rPr/>
-              <a:t> </a:t>
-            </a:r>
-            <a:r>
-              <a:rPr/>
-              <a:t>Setup</a:t>
-            </a:r>
-          </a:p>
-        </p:txBody>
-      </p:sp>
-      <mc:AlternateContent xmlns:mc="http://schemas.openxmlformats.org/markup-compatibility/2006">
-        <mc:Choice xmlns:a14="http://schemas.microsoft.com/office/drawing/2010/main" Requires="a14">
-          <p:sp>
-            <p:nvSpPr>
-              <p:cNvPr id="3" name="Content Placeholder 2"/>
-              <p:cNvSpPr>
-                <a:spLocks noGrp="1"/>
-              </p:cNvSpPr>
-              <p:nvPr>
-                <p:ph sz="half" idx="1"/>
-              </p:nvPr>
-            </p:nvSpPr>
-            <p:spPr/>
-            <p:txBody>
-              <a:bodyPr/>
-              <a:lstStyle/>
-              <a:p>
-                <a:pPr lvl="0" marL="0" indent="0">
-                  <a:spcBef>
-                    <a:spcPts val="3000"/>
-                  </a:spcBef>
-                  <a:buNone/>
-                </a:pPr>
-                <a:r>
-                  <a:rPr b="1"/>
-                  <a:t>Conceptual Analysis</a:t>
-                </a:r>
-              </a:p>
-              <a:p>
-                <a:pPr lvl="0" marL="0" indent="0">
-                  <a:buNone/>
-                </a:pPr>
-                <a:r>
-                  <a:rPr/>
-                  <a:t>Mean of lane positioning is constant but with changing volatility. The SV model has additional parameters to deal with the structure of this data. Latent variables and generative nature of model allows for additional complexity.</a:t>
-                </a:r>
-              </a:p>
-              <a:p>
-                <a:pPr lvl="0" marL="0" indent="0">
-                  <a:spcBef>
-                    <a:spcPts val="3000"/>
-                  </a:spcBef>
-                  <a:buNone/>
-                </a:pPr>
-                <a:r>
-                  <a:rPr b="1"/>
-                  <a:t>Define observations</a:t>
-                </a:r>
-              </a:p>
-              <a:p>
-                <a:pPr lvl="0" marL="0" indent="0">
-                  <a:buNone/>
-                </a:pPr>
-                <a14:m>
-                  <m:oMathPara xmlns:m="http://schemas.openxmlformats.org/officeDocument/2006/math">
-                    <m:oMathParaPr>
-                      <m:jc m:val="center"/>
-                    </m:oMathParaPr>
-                    <m:oMath>
-                      <m:r>
-                        <m:t>T</m:t>
-                      </m:r>
-                      <m:r>
-                        <m:t>:</m:t>
-                      </m:r>
-                      <m:r>
-                        <m:rPr>
-                          <m:sty m:val="p"/>
-                        </m:rPr>
-                        <m:t>Number of observations</m:t>
-                      </m:r>
-                    </m:oMath>
-                  </m:oMathPara>
-                </a14:m>
-              </a:p>
-              <a:p>
-                <a:pPr lvl="0" marL="0" indent="0">
-                  <a:buNone/>
-                </a:pPr>
-                <a14:m>
-                  <m:oMathPara xmlns:m="http://schemas.openxmlformats.org/officeDocument/2006/math">
-                    <m:oMathParaPr>
-                      <m:jc m:val="center"/>
-                    </m:oMathParaPr>
-                    <m:oMath>
-                      <m:sSub>
-                        <m:e>
-                          <m:r>
-                            <m:t>N</m:t>
-                          </m:r>
-                        </m:e>
-                        <m:sub>
-                          <m:r>
-                            <m:t>t</m:t>
-                          </m:r>
-                          <m:r>
-                            <m:t>e</m:t>
-                          </m:r>
-                          <m:r>
-                            <m:t>x</m:t>
-                          </m:r>
-                          <m:r>
-                            <m:t>t</m:t>
-                          </m:r>
-                          <m:r>
-                            <m:t>i</m:t>
-                          </m:r>
-                          <m:r>
-                            <m:t>n</m:t>
-                          </m:r>
-                          <m:r>
-                            <m:t>g</m:t>
-                          </m:r>
-                        </m:sub>
-                      </m:sSub>
-                      <m:r>
-                        <m:t>:</m:t>
-                      </m:r>
-                      <m:r>
-                        <m:rPr>
-                          <m:sty m:val="p"/>
-                        </m:rPr>
-                        <m:t>Number of texting states </m:t>
-                      </m:r>
-                      <m:r>
-                        <m:t>(</m:t>
-                      </m:r>
-                      <m:r>
-                        <m:t>j</m:t>
-                      </m:r>
-                      <m:r>
-                        <m:t>)</m:t>
-                      </m:r>
-                    </m:oMath>
-                  </m:oMathPara>
-                </a14:m>
-              </a:p>
-              <a:p>
-                <a:pPr lvl="0" marL="0" indent="0">
-                  <a:buNone/>
-                </a:pPr>
-                <a14:m>
-                  <m:oMathPara xmlns:m="http://schemas.openxmlformats.org/officeDocument/2006/math">
-                    <m:oMathParaPr>
-                      <m:jc m:val="center"/>
-                    </m:oMathParaPr>
-                    <m:oMath>
-                      <m:sSub>
-                        <m:e>
-                          <m:r>
-                            <m:t>y</m:t>
-                          </m:r>
-                        </m:e>
-                        <m:sub>
-                          <m:r>
-                            <m:t>t</m:t>
-                          </m:r>
-                        </m:sub>
-                      </m:sSub>
-                      <m:r>
-                        <m:t>:</m:t>
-                      </m:r>
-                      <m:r>
-                        <m:rPr>
-                          <m:sty m:val="p"/>
-                        </m:rPr>
-                        <m:t>Lane Position (meters), mean corrected</m:t>
-                      </m:r>
-                    </m:oMath>
-                  </m:oMathPara>
-                </a14:m>
-              </a:p>
-              <a:p>
-                <a:pPr lvl="0" marL="0" indent="0">
-                  <a:buNone/>
-                </a:pPr>
-                <a14:m>
-                  <m:oMathPara xmlns:m="http://schemas.openxmlformats.org/officeDocument/2006/math">
-                    <m:oMathParaPr>
-                      <m:jc m:val="center"/>
-                    </m:oMathParaPr>
-                    <m:oMath>
-                      <m:sSub>
-                        <m:e>
-                          <m:r>
-                            <m:t>x</m:t>
-                          </m:r>
-                        </m:e>
-                        <m:sub>
-                          <m:r>
-                            <m:t>t</m:t>
-                          </m:r>
-                        </m:sub>
-                      </m:sSub>
-                      <m:r>
-                        <m:t>:</m:t>
-                      </m:r>
-                      <m:r>
-                        <m:rPr>
-                          <m:sty m:val="p"/>
-                        </m:rPr>
-                        <m:t>Texting indicator (1: ND, 2: MD)</m:t>
-                      </m:r>
-                    </m:oMath>
-                  </m:oMathPara>
-                </a14:m>
-              </a:p>
-            </p:txBody>
-          </p:sp>
-        </mc:Choice>
-      </mc:AlternateContent>
-      <mc:AlternateContent xmlns:mc="http://schemas.openxmlformats.org/markup-compatibility/2006">
-        <mc:Choice xmlns:a14="http://schemas.microsoft.com/office/drawing/2010/main" Requires="a14">
-          <p:sp>
-            <p:nvSpPr>
-              <p:cNvPr id="4" name="Content Placeholder 3"/>
-              <p:cNvSpPr>
-                <a:spLocks noGrp="1"/>
-              </p:cNvSpPr>
-              <p:nvPr>
-                <p:ph sz="half" idx="2"/>
-              </p:nvPr>
-            </p:nvSpPr>
-            <p:spPr/>
-            <p:txBody>
-              <a:bodyPr/>
-              <a:lstStyle/>
-              <a:p>
-                <a:pPr lvl="0" marL="0" indent="0">
-                  <a:spcBef>
-                    <a:spcPts val="3000"/>
-                  </a:spcBef>
-                  <a:buNone/>
-                </a:pPr>
-                <a:r>
-                  <a:rPr b="1"/>
-                  <a:t>Likelihood and priors</a:t>
-                </a:r>
-              </a:p>
-              <a:p>
-                <a:pPr lvl="0" marL="0" indent="0">
-                  <a:buNone/>
-                </a:pPr>
-                <a14:m>
-                  <m:oMathPara xmlns:m="http://schemas.openxmlformats.org/officeDocument/2006/math">
-                    <m:oMathParaPr>
-                      <m:jc m:val="center"/>
-                    </m:oMathParaPr>
-                    <m:oMath>
-                      <m:sSub>
-                        <m:e>
-                          <m:r>
-                            <m:t>y</m:t>
-                          </m:r>
-                        </m:e>
-                        <m:sub>
-                          <m:r>
-                            <m:t>t</m:t>
-                          </m:r>
-                        </m:sub>
-                      </m:sSub>
-                      <m:r>
-                        <m:t>∼</m:t>
-                      </m:r>
-                      <m:r>
-                        <m:rPr>
-                          <m:sty m:val="p"/>
-                          <m:scr m:val="script"/>
-                        </m:rPr>
-                        <m:t>N</m:t>
-                      </m:r>
-                      <m:r>
-                        <m:t>(</m:t>
-                      </m:r>
-                      <m:r>
-                        <m:t>0</m:t>
-                      </m:r>
-                      <m:r>
-                        <m:t>,</m:t>
-                      </m:r>
-                      <m:r>
-                        <m:rPr>
-                          <m:sty m:val="p"/>
-                        </m:rPr>
-                        <m:t>exp</m:t>
-                      </m:r>
-                      <m:r>
-                        <m:t>(</m:t>
-                      </m:r>
-                      <m:sSub>
-                        <m:e>
-                          <m:r>
-                            <m:t>h</m:t>
-                          </m:r>
-                        </m:e>
-                        <m:sub>
-                          <m:r>
-                            <m:t>t</m:t>
-                          </m:r>
-                        </m:sub>
-                      </m:sSub>
-                      <m:r>
-                        <m:t>/</m:t>
-                      </m:r>
-                      <m:r>
-                        <m:t>2</m:t>
-                      </m:r>
-                      <m:r>
-                        <m:t>)</m:t>
-                      </m:r>
-                      <m:r>
-                        <m:t>)</m:t>
-                      </m:r>
-                    </m:oMath>
-                  </m:oMathPara>
-                </a14:m>
-              </a:p>
-              <a:p>
-                <a:pPr lvl="0" marL="0" indent="0">
-                  <a:buNone/>
-                </a:pPr>
-                <a14:m>
-                  <m:oMathPara xmlns:m="http://schemas.openxmlformats.org/officeDocument/2006/math">
-                    <m:oMathParaPr>
-                      <m:jc m:val="center"/>
-                    </m:oMathParaPr>
-                    <m:oMath>
-                      <m:sSub>
-                        <m:e>
-                          <m:r>
-                            <m:t>h</m:t>
-                          </m:r>
-                        </m:e>
-                        <m:sub>
-                          <m:r>
-                            <m:t>t</m:t>
-                          </m:r>
-                        </m:sub>
-                      </m:sSub>
-                      <m:r>
-                        <m:t>∼</m:t>
-                      </m:r>
-                      <m:r>
-                        <m:rPr>
-                          <m:sty m:val="p"/>
-                          <m:scr m:val="script"/>
-                        </m:rPr>
-                        <m:t>N</m:t>
-                      </m:r>
-                      <m:r>
-                        <m:t>(</m:t>
-                      </m:r>
-                      <m:r>
-                        <m:t>μ</m:t>
-                      </m:r>
-                      <m:r>
-                        <m:t>+</m:t>
-                      </m:r>
-                      <m:r>
-                        <m:t>δ</m:t>
-                      </m:r>
-                      <m:r>
-                        <m:t>+</m:t>
-                      </m:r>
-                      <m:r>
-                        <m:t>ϕ</m:t>
-                      </m:r>
-                      <m:r>
-                        <m:t>(</m:t>
-                      </m:r>
-                      <m:sSub>
-                        <m:e>
-                          <m:r>
-                            <m:t>h</m:t>
-                          </m:r>
-                        </m:e>
-                        <m:sub>
-                          <m:r>
-                            <m:t>t</m:t>
-                          </m:r>
-                        </m:sub>
-                      </m:sSub>
-                      <m:r>
-                        <m:t>−</m:t>
-                      </m:r>
-                      <m:r>
-                        <m:t>μ</m:t>
-                      </m:r>
-                      <m:r>
-                        <m:t>)</m:t>
-                      </m:r>
-                      <m:r>
-                        <m:t>,</m:t>
-                      </m:r>
-                      <m:r>
-                        <m:t>σ</m:t>
-                      </m:r>
-                      <m:r>
-                        <m:t>)</m:t>
-                      </m:r>
-                    </m:oMath>
-                  </m:oMathPara>
-                </a14:m>
-              </a:p>
-              <a:p>
-                <a:pPr lvl="0" marL="0" indent="0">
-                  <a:buNone/>
-                </a:pPr>
-                <a14:m>
-                  <m:oMathPara xmlns:m="http://schemas.openxmlformats.org/officeDocument/2006/math">
-                    <m:oMathParaPr>
-                      <m:jc m:val="center"/>
-                    </m:oMathParaPr>
-                    <m:oMath>
-                      <m:sSub>
-                        <m:e>
-                          <m:r>
-                            <m:t>h</m:t>
-                          </m:r>
-                        </m:e>
-                        <m:sub>
-                          <m:r>
-                            <m:t>1</m:t>
-                          </m:r>
-                        </m:sub>
-                      </m:sSub>
-                      <m:r>
-                        <m:t>∼</m:t>
-                      </m:r>
-                      <m:r>
-                        <m:rPr>
-                          <m:sty m:val="p"/>
-                          <m:scr m:val="script"/>
-                        </m:rPr>
-                        <m:t>N</m:t>
-                      </m:r>
-                      <m:r>
-                        <m:t>(</m:t>
-                      </m:r>
-                      <m:r>
-                        <m:t>μ</m:t>
-                      </m:r>
-                      <m:r>
-                        <m:t>,</m:t>
-                      </m:r>
-                      <m:f>
-                        <m:fPr>
-                          <m:type m:val="bar"/>
-                        </m:fPr>
-                        <m:num>
-                          <m:r>
-                            <m:t>σ</m:t>
-                          </m:r>
-                        </m:num>
-                        <m:den>
-                          <m:rad>
-                            <m:radPr>
-                              <m:degHide m:val="1"/>
-                            </m:radPr>
-                            <m:deg/>
-                            <m:e>
-                              <m:r>
-                                <m:t>1</m:t>
-                              </m:r>
-                              <m:r>
-                                <m:t>−</m:t>
-                              </m:r>
-                              <m:sSup>
-                                <m:e>
-                                  <m:r>
-                                    <m:t>ϕ</m:t>
-                                  </m:r>
-                                </m:e>
-                                <m:sup>
-                                  <m:r>
-                                    <m:t>2</m:t>
-                                  </m:r>
-                                </m:sup>
-                              </m:sSup>
-                            </m:e>
-                          </m:rad>
-                        </m:den>
-                      </m:f>
-                      <m:r>
-                        <m:t>)</m:t>
-                      </m:r>
-                    </m:oMath>
-                  </m:oMathPara>
-                </a14:m>
-              </a:p>
-              <a:p>
-                <a:pPr lvl="0" marL="0" indent="0">
-                  <a:buNone/>
-                </a:pPr>
-              </a:p>
-              <a:p>
-                <a:pPr lvl="0" marL="0" indent="0">
-                  <a:buNone/>
-                </a:pPr>
-                <a14:m>
-                  <m:oMathPara xmlns:m="http://schemas.openxmlformats.org/officeDocument/2006/math">
-                    <m:oMathParaPr>
-                      <m:jc m:val="center"/>
-                    </m:oMathParaPr>
-                    <m:oMath>
-                      <m:r>
-                        <m:t>μ</m:t>
-                      </m:r>
-                      <m:r>
-                        <m:t>∼</m:t>
-                      </m:r>
-                      <m:r>
-                        <m:rPr>
-                          <m:sty m:val="p"/>
-                          <m:scr m:val="script"/>
-                        </m:rPr>
-                        <m:t>N</m:t>
-                      </m:r>
-                      <m:r>
-                        <m:t>(</m:t>
-                      </m:r>
-                      <m:r>
-                        <m:t>0</m:t>
-                      </m:r>
-                      <m:r>
-                        <m:t>,</m:t>
-                      </m:r>
-                      <m:r>
-                        <m:t>1</m:t>
-                      </m:r>
-                      <m:r>
-                        <m:t>)</m:t>
-                      </m:r>
-                      <m:r>
-                        <m:t>:</m:t>
-                      </m:r>
-                      <m:r>
-                        <m:rPr>
-                          <m:sty m:val="p"/>
-                        </m:rPr>
-                        <m:t>Mean log volatility</m:t>
-                      </m:r>
-                    </m:oMath>
-                  </m:oMathPara>
-                </a14:m>
-              </a:p>
-              <a:p>
-                <a:pPr lvl="0" marL="0" indent="0">
-                  <a:buNone/>
-                </a:pPr>
-                <a14:m>
-                  <m:oMathPara xmlns:m="http://schemas.openxmlformats.org/officeDocument/2006/math">
-                    <m:oMathParaPr>
-                      <m:jc m:val="center"/>
-                    </m:oMathParaPr>
-                    <m:oMath>
-                      <m:r>
-                        <m:t>ϕ</m:t>
-                      </m:r>
-                      <m:r>
-                        <m:t>∼</m:t>
-                      </m:r>
-                      <m:r>
-                        <m:rPr>
-                          <m:sty m:val="p"/>
-                        </m:rPr>
-                        <m:t>Uniform</m:t>
-                      </m:r>
-                      <m:r>
-                        <m:t>(</m:t>
-                      </m:r>
-                      <m:r>
-                        <m:t>−</m:t>
-                      </m:r>
-                      <m:r>
-                        <m:t>1</m:t>
-                      </m:r>
-                      <m:r>
-                        <m:t>,</m:t>
-                      </m:r>
-                      <m:r>
-                        <m:t>1</m:t>
-                      </m:r>
-                      <m:r>
-                        <m:t>)</m:t>
-                      </m:r>
-                      <m:r>
-                        <m:t>:</m:t>
-                      </m:r>
-                      <m:r>
-                        <m:rPr>
-                          <m:sty m:val="p"/>
-                        </m:rPr>
-                        <m:t>Persistence of volatility</m:t>
-                      </m:r>
-                    </m:oMath>
-                  </m:oMathPara>
-                </a14:m>
-              </a:p>
-              <a:p>
-                <a:pPr lvl="0" marL="0" indent="0">
-                  <a:buNone/>
-                </a:pPr>
-                <a14:m>
-                  <m:oMathPara xmlns:m="http://schemas.openxmlformats.org/officeDocument/2006/math">
-                    <m:oMathParaPr>
-                      <m:jc m:val="center"/>
-                    </m:oMathParaPr>
-                    <m:oMath>
-                      <m:r>
-                        <m:t>σ</m:t>
-                      </m:r>
-                      <m:r>
-                        <m:t>∼</m:t>
-                      </m:r>
-                      <m:r>
-                        <m:rPr>
-                          <m:sty m:val="p"/>
-                          <m:scr m:val="script"/>
-                        </m:rPr>
-                        <m:t>N</m:t>
-                      </m:r>
-                      <m:r>
-                        <m:t>(</m:t>
-                      </m:r>
-                      <m:r>
-                        <m:t>0</m:t>
-                      </m:r>
-                      <m:r>
-                        <m:t>,</m:t>
-                      </m:r>
-                      <m:r>
-                        <m:t>1</m:t>
-                      </m:r>
-                      <m:r>
-                        <m:t>)</m:t>
-                      </m:r>
-                    </m:oMath>
-                  </m:oMathPara>
-                </a14:m>
-              </a:p>
-              <a:p>
-                <a:pPr lvl="0" marL="0" indent="0">
-                  <a:buNone/>
-                </a:pPr>
-                <a14:m>
-                  <m:oMathPara xmlns:m="http://schemas.openxmlformats.org/officeDocument/2006/math">
-                    <m:oMathParaPr>
-                      <m:jc m:val="center"/>
-                    </m:oMathParaPr>
-                    <m:oMath>
-                      <m:r>
-                        <m:t>δ</m:t>
-                      </m:r>
-                      <m:r>
-                        <m:t>∼</m:t>
-                      </m:r>
-                      <m:r>
-                        <m:rPr>
-                          <m:sty m:val="p"/>
-                          <m:scr m:val="script"/>
-                        </m:rPr>
-                        <m:t>N</m:t>
-                      </m:r>
-                      <m:r>
-                        <m:t>(</m:t>
-                      </m:r>
-                      <m:r>
-                        <m:t>0</m:t>
-                      </m:r>
-                      <m:r>
-                        <m:t>,</m:t>
-                      </m:r>
-                      <m:r>
-                        <m:t>0.05</m:t>
-                      </m:r>
-                      <m:r>
-                        <m:t>)</m:t>
-                      </m:r>
-                      <m:r>
-                        <m:t>:</m:t>
-                      </m:r>
-                      <m:r>
-                        <m:rPr>
-                          <m:sty m:val="p"/>
-                        </m:rPr>
-                        <m:t>Texting effect</m:t>
                       </m:r>
                     </m:oMath>
                   </m:oMathPara>

--- a/src/presentation/final_presentation.pptx
+++ b/src/presentation/final_presentation.pptx
@@ -21,6 +21,13 @@
     <p:sldId id="269" r:id="rId15"/>
     <p:sldId id="270" r:id="rId16"/>
     <p:sldId id="271" r:id="rId17"/>
+    <p:sldId id="272" r:id="rId18"/>
+    <p:sldId id="273" r:id="rId19"/>
+    <p:sldId id="274" r:id="rId20"/>
+    <p:sldId id="275" r:id="rId21"/>
+    <p:sldId id="276" r:id="rId22"/>
+    <p:sldId id="277" r:id="rId23"/>
+    <p:sldId id="278" r:id="rId24"/>
   </p:sldIdLst>
   <p:sldSz cx="12192000" cy="6858000"/>
   <p:notesSz cx="6858000" cy="9144000"/>
@@ -3812,8 +3819,8 @@
         </p:nvSpPr>
         <p:spPr>
           <a:xfrm>
-            <a:off x="603504" y="0"/>
-            <a:ext cx="10753344" cy="1207008"/>
+            <a:off x="838200" y="0"/>
+            <a:ext cx="10515600" cy="1207008"/>
           </a:xfrm>
         </p:spPr>
         <p:txBody>
@@ -3833,7 +3840,7 @@
             </a:r>
             <a:r>
               <a:rPr/>
-              <a:t>Prior</a:t>
+              <a:t>Fit</a:t>
             </a:r>
             <a:r>
               <a:rPr/>
@@ -3841,25 +3848,1990 @@
             </a:r>
             <a:r>
               <a:rPr/>
-              <a:t>Predictive</a:t>
-            </a:r>
-            <a:r>
-              <a:rPr/>
-              <a:t> </a:t>
-            </a:r>
-            <a:r>
-              <a:rPr/>
-              <a:t>Analysis</a:t>
-            </a:r>
-          </a:p>
-        </p:txBody>
-      </p:sp>
+              <a:t>observations</a:t>
+            </a:r>
+          </a:p>
+        </p:txBody>
+      </p:sp>
+      <p:pic>
+        <p:nvPicPr>
+          <p:cNvPr descr="final_presentation_files/figure-pptx/ar1_fit-1.png" id="0" name="Picture 1"/>
+          <p:cNvPicPr>
+            <a:picLocks noGrp="1" noChangeAspect="1"/>
+          </p:cNvPicPr>
+          <p:nvPr/>
+        </p:nvPicPr>
+        <p:blipFill>
+          <a:blip r:embed="rId2"/>
+          <a:stretch>
+            <a:fillRect/>
+          </a:stretch>
+        </p:blipFill>
+        <p:spPr bwMode="auto">
+          <a:xfrm>
+            <a:off x="838200" y="2044700"/>
+            <a:ext cx="5181600" cy="3886200"/>
+          </a:xfrm>
+          <a:prstGeom prst="rect">
+            <a:avLst/>
+          </a:prstGeom>
+          <a:noFill/>
+          <a:ln w="9525">
+            <a:noFill/>
+            <a:headEnd/>
+            <a:tailEnd/>
+          </a:ln>
+        </p:spPr>
+      </p:pic>
+      <p:pic>
+        <p:nvPicPr>
+          <p:cNvPr descr="final_presentation_files/figure-pptx/ar1_fit_plot-1.png" id="0" name="Picture 1"/>
+          <p:cNvPicPr>
+            <a:picLocks noGrp="1" noChangeAspect="1"/>
+          </p:cNvPicPr>
+          <p:nvPr/>
+        </p:nvPicPr>
+        <p:blipFill>
+          <a:blip r:embed="rId3"/>
+          <a:stretch>
+            <a:fillRect/>
+          </a:stretch>
+        </p:blipFill>
+        <p:spPr bwMode="auto">
+          <a:xfrm>
+            <a:off x="6172200" y="2044700"/>
+            <a:ext cx="5181600" cy="3886200"/>
+          </a:xfrm>
+          <a:prstGeom prst="rect">
+            <a:avLst/>
+          </a:prstGeom>
+          <a:noFill/>
+          <a:ln w="9525">
+            <a:noFill/>
+            <a:headEnd/>
+            <a:tailEnd/>
+          </a:ln>
+        </p:spPr>
+      </p:pic>
     </p:spTree>
   </p:cSld>
 </p:sld>
 </file>
 
 <file path=ppt/slides/slide11.xml><?xml version="1.0" encoding="utf-8"?>
+<p:sld xmlns:a="http://schemas.openxmlformats.org/drawingml/2006/main" xmlns:r="http://schemas.openxmlformats.org/officeDocument/2006/relationships" xmlns:p="http://schemas.openxmlformats.org/presentationml/2006/main">
+  <p:cSld>
+    <p:spTree>
+      <p:nvGrpSpPr>
+        <p:cNvPr id="1" name=""/>
+        <p:cNvGrpSpPr/>
+        <p:nvPr/>
+      </p:nvGrpSpPr>
+      <p:grpSpPr>
+        <a:xfrm>
+          <a:off x="0" y="0"/>
+          <a:ext cx="0" cy="0"/>
+          <a:chOff x="0" y="0"/>
+          <a:chExt cx="0" cy="0"/>
+        </a:xfrm>
+      </p:grpSpPr>
+      <p:sp>
+        <p:nvSpPr>
+          <p:cNvPr id="2" name="Title 1"/>
+          <p:cNvSpPr>
+            <a:spLocks noGrp="1"/>
+          </p:cNvSpPr>
+          <p:nvPr>
+            <p:ph type="title"/>
+          </p:nvPr>
+        </p:nvSpPr>
+        <p:spPr>
+          <a:xfrm>
+            <a:off x="838200" y="0"/>
+            <a:ext cx="10515600" cy="1207008"/>
+          </a:xfrm>
+        </p:spPr>
+        <p:txBody>
+          <a:bodyPr/>
+          <a:lstStyle/>
+          <a:p>
+            <a:pPr lvl="0" marL="0" indent="0">
+              <a:buNone/>
+            </a:pPr>
+            <a:r>
+              <a:rPr/>
+              <a:t>AR(1):</a:t>
+            </a:r>
+            <a:r>
+              <a:rPr/>
+              <a:t> </a:t>
+            </a:r>
+            <a:r>
+              <a:rPr/>
+              <a:t>Posterior</a:t>
+            </a:r>
+            <a:r>
+              <a:rPr/>
+              <a:t> </a:t>
+            </a:r>
+            <a:r>
+              <a:rPr/>
+              <a:t>Predictive</a:t>
+            </a:r>
+            <a:r>
+              <a:rPr/>
+              <a:t> </a:t>
+            </a:r>
+            <a:r>
+              <a:rPr/>
+              <a:t>Check</a:t>
+            </a:r>
+          </a:p>
+        </p:txBody>
+      </p:sp>
+      <p:pic>
+        <p:nvPicPr>
+          <p:cNvPr descr="final_presentation_files/figure-pptx/ar1_ppc_plot-1.png" id="0" name="Picture 1"/>
+          <p:cNvPicPr>
+            <a:picLocks noGrp="1" noChangeAspect="1"/>
+          </p:cNvPicPr>
+          <p:nvPr/>
+        </p:nvPicPr>
+        <p:blipFill>
+          <a:blip r:embed="rId2"/>
+          <a:stretch>
+            <a:fillRect/>
+          </a:stretch>
+        </p:blipFill>
+        <p:spPr bwMode="auto">
+          <a:xfrm>
+            <a:off x="838200" y="2044700"/>
+            <a:ext cx="5181600" cy="3886200"/>
+          </a:xfrm>
+          <a:prstGeom prst="rect">
+            <a:avLst/>
+          </a:prstGeom>
+          <a:noFill/>
+          <a:ln w="9525">
+            <a:noFill/>
+            <a:headEnd/>
+            <a:tailEnd/>
+          </a:ln>
+        </p:spPr>
+      </p:pic>
+      <p:pic>
+        <p:nvPicPr>
+          <p:cNvPr descr="/Users/bryanyu/Dropbox/STATS/STAT685/src/presentation/graphics/ar1_table.png" id="0" name="Picture 1"/>
+          <p:cNvPicPr>
+            <a:picLocks noGrp="1" noChangeAspect="1"/>
+          </p:cNvPicPr>
+          <p:nvPr/>
+        </p:nvPicPr>
+        <p:blipFill>
+          <a:blip r:embed="rId3"/>
+          <a:stretch>
+            <a:fillRect/>
+          </a:stretch>
+        </p:blipFill>
+        <p:spPr bwMode="auto">
+          <a:xfrm>
+            <a:off x="6172200" y="3276600"/>
+            <a:ext cx="5181600" cy="1422400"/>
+          </a:xfrm>
+          <a:prstGeom prst="rect">
+            <a:avLst/>
+          </a:prstGeom>
+          <a:noFill/>
+          <a:ln w="9525">
+            <a:noFill/>
+            <a:headEnd/>
+            <a:tailEnd/>
+          </a:ln>
+        </p:spPr>
+      </p:pic>
+    </p:spTree>
+  </p:cSld>
+</p:sld>
+</file>
+
+<file path=ppt/slides/slide12.xml><?xml version="1.0" encoding="utf-8"?>
+<p:sld xmlns:a="http://schemas.openxmlformats.org/drawingml/2006/main" xmlns:r="http://schemas.openxmlformats.org/officeDocument/2006/relationships" xmlns:p="http://schemas.openxmlformats.org/presentationml/2006/main">
+  <p:cSld>
+    <p:spTree>
+      <p:nvGrpSpPr>
+        <p:cNvPr id="1" name=""/>
+        <p:cNvGrpSpPr/>
+        <p:nvPr/>
+      </p:nvGrpSpPr>
+      <p:grpSpPr>
+        <a:xfrm>
+          <a:off x="0" y="0"/>
+          <a:ext cx="0" cy="0"/>
+          <a:chOff x="0" y="0"/>
+          <a:chExt cx="0" cy="0"/>
+        </a:xfrm>
+      </p:grpSpPr>
+      <p:sp>
+        <p:nvSpPr>
+          <p:cNvPr id="2" name="Title 1"/>
+          <p:cNvSpPr>
+            <a:spLocks noGrp="1"/>
+          </p:cNvSpPr>
+          <p:nvPr>
+            <p:ph type="title"/>
+          </p:nvPr>
+        </p:nvSpPr>
+        <p:spPr>
+          <a:xfrm>
+            <a:off x="838200" y="0"/>
+            <a:ext cx="10515600" cy="1207008"/>
+          </a:xfrm>
+        </p:spPr>
+        <p:txBody>
+          <a:bodyPr/>
+          <a:lstStyle/>
+          <a:p>
+            <a:pPr lvl="0" marL="0" indent="0">
+              <a:buNone/>
+            </a:pPr>
+            <a:r>
+              <a:rPr/>
+              <a:t>AR(1):</a:t>
+            </a:r>
+            <a:r>
+              <a:rPr/>
+              <a:t> </a:t>
+            </a:r>
+            <a:r>
+              <a:rPr/>
+              <a:t>Multivariate</a:t>
+            </a:r>
+            <a:r>
+              <a:rPr/>
+              <a:t> </a:t>
+            </a:r>
+            <a:r>
+              <a:rPr/>
+              <a:t>drivers</a:t>
+            </a:r>
+          </a:p>
+        </p:txBody>
+      </p:sp>
+      <mc:AlternateContent xmlns:mc="http://schemas.openxmlformats.org/markup-compatibility/2006">
+        <mc:Choice xmlns:a14="http://schemas.microsoft.com/office/drawing/2010/main" Requires="a14">
+          <p:sp>
+            <p:nvSpPr>
+              <p:cNvPr id="3" name="Content Placeholder 2"/>
+              <p:cNvSpPr>
+                <a:spLocks noGrp="1"/>
+              </p:cNvSpPr>
+              <p:nvPr>
+                <p:ph sz="half" idx="1"/>
+              </p:nvPr>
+            </p:nvSpPr>
+            <p:spPr/>
+            <p:txBody>
+              <a:bodyPr/>
+              <a:lstStyle/>
+              <a:p>
+                <a:pPr lvl="0" marL="0" indent="0">
+                  <a:spcBef>
+                    <a:spcPts val="3000"/>
+                  </a:spcBef>
+                  <a:buNone/>
+                </a:pPr>
+                <a:r>
+                  <a:rPr b="1"/>
+                  <a:t>Likelihood and priors</a:t>
+                </a:r>
+              </a:p>
+              <a:p>
+                <a:pPr lvl="0" marL="0" indent="0">
+                  <a:buNone/>
+                </a:pPr>
+                <a14:m>
+                  <m:oMathPara xmlns:m="http://schemas.openxmlformats.org/officeDocument/2006/math">
+                    <m:oMathParaPr>
+                      <m:jc m:val="center"/>
+                    </m:oMathParaPr>
+                    <m:oMath>
+                      <m:sSub>
+                        <m:e>
+                          <m:r>
+                            <m:t>y</m:t>
+                          </m:r>
+                        </m:e>
+                        <m:sub>
+                          <m:r>
+                            <m:t>i</m:t>
+                          </m:r>
+                          <m:r>
+                            <m:t>,</m:t>
+                          </m:r>
+                          <m:r>
+                            <m:t>t</m:t>
+                          </m:r>
+                        </m:sub>
+                      </m:sSub>
+                      <m:r>
+                        <m:t>∼</m:t>
+                      </m:r>
+                      <m:r>
+                        <m:rPr>
+                          <m:sty m:val="p"/>
+                          <m:scr m:val="script"/>
+                        </m:rPr>
+                        <m:t>N</m:t>
+                      </m:r>
+                      <m:r>
+                        <m:t>(</m:t>
+                      </m:r>
+                      <m:r>
+                        <m:t>α</m:t>
+                      </m:r>
+                      <m:r>
+                        <m:t>+</m:t>
+                      </m:r>
+                      <m:r>
+                        <m:t>ρ</m:t>
+                      </m:r>
+                      <m:sSub>
+                        <m:e>
+                          <m:r>
+                            <m:t>y</m:t>
+                          </m:r>
+                        </m:e>
+                        <m:sub>
+                          <m:r>
+                            <m:t>i</m:t>
+                          </m:r>
+                          <m:r>
+                            <m:t>,</m:t>
+                          </m:r>
+                          <m:r>
+                            <m:t>t</m:t>
+                          </m:r>
+                          <m:r>
+                            <m:t>−</m:t>
+                          </m:r>
+                          <m:r>
+                            <m:t>1</m:t>
+                          </m:r>
+                        </m:sub>
+                      </m:sSub>
+                      <m:r>
+                        <m:t>,</m:t>
+                      </m:r>
+                      <m:sSub>
+                        <m:e>
+                          <m:r>
+                            <m:t>σ</m:t>
+                          </m:r>
+                        </m:e>
+                        <m:sub>
+                          <m:r>
+                            <m:t>b</m:t>
+                          </m:r>
+                          <m:r>
+                            <m:t>a</m:t>
+                          </m:r>
+                          <m:r>
+                            <m:t>s</m:t>
+                          </m:r>
+                          <m:r>
+                            <m:t>e</m:t>
+                          </m:r>
+                        </m:sub>
+                      </m:sSub>
+                      <m:r>
+                        <m:t>+</m:t>
+                      </m:r>
+                      <m:sSub>
+                        <m:e>
+                          <m:r>
+                            <m:t>σ</m:t>
+                          </m:r>
+                        </m:e>
+                        <m:sub>
+                          <m:r>
+                            <m:t>i</m:t>
+                          </m:r>
+                        </m:sub>
+                      </m:sSub>
+                      <m:r>
+                        <m:t>+</m:t>
+                      </m:r>
+                      <m:sSub>
+                        <m:e>
+                          <m:r>
+                            <m:t>δ</m:t>
+                          </m:r>
+                        </m:e>
+                        <m:sub>
+                          <m:r>
+                            <m:t>b</m:t>
+                          </m:r>
+                          <m:r>
+                            <m:t>a</m:t>
+                          </m:r>
+                          <m:r>
+                            <m:t>s</m:t>
+                          </m:r>
+                          <m:r>
+                            <m:t>e</m:t>
+                          </m:r>
+                        </m:sub>
+                      </m:sSub>
+                      <m:r>
+                        <m:t>+</m:t>
+                      </m:r>
+                      <m:sSub>
+                        <m:e>
+                          <m:r>
+                            <m:t>δ</m:t>
+                          </m:r>
+                        </m:e>
+                        <m:sub>
+                          <m:r>
+                            <m:t>i</m:t>
+                          </m:r>
+                        </m:sub>
+                      </m:sSub>
+                      <m:r>
+                        <m:t>)</m:t>
+                      </m:r>
+                    </m:oMath>
+                  </m:oMathPara>
+                </a14:m>
+              </a:p>
+              <a:p>
+                <a:pPr lvl="0" marL="0" indent="0">
+                  <a:buNone/>
+                </a:pPr>
+                <a14:m>
+                  <m:oMathPara xmlns:m="http://schemas.openxmlformats.org/officeDocument/2006/math">
+                    <m:oMathParaPr>
+                      <m:jc m:val="center"/>
+                    </m:oMathParaPr>
+                    <m:oMath>
+                      <m:sSub>
+                        <m:e>
+                          <m:r>
+                            <m:t>σ</m:t>
+                          </m:r>
+                        </m:e>
+                        <m:sub>
+                          <m:r>
+                            <m:t>i</m:t>
+                          </m:r>
+                        </m:sub>
+                      </m:sSub>
+                      <m:r>
+                        <m:t>∼</m:t>
+                      </m:r>
+                      <m:r>
+                        <m:rPr>
+                          <m:sty m:val="p"/>
+                          <m:scr m:val="script"/>
+                        </m:rPr>
+                        <m:t>N</m:t>
+                      </m:r>
+                      <m:r>
+                        <m:t>(</m:t>
+                      </m:r>
+                      <m:r>
+                        <m:t>0</m:t>
+                      </m:r>
+                      <m:r>
+                        <m:t>,</m:t>
+                      </m:r>
+                      <m:r>
+                        <m:t>0.1</m:t>
+                      </m:r>
+                      <m:r>
+                        <m:t>)</m:t>
+                      </m:r>
+                    </m:oMath>
+                  </m:oMathPara>
+                </a14:m>
+              </a:p>
+              <a:p>
+                <a:pPr lvl="0" marL="0" indent="0">
+                  <a:buNone/>
+                </a:pPr>
+                <a14:m>
+                  <m:oMathPara xmlns:m="http://schemas.openxmlformats.org/officeDocument/2006/math">
+                    <m:oMathParaPr>
+                      <m:jc m:val="center"/>
+                    </m:oMathParaPr>
+                    <m:oMath>
+                      <m:sSub>
+                        <m:e>
+                          <m:r>
+                            <m:t>δ</m:t>
+                          </m:r>
+                        </m:e>
+                        <m:sub>
+                          <m:r>
+                            <m:t>i</m:t>
+                          </m:r>
+                        </m:sub>
+                      </m:sSub>
+                      <m:r>
+                        <m:t>∼</m:t>
+                      </m:r>
+                      <m:r>
+                        <m:rPr>
+                          <m:sty m:val="p"/>
+                          <m:scr m:val="script"/>
+                        </m:rPr>
+                        <m:t>N</m:t>
+                      </m:r>
+                      <m:r>
+                        <m:t>(</m:t>
+                      </m:r>
+                      <m:r>
+                        <m:t>0</m:t>
+                      </m:r>
+                      <m:r>
+                        <m:t>,</m:t>
+                      </m:r>
+                      <m:r>
+                        <m:t>0.1</m:t>
+                      </m:r>
+                      <m:r>
+                        <m:t>)</m:t>
+                      </m:r>
+                    </m:oMath>
+                  </m:oMathPara>
+                </a14:m>
+              </a:p>
+            </p:txBody>
+          </p:sp>
+        </mc:Choice>
+      </mc:AlternateContent>
+      <p:pic>
+        <p:nvPicPr>
+          <p:cNvPr descr="final_presentation_files/figure-pptx/unnamed-chunk-1-1.png" id="0" name="Picture 1"/>
+          <p:cNvPicPr>
+            <a:picLocks noGrp="1" noChangeAspect="1"/>
+          </p:cNvPicPr>
+          <p:nvPr/>
+        </p:nvPicPr>
+        <p:blipFill>
+          <a:blip r:embed="rId2"/>
+          <a:stretch>
+            <a:fillRect/>
+          </a:stretch>
+        </p:blipFill>
+        <p:spPr bwMode="auto">
+          <a:xfrm>
+            <a:off x="6172200" y="1917700"/>
+            <a:ext cx="5181600" cy="4140200"/>
+          </a:xfrm>
+          <a:prstGeom prst="rect">
+            <a:avLst/>
+          </a:prstGeom>
+          <a:noFill/>
+          <a:ln w="9525">
+            <a:noFill/>
+            <a:headEnd/>
+            <a:tailEnd/>
+          </a:ln>
+        </p:spPr>
+      </p:pic>
+    </p:spTree>
+  </p:cSld>
+</p:sld>
+</file>
+
+<file path=ppt/slides/slide13.xml><?xml version="1.0" encoding="utf-8"?>
+<p:sld xmlns:a="http://schemas.openxmlformats.org/drawingml/2006/main" xmlns:r="http://schemas.openxmlformats.org/officeDocument/2006/relationships" xmlns:p="http://schemas.openxmlformats.org/presentationml/2006/main">
+  <p:cSld>
+    <p:spTree>
+      <p:nvGrpSpPr>
+        <p:cNvPr id="1" name=""/>
+        <p:cNvGrpSpPr/>
+        <p:nvPr/>
+      </p:nvGrpSpPr>
+      <p:grpSpPr>
+        <a:xfrm>
+          <a:off x="0" y="0"/>
+          <a:ext cx="0" cy="0"/>
+          <a:chOff x="0" y="0"/>
+          <a:chExt cx="0" cy="0"/>
+        </a:xfrm>
+      </p:grpSpPr>
+      <p:sp>
+        <p:nvSpPr>
+          <p:cNvPr id="2" name="Title 1"/>
+          <p:cNvSpPr>
+            <a:spLocks noGrp="1"/>
+          </p:cNvSpPr>
+          <p:nvPr>
+            <p:ph type="title"/>
+          </p:nvPr>
+        </p:nvSpPr>
+        <p:spPr>
+          <a:xfrm>
+            <a:off x="838200" y="0"/>
+            <a:ext cx="10515600" cy="1207008"/>
+          </a:xfrm>
+        </p:spPr>
+        <p:txBody>
+          <a:bodyPr/>
+          <a:lstStyle/>
+          <a:p>
+            <a:pPr lvl="0" marL="0" indent="0">
+              <a:buNone/>
+            </a:pPr>
+            <a:r>
+              <a:rPr/>
+              <a:t>AR(1):</a:t>
+            </a:r>
+            <a:r>
+              <a:rPr/>
+              <a:t> </a:t>
+            </a:r>
+            <a:r>
+              <a:rPr/>
+              <a:t>Hierarchical</a:t>
+            </a:r>
+            <a:r>
+              <a:rPr/>
+              <a:t> </a:t>
+            </a:r>
+            <a:r>
+              <a:rPr/>
+              <a:t>multivariate</a:t>
+            </a:r>
+            <a:r>
+              <a:rPr/>
+              <a:t> </a:t>
+            </a:r>
+            <a:r>
+              <a:rPr/>
+              <a:t>model</a:t>
+            </a:r>
+          </a:p>
+        </p:txBody>
+      </p:sp>
+      <mc:AlternateContent xmlns:mc="http://schemas.openxmlformats.org/markup-compatibility/2006">
+        <mc:Choice xmlns:a14="http://schemas.microsoft.com/office/drawing/2010/main" Requires="a14">
+          <p:sp>
+            <p:nvSpPr>
+              <p:cNvPr id="3" name="Content Placeholder 2"/>
+              <p:cNvSpPr>
+                <a:spLocks noGrp="1"/>
+              </p:cNvSpPr>
+              <p:nvPr>
+                <p:ph sz="half" idx="1"/>
+              </p:nvPr>
+            </p:nvSpPr>
+            <p:spPr/>
+            <p:txBody>
+              <a:bodyPr/>
+              <a:lstStyle/>
+              <a:p>
+                <a:pPr lvl="0" marL="0" indent="0">
+                  <a:spcBef>
+                    <a:spcPts val="3000"/>
+                  </a:spcBef>
+                  <a:buNone/>
+                </a:pPr>
+                <a:r>
+                  <a:rPr b="1"/>
+                  <a:t>Likelihood and priors</a:t>
+                </a:r>
+              </a:p>
+              <a:p>
+                <a:pPr lvl="0" marL="0" indent="0">
+                  <a:buNone/>
+                </a:pPr>
+                <a14:m>
+                  <m:oMathPara xmlns:m="http://schemas.openxmlformats.org/officeDocument/2006/math">
+                    <m:oMathParaPr>
+                      <m:jc m:val="center"/>
+                    </m:oMathParaPr>
+                    <m:oMath>
+                      <m:sSub>
+                        <m:e>
+                          <m:r>
+                            <m:t>y</m:t>
+                          </m:r>
+                        </m:e>
+                        <m:sub>
+                          <m:r>
+                            <m:t>i</m:t>
+                          </m:r>
+                          <m:r>
+                            <m:t>,</m:t>
+                          </m:r>
+                          <m:r>
+                            <m:t>t</m:t>
+                          </m:r>
+                        </m:sub>
+                      </m:sSub>
+                      <m:r>
+                        <m:t>∼</m:t>
+                      </m:r>
+                      <m:r>
+                        <m:rPr>
+                          <m:sty m:val="p"/>
+                          <m:scr m:val="script"/>
+                        </m:rPr>
+                        <m:t>N</m:t>
+                      </m:r>
+                      <m:r>
+                        <m:t>(</m:t>
+                      </m:r>
+                      <m:r>
+                        <m:t>α</m:t>
+                      </m:r>
+                      <m:r>
+                        <m:t>+</m:t>
+                      </m:r>
+                      <m:r>
+                        <m:t>ρ</m:t>
+                      </m:r>
+                      <m:sSub>
+                        <m:e>
+                          <m:r>
+                            <m:t>y</m:t>
+                          </m:r>
+                        </m:e>
+                        <m:sub>
+                          <m:r>
+                            <m:t>i</m:t>
+                          </m:r>
+                          <m:r>
+                            <m:t>,</m:t>
+                          </m:r>
+                          <m:r>
+                            <m:t>t</m:t>
+                          </m:r>
+                          <m:r>
+                            <m:t>−</m:t>
+                          </m:r>
+                          <m:r>
+                            <m:t>1</m:t>
+                          </m:r>
+                        </m:sub>
+                      </m:sSub>
+                      <m:r>
+                        <m:t>,</m:t>
+                      </m:r>
+                      <m:sSub>
+                        <m:e>
+                          <m:r>
+                            <m:t>σ</m:t>
+                          </m:r>
+                        </m:e>
+                        <m:sub>
+                          <m:r>
+                            <m:t>b</m:t>
+                          </m:r>
+                          <m:r>
+                            <m:t>a</m:t>
+                          </m:r>
+                          <m:r>
+                            <m:t>s</m:t>
+                          </m:r>
+                          <m:r>
+                            <m:t>e</m:t>
+                          </m:r>
+                        </m:sub>
+                      </m:sSub>
+                      <m:r>
+                        <m:t>+</m:t>
+                      </m:r>
+                      <m:sSub>
+                        <m:e>
+                          <m:r>
+                            <m:t>σ</m:t>
+                          </m:r>
+                        </m:e>
+                        <m:sub>
+                          <m:r>
+                            <m:t>i</m:t>
+                          </m:r>
+                        </m:sub>
+                      </m:sSub>
+                      <m:r>
+                        <m:t>+</m:t>
+                      </m:r>
+                      <m:sSub>
+                        <m:e>
+                          <m:r>
+                            <m:t>δ</m:t>
+                          </m:r>
+                        </m:e>
+                        <m:sub>
+                          <m:r>
+                            <m:t>b</m:t>
+                          </m:r>
+                          <m:r>
+                            <m:t>a</m:t>
+                          </m:r>
+                          <m:r>
+                            <m:t>s</m:t>
+                          </m:r>
+                          <m:r>
+                            <m:t>e</m:t>
+                          </m:r>
+                        </m:sub>
+                      </m:sSub>
+                      <m:r>
+                        <m:t>+</m:t>
+                      </m:r>
+                      <m:sSub>
+                        <m:e>
+                          <m:r>
+                            <m:t>δ</m:t>
+                          </m:r>
+                        </m:e>
+                        <m:sub>
+                          <m:r>
+                            <m:t>i</m:t>
+                          </m:r>
+                        </m:sub>
+                      </m:sSub>
+                      <m:r>
+                        <m:t>)</m:t>
+                      </m:r>
+                    </m:oMath>
+                  </m:oMathPara>
+                </a14:m>
+              </a:p>
+              <a:p>
+                <a:pPr lvl="0" marL="0" indent="0">
+                  <a:buNone/>
+                </a:pPr>
+                <a14:m>
+                  <m:oMathPara xmlns:m="http://schemas.openxmlformats.org/officeDocument/2006/math">
+                    <m:oMathParaPr>
+                      <m:jc m:val="center"/>
+                    </m:oMathParaPr>
+                    <m:oMath>
+                      <m:sSub>
+                        <m:e>
+                          <m:r>
+                            <m:t>σ</m:t>
+                          </m:r>
+                        </m:e>
+                        <m:sub>
+                          <m:r>
+                            <m:t>i</m:t>
+                          </m:r>
+                        </m:sub>
+                      </m:sSub>
+                      <m:r>
+                        <m:t>∼</m:t>
+                      </m:r>
+                      <m:r>
+                        <m:rPr>
+                          <m:sty m:val="p"/>
+                          <m:scr m:val="script"/>
+                        </m:rPr>
+                        <m:t>N</m:t>
+                      </m:r>
+                      <m:r>
+                        <m:t>(</m:t>
+                      </m:r>
+                      <m:r>
+                        <m:t>0</m:t>
+                      </m:r>
+                      <m:r>
+                        <m:t>,</m:t>
+                      </m:r>
+                      <m:sSub>
+                        <m:e>
+                          <m:r>
+                            <m:t>σ</m:t>
+                          </m:r>
+                        </m:e>
+                        <m:sub>
+                          <m:r>
+                            <m:t>γ</m:t>
+                          </m:r>
+                        </m:sub>
+                      </m:sSub>
+                      <m:r>
+                        <m:t>)</m:t>
+                      </m:r>
+                    </m:oMath>
+                  </m:oMathPara>
+                </a14:m>
+              </a:p>
+              <a:p>
+                <a:pPr lvl="0" marL="0" indent="0">
+                  <a:buNone/>
+                </a:pPr>
+                <a14:m>
+                  <m:oMathPara xmlns:m="http://schemas.openxmlformats.org/officeDocument/2006/math">
+                    <m:oMathParaPr>
+                      <m:jc m:val="center"/>
+                    </m:oMathParaPr>
+                    <m:oMath>
+                      <m:sSub>
+                        <m:e>
+                          <m:r>
+                            <m:t>σ</m:t>
+                          </m:r>
+                        </m:e>
+                        <m:sub>
+                          <m:r>
+                            <m:t>γ</m:t>
+                          </m:r>
+                        </m:sub>
+                      </m:sSub>
+                      <m:r>
+                        <m:t>∼</m:t>
+                      </m:r>
+                      <m:r>
+                        <m:rPr>
+                          <m:sty m:val="p"/>
+                          <m:scr m:val="script"/>
+                        </m:rPr>
+                        <m:t>N</m:t>
+                      </m:r>
+                      <m:r>
+                        <m:t>(</m:t>
+                      </m:r>
+                      <m:r>
+                        <m:t>0</m:t>
+                      </m:r>
+                      <m:r>
+                        <m:t>,</m:t>
+                      </m:r>
+                      <m:r>
+                        <m:t>0.01</m:t>
+                      </m:r>
+                      <m:r>
+                        <m:t>)</m:t>
+                      </m:r>
+                    </m:oMath>
+                  </m:oMathPara>
+                </a14:m>
+              </a:p>
+              <a:p>
+                <a:pPr lvl="0" marL="0" indent="0">
+                  <a:buNone/>
+                </a:pPr>
+                <a14:m>
+                  <m:oMathPara xmlns:m="http://schemas.openxmlformats.org/officeDocument/2006/math">
+                    <m:oMathParaPr>
+                      <m:jc m:val="center"/>
+                    </m:oMathParaPr>
+                    <m:oMath>
+                      <m:sSub>
+                        <m:e>
+                          <m:r>
+                            <m:t>δ</m:t>
+                          </m:r>
+                        </m:e>
+                        <m:sub>
+                          <m:r>
+                            <m:t>i</m:t>
+                          </m:r>
+                        </m:sub>
+                      </m:sSub>
+                      <m:r>
+                        <m:t>∼</m:t>
+                      </m:r>
+                      <m:r>
+                        <m:rPr>
+                          <m:sty m:val="p"/>
+                          <m:scr m:val="script"/>
+                        </m:rPr>
+                        <m:t>N</m:t>
+                      </m:r>
+                      <m:r>
+                        <m:t>(</m:t>
+                      </m:r>
+                      <m:r>
+                        <m:t>0</m:t>
+                      </m:r>
+                      <m:r>
+                        <m:t>,</m:t>
+                      </m:r>
+                      <m:sSub>
+                        <m:e>
+                          <m:r>
+                            <m:t>δ</m:t>
+                          </m:r>
+                        </m:e>
+                        <m:sub>
+                          <m:r>
+                            <m:t>γ</m:t>
+                          </m:r>
+                        </m:sub>
+                      </m:sSub>
+                      <m:r>
+                        <m:t>)</m:t>
+                      </m:r>
+                    </m:oMath>
+                  </m:oMathPara>
+                </a14:m>
+              </a:p>
+              <a:p>
+                <a:pPr lvl="0" marL="0" indent="0">
+                  <a:buNone/>
+                </a:pPr>
+                <a14:m>
+                  <m:oMathPara xmlns:m="http://schemas.openxmlformats.org/officeDocument/2006/math">
+                    <m:oMathParaPr>
+                      <m:jc m:val="center"/>
+                    </m:oMathParaPr>
+                    <m:oMath>
+                      <m:sSub>
+                        <m:e>
+                          <m:r>
+                            <m:t>δ</m:t>
+                          </m:r>
+                        </m:e>
+                        <m:sub>
+                          <m:r>
+                            <m:t>γ</m:t>
+                          </m:r>
+                        </m:sub>
+                      </m:sSub>
+                      <m:r>
+                        <m:t>∼</m:t>
+                      </m:r>
+                      <m:r>
+                        <m:rPr>
+                          <m:sty m:val="p"/>
+                          <m:scr m:val="script"/>
+                        </m:rPr>
+                        <m:t>N</m:t>
+                      </m:r>
+                      <m:r>
+                        <m:t>(</m:t>
+                      </m:r>
+                      <m:r>
+                        <m:t>0</m:t>
+                      </m:r>
+                      <m:r>
+                        <m:t>,</m:t>
+                      </m:r>
+                      <m:r>
+                        <m:t>0.01</m:t>
+                      </m:r>
+                      <m:r>
+                        <m:t>)</m:t>
+                      </m:r>
+                    </m:oMath>
+                  </m:oMathPara>
+                </a14:m>
+              </a:p>
+            </p:txBody>
+          </p:sp>
+        </mc:Choice>
+      </mc:AlternateContent>
+      <p:pic>
+        <p:nvPicPr>
+          <p:cNvPr descr="final_presentation_files/figure-pptx/unnamed-chunk-2-1.png" id="0" name="Picture 1"/>
+          <p:cNvPicPr>
+            <a:picLocks noGrp="1" noChangeAspect="1"/>
+          </p:cNvPicPr>
+          <p:nvPr/>
+        </p:nvPicPr>
+        <p:blipFill>
+          <a:blip r:embed="rId2"/>
+          <a:stretch>
+            <a:fillRect/>
+          </a:stretch>
+        </p:blipFill>
+        <p:spPr bwMode="auto">
+          <a:xfrm>
+            <a:off x="6172200" y="1917700"/>
+            <a:ext cx="5181600" cy="4140200"/>
+          </a:xfrm>
+          <a:prstGeom prst="rect">
+            <a:avLst/>
+          </a:prstGeom>
+          <a:noFill/>
+          <a:ln w="9525">
+            <a:noFill/>
+            <a:headEnd/>
+            <a:tailEnd/>
+          </a:ln>
+        </p:spPr>
+      </p:pic>
+    </p:spTree>
+  </p:cSld>
+</p:sld>
+</file>
+
+<file path=ppt/slides/slide14.xml><?xml version="1.0" encoding="utf-8"?>
+<p:sld xmlns:a="http://schemas.openxmlformats.org/drawingml/2006/main" xmlns:r="http://schemas.openxmlformats.org/officeDocument/2006/relationships" xmlns:p="http://schemas.openxmlformats.org/presentationml/2006/main">
+  <p:cSld>
+    <p:spTree>
+      <p:nvGrpSpPr>
+        <p:cNvPr id="1" name=""/>
+        <p:cNvGrpSpPr/>
+        <p:nvPr/>
+      </p:nvGrpSpPr>
+      <p:grpSpPr>
+        <a:xfrm>
+          <a:off x="0" y="0"/>
+          <a:ext cx="0" cy="0"/>
+          <a:chOff x="0" y="0"/>
+          <a:chExt cx="0" cy="0"/>
+        </a:xfrm>
+      </p:grpSpPr>
+      <p:sp>
+        <p:nvSpPr>
+          <p:cNvPr id="2" name="Title 1"/>
+          <p:cNvSpPr>
+            <a:spLocks noGrp="1"/>
+          </p:cNvSpPr>
+          <p:nvPr>
+            <p:ph type="title"/>
+          </p:nvPr>
+        </p:nvSpPr>
+        <p:spPr>
+          <a:xfrm>
+            <a:off x="838200" y="0"/>
+            <a:ext cx="10515600" cy="1207008"/>
+          </a:xfrm>
+        </p:spPr>
+        <p:txBody>
+          <a:bodyPr/>
+          <a:lstStyle/>
+          <a:p>
+            <a:pPr lvl="0" marL="0" indent="0">
+              <a:buNone/>
+            </a:pPr>
+            <a:r>
+              <a:rPr/>
+              <a:t>AR(1):</a:t>
+            </a:r>
+            <a:r>
+              <a:rPr/>
+              <a:t> </a:t>
+            </a:r>
+            <a:r>
+              <a:rPr/>
+              <a:t>Texting</a:t>
+            </a:r>
+            <a:r>
+              <a:rPr/>
+              <a:t> </a:t>
+            </a:r>
+            <a:r>
+              <a:rPr/>
+              <a:t>effect:</a:t>
+            </a:r>
+            <a:r>
+              <a:rPr/>
+              <a:t> </a:t>
+            </a:r>
+            <a:r>
+              <a:rPr/>
+              <a:t>Regularization</a:t>
+            </a:r>
+            <a:r>
+              <a:rPr/>
+              <a:t> </a:t>
+            </a:r>
+            <a:r>
+              <a:rPr/>
+              <a:t>by</a:t>
+            </a:r>
+            <a:r>
+              <a:rPr/>
+              <a:t> </a:t>
+            </a:r>
+            <a:r>
+              <a:rPr/>
+              <a:t>driver</a:t>
+            </a:r>
+          </a:p>
+        </p:txBody>
+      </p:sp>
+      <p:pic>
+        <p:nvPicPr>
+          <p:cNvPr descr="/Users/bryanyu/Dropbox/STATS/STAT685/etc/plots/ar_delta.png" id="0" name="Picture 1"/>
+          <p:cNvPicPr>
+            <a:picLocks noGrp="1" noChangeAspect="1"/>
+          </p:cNvPicPr>
+          <p:nvPr/>
+        </p:nvPicPr>
+        <p:blipFill>
+          <a:blip r:embed="rId2"/>
+          <a:stretch>
+            <a:fillRect/>
+          </a:stretch>
+        </p:blipFill>
+        <p:spPr bwMode="auto">
+          <a:xfrm>
+            <a:off x="838200" y="2501900"/>
+            <a:ext cx="5181600" cy="2959100"/>
+          </a:xfrm>
+          <a:prstGeom prst="rect">
+            <a:avLst/>
+          </a:prstGeom>
+          <a:noFill/>
+          <a:ln w="9525">
+            <a:noFill/>
+            <a:headEnd/>
+            <a:tailEnd/>
+          </a:ln>
+        </p:spPr>
+      </p:pic>
+      <p:pic>
+        <p:nvPicPr>
+          <p:cNvPr descr="/Users/bryanyu/Dropbox/STATS/STAT685/etc/plots/pooled_ar_delta.png" id="0" name="Picture 1"/>
+          <p:cNvPicPr>
+            <a:picLocks noGrp="1" noChangeAspect="1"/>
+          </p:cNvPicPr>
+          <p:nvPr/>
+        </p:nvPicPr>
+        <p:blipFill>
+          <a:blip r:embed="rId3"/>
+          <a:stretch>
+            <a:fillRect/>
+          </a:stretch>
+        </p:blipFill>
+        <p:spPr bwMode="auto">
+          <a:xfrm>
+            <a:off x="6172200" y="2501900"/>
+            <a:ext cx="5181600" cy="2959100"/>
+          </a:xfrm>
+          <a:prstGeom prst="rect">
+            <a:avLst/>
+          </a:prstGeom>
+          <a:noFill/>
+          <a:ln w="9525">
+            <a:noFill/>
+            <a:headEnd/>
+            <a:tailEnd/>
+          </a:ln>
+        </p:spPr>
+      </p:pic>
+    </p:spTree>
+  </p:cSld>
+</p:sld>
+</file>
+
+<file path=ppt/slides/slide15.xml><?xml version="1.0" encoding="utf-8"?>
+<p:sld xmlns:a="http://schemas.openxmlformats.org/drawingml/2006/main" xmlns:r="http://schemas.openxmlformats.org/officeDocument/2006/relationships" xmlns:p="http://schemas.openxmlformats.org/presentationml/2006/main">
+  <p:cSld>
+    <p:spTree>
+      <p:nvGrpSpPr>
+        <p:cNvPr id="1" name=""/>
+        <p:cNvGrpSpPr/>
+        <p:nvPr/>
+      </p:nvGrpSpPr>
+      <p:grpSpPr>
+        <a:xfrm>
+          <a:off x="0" y="0"/>
+          <a:ext cx="0" cy="0"/>
+          <a:chOff x="0" y="0"/>
+          <a:chExt cx="0" cy="0"/>
+        </a:xfrm>
+      </p:grpSpPr>
+      <p:sp>
+        <p:nvSpPr>
+          <p:cNvPr id="2" name="Title 1"/>
+          <p:cNvSpPr>
+            <a:spLocks noGrp="1"/>
+          </p:cNvSpPr>
+          <p:nvPr>
+            <p:ph type="title"/>
+          </p:nvPr>
+        </p:nvSpPr>
+        <p:spPr>
+          <a:xfrm>
+            <a:off x="521208" y="877824"/>
+            <a:ext cx="10515600" cy="1325880"/>
+          </a:xfrm>
+        </p:spPr>
+        <p:txBody>
+          <a:bodyPr/>
+          <a:lstStyle/>
+          <a:p>
+            <a:pPr lvl="0" marL="0" indent="0">
+              <a:buNone/>
+            </a:pPr>
+            <a:r>
+              <a:rPr/>
+              <a:t>Backup</a:t>
+            </a:r>
+            <a:r>
+              <a:rPr/>
+              <a:t> </a:t>
+            </a:r>
+            <a:r>
+              <a:rPr/>
+              <a:t>slides</a:t>
+            </a:r>
+          </a:p>
+        </p:txBody>
+      </p:sp>
+    </p:spTree>
+  </p:cSld>
+</p:sld>
+</file>
+
+<file path=ppt/slides/slide16.xml><?xml version="1.0" encoding="utf-8"?>
+<p:sld xmlns:a="http://schemas.openxmlformats.org/drawingml/2006/main" xmlns:r="http://schemas.openxmlformats.org/officeDocument/2006/relationships" xmlns:p="http://schemas.openxmlformats.org/presentationml/2006/main">
+  <p:cSld>
+    <p:spTree>
+      <p:nvGrpSpPr>
+        <p:cNvPr id="1" name=""/>
+        <p:cNvGrpSpPr/>
+        <p:nvPr/>
+      </p:nvGrpSpPr>
+      <p:grpSpPr>
+        <a:xfrm>
+          <a:off x="0" y="0"/>
+          <a:ext cx="0" cy="0"/>
+          <a:chOff x="0" y="0"/>
+          <a:chExt cx="0" cy="0"/>
+        </a:xfrm>
+      </p:grpSpPr>
+      <p:sp>
+        <p:nvSpPr>
+          <p:cNvPr id="2" name="Title 1"/>
+          <p:cNvSpPr>
+            <a:spLocks noGrp="1"/>
+          </p:cNvSpPr>
+          <p:nvPr>
+            <p:ph type="title"/>
+          </p:nvPr>
+        </p:nvSpPr>
+        <p:spPr>
+          <a:xfrm>
+            <a:off x="603504" y="0"/>
+            <a:ext cx="10753344" cy="1207008"/>
+          </a:xfrm>
+        </p:spPr>
+        <p:txBody>
+          <a:bodyPr/>
+          <a:lstStyle/>
+          <a:p>
+            <a:pPr lvl="0" marL="0" indent="0">
+              <a:buNone/>
+            </a:pPr>
+            <a:r>
+              <a:rPr/>
+              <a:t>References</a:t>
+            </a:r>
+          </a:p>
+        </p:txBody>
+      </p:sp>
+      <p:sp>
+        <p:nvSpPr>
+          <p:cNvPr id="3" name="Content Placeholder 2"/>
+          <p:cNvSpPr>
+            <a:spLocks noGrp="1"/>
+          </p:cNvSpPr>
+          <p:nvPr>
+            <p:ph idx="1"/>
+          </p:nvPr>
+        </p:nvSpPr>
+        <p:spPr/>
+        <p:txBody>
+          <a:bodyPr/>
+          <a:lstStyle/>
+          <a:p>
+            <a:pPr lvl="1">
+              <a:buAutoNum type="arabicPeriod"/>
+            </a:pPr>
+            <a:r>
+              <a:rPr/>
+              <a:t>Taamneh, S. et al. A multimodal dataset for various forms of distracted driving. Sci. Data 4:170110 doi: 10.1038/sdata.2017.110 (2017).</a:t>
+            </a:r>
+          </a:p>
+          <a:p>
+            <a:pPr lvl="1">
+              <a:buAutoNum type="arabicPeriod"/>
+            </a:pPr>
+            <a:r>
+              <a:rPr/>
+              <a:t>Betancourt, Michael. 2018. “A Principled Bayesian Workflow” June 2018</a:t>
+            </a:r>
+          </a:p>
+          <a:p>
+            <a:pPr lvl="1">
+              <a:buAutoNum type="arabicPeriod"/>
+            </a:pPr>
+            <a:r>
+              <a:rPr/>
+              <a:t>Kim, Shephard, Chib (1998) “Stochastic Volatility: Likelihood Inference and Comparison with ARCH Models” </a:t>
+            </a:r>
+            <a:r>
+              <a:rPr i="1"/>
+              <a:t>The Review of Economic Studies Vol. 65, No. 3</a:t>
+            </a:r>
+          </a:p>
+          <a:p>
+            <a:pPr lvl="1">
+              <a:buAutoNum type="arabicPeriod"/>
+            </a:pPr>
+            <a:r>
+              <a:rPr/>
+              <a:t>Stan Development Team. “Stan Modeling Language User’s Guide and Reference Manual” Version 2.17.0, Sept 2017</a:t>
+            </a:r>
+          </a:p>
+        </p:txBody>
+      </p:sp>
+    </p:spTree>
+  </p:cSld>
+</p:sld>
+</file>
+
+<file path=ppt/slides/slide17.xml><?xml version="1.0" encoding="utf-8"?>
+<p:sld xmlns:a="http://schemas.openxmlformats.org/drawingml/2006/main" xmlns:r="http://schemas.openxmlformats.org/officeDocument/2006/relationships" xmlns:p="http://schemas.openxmlformats.org/presentationml/2006/main">
+  <p:cSld>
+    <p:spTree>
+      <p:nvGrpSpPr>
+        <p:cNvPr id="1" name=""/>
+        <p:cNvGrpSpPr/>
+        <p:nvPr/>
+      </p:nvGrpSpPr>
+      <p:grpSpPr>
+        <a:xfrm>
+          <a:off x="0" y="0"/>
+          <a:ext cx="0" cy="0"/>
+          <a:chOff x="0" y="0"/>
+          <a:chExt cx="0" cy="0"/>
+        </a:xfrm>
+      </p:grpSpPr>
+      <p:sp>
+        <p:nvSpPr>
+          <p:cNvPr id="2" name="Title 1"/>
+          <p:cNvSpPr>
+            <a:spLocks noGrp="1"/>
+          </p:cNvSpPr>
+          <p:nvPr>
+            <p:ph type="title"/>
+          </p:nvPr>
+        </p:nvSpPr>
+        <p:spPr>
+          <a:xfrm>
+            <a:off x="603504" y="0"/>
+            <a:ext cx="10753344" cy="1207008"/>
+          </a:xfrm>
+        </p:spPr>
+        <p:txBody>
+          <a:bodyPr/>
+          <a:lstStyle/>
+          <a:p>
+            <a:pPr lvl="0" marL="0" indent="0">
+              <a:buNone/>
+            </a:pPr>
+            <a:r>
+              <a:rPr/>
+              <a:t>Computing</a:t>
+            </a:r>
+            <a:r>
+              <a:rPr/>
+              <a:t> </a:t>
+            </a:r>
+            <a:r>
+              <a:rPr/>
+              <a:t>Cluster</a:t>
+            </a:r>
+            <a:r>
+              <a:rPr/>
+              <a:t> </a:t>
+            </a:r>
+            <a:r>
+              <a:rPr/>
+              <a:t>Setup</a:t>
+            </a:r>
+            <a:r>
+              <a:rPr/>
+              <a:t> </a:t>
+            </a:r>
+            <a:r>
+              <a:rPr/>
+              <a:t>(Amazon</a:t>
+            </a:r>
+            <a:r>
+              <a:rPr/>
+              <a:t> </a:t>
+            </a:r>
+            <a:r>
+              <a:rPr/>
+              <a:t>Web</a:t>
+            </a:r>
+            <a:r>
+              <a:rPr/>
+              <a:t> </a:t>
+            </a:r>
+            <a:r>
+              <a:rPr/>
+              <a:t>Services)</a:t>
+            </a:r>
+          </a:p>
+        </p:txBody>
+      </p:sp>
+      <p:sp>
+        <p:nvSpPr>
+          <p:cNvPr id="3" name="Content Placeholder 2"/>
+          <p:cNvSpPr>
+            <a:spLocks noGrp="1"/>
+          </p:cNvSpPr>
+          <p:nvPr>
+            <p:ph idx="1"/>
+          </p:nvPr>
+        </p:nvSpPr>
+        <p:spPr/>
+        <p:txBody>
+          <a:bodyPr/>
+          <a:lstStyle/>
+          <a:p>
+            <a:pPr lvl="0" marL="0" indent="0">
+              <a:spcBef>
+                <a:spcPts val="3000"/>
+              </a:spcBef>
+              <a:buNone/>
+            </a:pPr>
+            <a:r>
+              <a:rPr b="1"/>
+              <a:t>Prior Predictive Modelling</a:t>
+            </a:r>
+          </a:p>
+          <a:p>
+            <a:pPr lvl="1"/>
+            <a:r>
+              <a:rPr/>
+              <a:t>Each prior predictive model runs 1000 simulations from the generative model</a:t>
+            </a:r>
+          </a:p>
+          <a:p>
+            <a:pPr lvl="1"/>
+            <a:r>
+              <a:rPr/>
+              <a:t>Fitting 1000 simulations is a time consuming process on local machine</a:t>
+            </a:r>
+          </a:p>
+          <a:p>
+            <a:pPr lvl="2"/>
+            <a:r>
+              <a:rPr sz="1800">
+                <a:latin typeface="Courier"/>
+              </a:rPr>
+              <a:t>Stan</a:t>
+            </a:r>
+            <a:r>
+              <a:rPr/>
+              <a:t> runs 4 markov chains in parallel and aggregates (4 cores)</a:t>
+            </a:r>
+          </a:p>
+          <a:p>
+            <a:pPr lvl="2"/>
+            <a:r>
+              <a:rPr/>
+              <a:t>1000 * 4 = 4000 CPU’s to run fit observations for one model!</a:t>
+            </a:r>
+          </a:p>
+          <a:p>
+            <a:pPr lvl="1"/>
+            <a:r>
+              <a:rPr/>
+              <a:t>Created a docker container with </a:t>
+            </a:r>
+            <a:r>
+              <a:rPr sz="1800">
+                <a:latin typeface="Courier"/>
+              </a:rPr>
+              <a:t>RStan</a:t>
+            </a:r>
+            <a:r>
+              <a:rPr/>
+              <a:t> and submitted jobs to AWS Batch service</a:t>
+            </a:r>
+          </a:p>
+        </p:txBody>
+      </p:sp>
+    </p:spTree>
+  </p:cSld>
+</p:sld>
+</file>
+
+<file path=ppt/slides/slide18.xml><?xml version="1.0" encoding="utf-8"?>
+<p:sld xmlns:a="http://schemas.openxmlformats.org/drawingml/2006/main" xmlns:r="http://schemas.openxmlformats.org/officeDocument/2006/relationships" xmlns:p="http://schemas.openxmlformats.org/presentationml/2006/main">
+  <p:cSld>
+    <p:spTree>
+      <p:nvGrpSpPr>
+        <p:cNvPr id="1" name=""/>
+        <p:cNvGrpSpPr/>
+        <p:nvPr/>
+      </p:nvGrpSpPr>
+      <p:grpSpPr>
+        <a:xfrm>
+          <a:off x="0" y="0"/>
+          <a:ext cx="0" cy="0"/>
+          <a:chOff x="0" y="0"/>
+          <a:chExt cx="0" cy="0"/>
+        </a:xfrm>
+      </p:grpSpPr>
+      <p:sp>
+        <p:nvSpPr>
+          <p:cNvPr id="2" name="Title 1"/>
+          <p:cNvSpPr>
+            <a:spLocks noGrp="1"/>
+          </p:cNvSpPr>
+          <p:nvPr>
+            <p:ph type="title"/>
+          </p:nvPr>
+        </p:nvSpPr>
+        <p:spPr>
+          <a:xfrm>
+            <a:off x="603504" y="0"/>
+            <a:ext cx="10753344" cy="1207008"/>
+          </a:xfrm>
+        </p:spPr>
+        <p:txBody>
+          <a:bodyPr/>
+          <a:lstStyle/>
+          <a:p>
+            <a:pPr lvl="0" marL="0" indent="0">
+              <a:buNone/>
+            </a:pPr>
+            <a:r>
+              <a:rPr/>
+              <a:t>Future</a:t>
+            </a:r>
+            <a:r>
+              <a:rPr/>
+              <a:t> </a:t>
+            </a:r>
+            <a:r>
+              <a:rPr/>
+              <a:t>steps</a:t>
+            </a:r>
+          </a:p>
+        </p:txBody>
+      </p:sp>
+      <p:sp>
+        <p:nvSpPr>
+          <p:cNvPr id="3" name="Content Placeholder 2"/>
+          <p:cNvSpPr>
+            <a:spLocks noGrp="1"/>
+          </p:cNvSpPr>
+          <p:nvPr>
+            <p:ph idx="1"/>
+          </p:nvPr>
+        </p:nvSpPr>
+        <p:spPr/>
+        <p:txBody>
+          <a:bodyPr/>
+          <a:lstStyle/>
+          <a:p>
+            <a:pPr lvl="1"/>
+            <a:r>
+              <a:rPr/>
+              <a:t>Incorporate bayesian methods for dealing with missing data</a:t>
+            </a:r>
+          </a:p>
+          <a:p>
+            <a:pPr lvl="1"/>
+            <a:r>
+              <a:rPr/>
+              <a:t>Incorporate “change-point” model to account of lane changes</a:t>
+            </a:r>
+          </a:p>
+          <a:p>
+            <a:pPr lvl="1"/>
+            <a:r>
+              <a:rPr/>
+              <a:t>Determine better methods for posterior predictive checking for time series data</a:t>
+            </a:r>
+          </a:p>
+          <a:p>
+            <a:pPr lvl="2"/>
+            <a:r>
+              <a:rPr/>
+              <a:t>Correlogram &amp; Variogram</a:t>
+            </a:r>
+          </a:p>
+        </p:txBody>
+      </p:sp>
+    </p:spTree>
+  </p:cSld>
+</p:sld>
+</file>
+
+<file path=ppt/slides/slide19.xml><?xml version="1.0" encoding="utf-8"?>
+<p:sld xmlns:a="http://schemas.openxmlformats.org/drawingml/2006/main" xmlns:r="http://schemas.openxmlformats.org/officeDocument/2006/relationships" xmlns:p="http://schemas.openxmlformats.org/presentationml/2006/main">
+  <p:cSld>
+    <p:spTree>
+      <p:nvGrpSpPr>
+        <p:cNvPr id="1" name=""/>
+        <p:cNvGrpSpPr/>
+        <p:nvPr/>
+      </p:nvGrpSpPr>
+      <p:grpSpPr>
+        <a:xfrm>
+          <a:off x="0" y="0"/>
+          <a:ext cx="0" cy="0"/>
+          <a:chOff x="0" y="0"/>
+          <a:chExt cx="0" cy="0"/>
+        </a:xfrm>
+      </p:grpSpPr>
+      <p:sp>
+        <p:nvSpPr>
+          <p:cNvPr id="2" name="Title 1"/>
+          <p:cNvSpPr>
+            <a:spLocks noGrp="1"/>
+          </p:cNvSpPr>
+          <p:nvPr>
+            <p:ph type="title"/>
+          </p:nvPr>
+        </p:nvSpPr>
+        <p:spPr>
+          <a:xfrm>
+            <a:off x="603504" y="0"/>
+            <a:ext cx="10753344" cy="1207008"/>
+          </a:xfrm>
+        </p:spPr>
+        <p:txBody>
+          <a:bodyPr/>
+          <a:lstStyle/>
+          <a:p>
+            <a:pPr lvl="0" marL="0" indent="0">
+              <a:buNone/>
+            </a:pPr>
+            <a:r>
+              <a:rPr/>
+              <a:t>AR(1):</a:t>
+            </a:r>
+            <a:r>
+              <a:rPr/>
+              <a:t> </a:t>
+            </a:r>
+            <a:r>
+              <a:rPr/>
+              <a:t>Posterior</a:t>
+            </a:r>
+            <a:r>
+              <a:rPr/>
+              <a:t> </a:t>
+            </a:r>
+            <a:r>
+              <a:rPr/>
+              <a:t>Predictive</a:t>
+            </a:r>
+            <a:r>
+              <a:rPr/>
+              <a:t> </a:t>
+            </a:r>
+            <a:r>
+              <a:rPr/>
+              <a:t>Check</a:t>
+            </a:r>
+            <a:r>
+              <a:rPr/>
+              <a:t> </a:t>
+            </a:r>
+            <a:r>
+              <a:rPr/>
+              <a:t>-</a:t>
+            </a:r>
+            <a:r>
+              <a:rPr/>
+              <a:t> </a:t>
+            </a:r>
+            <a:r>
+              <a:rPr/>
+              <a:t>Correlogram</a:t>
+            </a:r>
+          </a:p>
+        </p:txBody>
+      </p:sp>
+      <p:pic>
+        <p:nvPicPr>
+          <p:cNvPr descr="final_presentation_files/figure-pptx/unnamed-chunk-3-1.png" id="0" name="Picture 1"/>
+          <p:cNvPicPr>
+            <a:picLocks noGrp="1" noChangeAspect="1"/>
+          </p:cNvPicPr>
+          <p:nvPr/>
+        </p:nvPicPr>
+        <p:blipFill>
+          <a:blip r:embed="rId2"/>
+          <a:stretch>
+            <a:fillRect/>
+          </a:stretch>
+        </p:blipFill>
+        <p:spPr bwMode="auto">
+          <a:xfrm>
+            <a:off x="3200400" y="1816100"/>
+            <a:ext cx="5791200" cy="4343400"/>
+          </a:xfrm>
+          <a:prstGeom prst="rect">
+            <a:avLst/>
+          </a:prstGeom>
+          <a:noFill/>
+          <a:ln w="9525">
+            <a:noFill/>
+            <a:headEnd/>
+            <a:tailEnd/>
+          </a:ln>
+        </p:spPr>
+      </p:pic>
+    </p:spTree>
+  </p:cSld>
+</p:sld>
+</file>
+
+<file path=ppt/slides/slide2.xml><?xml version="1.0" encoding="utf-8"?>
+<p:sld xmlns:a="http://schemas.openxmlformats.org/drawingml/2006/main" xmlns:r="http://schemas.openxmlformats.org/officeDocument/2006/relationships" xmlns:p="http://schemas.openxmlformats.org/presentationml/2006/main">
+  <p:cSld>
+    <p:spTree>
+      <p:nvGrpSpPr>
+        <p:cNvPr id="1" name=""/>
+        <p:cNvGrpSpPr/>
+        <p:nvPr/>
+      </p:nvGrpSpPr>
+      <p:grpSpPr>
+        <a:xfrm>
+          <a:off x="0" y="0"/>
+          <a:ext cx="0" cy="0"/>
+          <a:chOff x="0" y="0"/>
+          <a:chExt cx="0" cy="0"/>
+        </a:xfrm>
+      </p:grpSpPr>
+      <p:sp>
+        <p:nvSpPr>
+          <p:cNvPr id="2" name="Title 1"/>
+          <p:cNvSpPr>
+            <a:spLocks noGrp="1"/>
+          </p:cNvSpPr>
+          <p:nvPr>
+            <p:ph type="title"/>
+          </p:nvPr>
+        </p:nvSpPr>
+        <p:spPr>
+          <a:xfrm>
+            <a:off x="838200" y="0"/>
+            <a:ext cx="10515600" cy="1207008"/>
+          </a:xfrm>
+        </p:spPr>
+        <p:txBody>
+          <a:bodyPr/>
+          <a:lstStyle/>
+          <a:p>
+            <a:pPr lvl="0" marL="0" indent="0">
+              <a:buNone/>
+            </a:pPr>
+            <a:r>
+              <a:rPr/>
+              <a:t>Experiment</a:t>
+            </a:r>
+          </a:p>
+        </p:txBody>
+      </p:sp>
+      <p:sp>
+        <p:nvSpPr>
+          <p:cNvPr id="3" name="Content Placeholder 2"/>
+          <p:cNvSpPr>
+            <a:spLocks noGrp="1"/>
+          </p:cNvSpPr>
+          <p:nvPr>
+            <p:ph sz="half" idx="1"/>
+          </p:nvPr>
+        </p:nvSpPr>
+        <p:spPr/>
+        <p:txBody>
+          <a:bodyPr/>
+          <a:lstStyle/>
+          <a:p>
+            <a:pPr lvl="1"/>
+            <a:r>
+              <a:rPr/>
+              <a:t>Controlled simulated driving experiment</a:t>
+            </a:r>
+            <a:r>
+              <a:rPr baseline="30000">
+                <a:hlinkClick r:id="rId2"/>
+              </a:rPr>
+              <a:t>1</a:t>
+            </a:r>
+            <a:r>
+              <a:rPr/>
+              <a:t> to asses driving behavior</a:t>
+            </a:r>
+          </a:p>
+          <a:p>
+            <a:pPr lvl="1"/>
+            <a:r>
+              <a:rPr/>
+              <a:t>Multiple different stressors: cognitive, emotional, sensorimotor (texting)</a:t>
+            </a:r>
+          </a:p>
+          <a:p>
+            <a:pPr lvl="1"/>
+            <a:r>
+              <a:rPr/>
+              <a:t>Sensors captured vehicle information and driver outputs</a:t>
+            </a:r>
+          </a:p>
+          <a:p>
+            <a:pPr lvl="1"/>
+            <a:r>
+              <a:rPr/>
+              <a:t>Subject variables: age, gender, personality</a:t>
+            </a:r>
+          </a:p>
+          <a:p>
+            <a:pPr lvl="1"/>
+            <a:r>
+              <a:rPr/>
+              <a:t>Drive variables: Speed, brake, lane position</a:t>
+            </a:r>
+          </a:p>
+          <a:p>
+            <a:pPr lvl="1"/>
+            <a:r>
+              <a:rPr/>
+              <a:t>Biological variables: eye gaze, heart rate, breathing rate, etc</a:t>
+            </a:r>
+          </a:p>
+        </p:txBody>
+      </p:sp>
+      <p:pic>
+        <p:nvPicPr>
+          <p:cNvPr descr="https://media.nature.com/lw926/nature-assets/sdata/2017/sdata2017110/images_hires/sdata2017110-f1.jpg" id="0" name="Picture 1"/>
+          <p:cNvPicPr>
+            <a:picLocks noGrp="1" noChangeAspect="1"/>
+          </p:cNvPicPr>
+          <p:nvPr/>
+        </p:nvPicPr>
+        <p:blipFill>
+          <a:blip r:embed="rId3"/>
+          <a:stretch>
+            <a:fillRect/>
+          </a:stretch>
+        </p:blipFill>
+        <p:spPr bwMode="auto">
+          <a:xfrm>
+            <a:off x="6172200" y="2044700"/>
+            <a:ext cx="5181600" cy="3886200"/>
+          </a:xfrm>
+          <a:prstGeom prst="rect">
+            <a:avLst/>
+          </a:prstGeom>
+          <a:noFill/>
+          <a:ln w="9525">
+            <a:noFill/>
+            <a:headEnd/>
+            <a:tailEnd/>
+          </a:ln>
+        </p:spPr>
+      </p:pic>
+    </p:spTree>
+  </p:cSld>
+</p:sld>
+</file>
+
+<file path=ppt/slides/slide20.xml><?xml version="1.0" encoding="utf-8"?>
 <p:sld xmlns:a="http://schemas.openxmlformats.org/drawingml/2006/main" xmlns:r="http://schemas.openxmlformats.org/officeDocument/2006/relationships" xmlns:p="http://schemas.openxmlformats.org/presentationml/2006/main">
   <p:cSld>
     <p:spTree>
@@ -3956,7 +5928,7 @@
                 </a:pPr>
                 <a:r>
                   <a:rPr/>
-                  <a:t>Mean of lane positioning is constant but with changing volatility. The SV model has additional parameters to deal with the structure of this data. Latent variables and generative nature of model allows for additional complexity.</a:t>
+                  <a:t>Mean of lane offset is constant but with changing volatility. The SV model has additional parameters to deal with the structure of this data. Latent variables and generative nature of model allows for additional complexity.</a:t>
                 </a:r>
               </a:p>
               <a:p>
@@ -4088,7 +6060,7 @@
                         <m:rPr>
                           <m:sty m:val="p"/>
                         </m:rPr>
-                        <m:t>Lane Position (meters), mean corrected</m:t>
+                        <m:t>Lane Offset (meters), mean corrected</m:t>
                       </m:r>
                     </m:oMath>
                   </m:oMathPara>
@@ -4623,7 +6595,7 @@
 </p:sld>
 </file>
 
-<file path=ppt/slides/slide12.xml><?xml version="1.0" encoding="utf-8"?>
+<file path=ppt/slides/slide21.xml><?xml version="1.0" encoding="utf-8"?>
 <p:sld xmlns:a="http://schemas.openxmlformats.org/drawingml/2006/main" xmlns:r="http://schemas.openxmlformats.org/officeDocument/2006/relationships" xmlns:p="http://schemas.openxmlformats.org/presentationml/2006/main">
   <p:cSld>
     <p:spTree>
@@ -4690,6 +6662,14 @@
             <a:r>
               <a:rPr/>
               <a:t>Predictive</a:t>
+            </a:r>
+            <a:r>
+              <a:rPr/>
+              <a:t> </a:t>
+            </a:r>
+            <a:r>
+              <a:rPr/>
+              <a:t>Analysis</a:t>
             </a:r>
           </a:p>
         </p:txBody>
@@ -4724,41 +6704,42 @@
           </a:ln>
         </p:spPr>
       </p:pic>
-      <p:sp>
-        <p:nvSpPr>
-          <p:cNvPr id="4" name="Content Placeholder 3"/>
-          <p:cNvSpPr>
-            <a:spLocks noGrp="1"/>
-          </p:cNvSpPr>
-          <p:nvPr>
-            <p:ph sz="half" idx="2"/>
-          </p:nvPr>
-        </p:nvSpPr>
-        <p:spPr/>
-        <p:txBody>
-          <a:bodyPr/>
-          <a:lstStyle/>
-          <a:p>
-            <a:pPr lvl="0" marL="0" indent="0">
-              <a:buNone/>
-            </a:pPr>
-            <a:r>
-              <a:rPr b="1"/>
-              <a:t>SBC &amp; Shrinkage plots</a:t>
-            </a:r>
-            <a:r>
-              <a:rPr/>
-              <a:t> … Awaiting computation</a:t>
-            </a:r>
-          </a:p>
-        </p:txBody>
-      </p:sp>
+      <p:pic>
+        <p:nvPicPr>
+          <p:cNvPr descr="/Users/bryanyu/Dropbox/STATS/STAT685/src/presentation/graphics/prior/sv2_sbc_shrink.png" id="0" name="Picture 1"/>
+          <p:cNvPicPr>
+            <a:picLocks noGrp="1" noChangeAspect="1"/>
+          </p:cNvPicPr>
+          <p:nvPr/>
+        </p:nvPicPr>
+        <p:blipFill>
+          <a:blip r:embed="rId3"/>
+          <a:stretch>
+            <a:fillRect/>
+          </a:stretch>
+        </p:blipFill>
+        <p:spPr bwMode="auto">
+          <a:xfrm>
+            <a:off x="6172200" y="2044700"/>
+            <a:ext cx="5181600" cy="3886200"/>
+          </a:xfrm>
+          <a:prstGeom prst="rect">
+            <a:avLst/>
+          </a:prstGeom>
+          <a:noFill/>
+          <a:ln w="9525">
+            <a:noFill/>
+            <a:headEnd/>
+            <a:tailEnd/>
+          </a:ln>
+        </p:spPr>
+      </p:pic>
     </p:spTree>
   </p:cSld>
 </p:sld>
 </file>
 
-<file path=ppt/slides/slide13.xml><?xml version="1.0" encoding="utf-8"?>
+<file path=ppt/slides/slide22.xml><?xml version="1.0" encoding="utf-8"?>
 <p:sld xmlns:a="http://schemas.openxmlformats.org/drawingml/2006/main" xmlns:r="http://schemas.openxmlformats.org/officeDocument/2006/relationships" xmlns:p="http://schemas.openxmlformats.org/presentationml/2006/main">
   <p:cSld>
     <p:spTree>
@@ -4816,7 +6797,15 @@
             </a:r>
             <a:r>
               <a:rPr/>
-              <a:t>Output</a:t>
+              <a:t>Fit</a:t>
+            </a:r>
+            <a:r>
+              <a:rPr/>
+              <a:t> </a:t>
+            </a:r>
+            <a:r>
+              <a:rPr/>
+              <a:t>Observations</a:t>
             </a:r>
           </a:p>
         </p:txBody>
@@ -4886,7 +6875,7 @@
 </p:sld>
 </file>
 
-<file path=ppt/slides/slide14.xml><?xml version="1.0" encoding="utf-8"?>
+<file path=ppt/slides/slide23.xml><?xml version="1.0" encoding="utf-8"?>
 <p:sld xmlns:a="http://schemas.openxmlformats.org/drawingml/2006/main" xmlns:r="http://schemas.openxmlformats.org/officeDocument/2006/relationships" xmlns:p="http://schemas.openxmlformats.org/presentationml/2006/main">
   <p:cSld>
     <p:spTree>
@@ -4915,66 +6904,6 @@
         </p:nvSpPr>
         <p:spPr>
           <a:xfrm>
-            <a:off x="521208" y="877824"/>
-            <a:ext cx="10515600" cy="1325880"/>
-          </a:xfrm>
-        </p:spPr>
-        <p:txBody>
-          <a:bodyPr/>
-          <a:lstStyle/>
-          <a:p>
-            <a:pPr lvl="0" marL="0" indent="0">
-              <a:buNone/>
-            </a:pPr>
-            <a:r>
-              <a:rPr/>
-              <a:t>Backup</a:t>
-            </a:r>
-            <a:r>
-              <a:rPr/>
-              <a:t> </a:t>
-            </a:r>
-            <a:r>
-              <a:rPr/>
-              <a:t>slides</a:t>
-            </a:r>
-          </a:p>
-        </p:txBody>
-      </p:sp>
-    </p:spTree>
-  </p:cSld>
-</p:sld>
-</file>
-
-<file path=ppt/slides/slide15.xml><?xml version="1.0" encoding="utf-8"?>
-<p:sld xmlns:a="http://schemas.openxmlformats.org/drawingml/2006/main" xmlns:r="http://schemas.openxmlformats.org/officeDocument/2006/relationships" xmlns:p="http://schemas.openxmlformats.org/presentationml/2006/main">
-  <p:cSld>
-    <p:spTree>
-      <p:nvGrpSpPr>
-        <p:cNvPr id="1" name=""/>
-        <p:cNvGrpSpPr/>
-        <p:nvPr/>
-      </p:nvGrpSpPr>
-      <p:grpSpPr>
-        <a:xfrm>
-          <a:off x="0" y="0"/>
-          <a:ext cx="0" cy="0"/>
-          <a:chOff x="0" y="0"/>
-          <a:chExt cx="0" cy="0"/>
-        </a:xfrm>
-      </p:grpSpPr>
-      <p:sp>
-        <p:nvSpPr>
-          <p:cNvPr id="2" name="Title 1"/>
-          <p:cNvSpPr>
-            <a:spLocks noGrp="1"/>
-          </p:cNvSpPr>
-          <p:nvPr>
-            <p:ph type="title"/>
-          </p:nvPr>
-        </p:nvSpPr>
-        <p:spPr>
-          <a:xfrm>
             <a:off x="603504" y="0"/>
             <a:ext cx="10753344" cy="1207008"/>
           </a:xfrm>
@@ -4988,115 +6917,7 @@
             </a:pPr>
             <a:r>
               <a:rPr/>
-              <a:t>References</a:t>
-            </a:r>
-          </a:p>
-        </p:txBody>
-      </p:sp>
-      <p:sp>
-        <p:nvSpPr>
-          <p:cNvPr id="3" name="Content Placeholder 2"/>
-          <p:cNvSpPr>
-            <a:spLocks noGrp="1"/>
-          </p:cNvSpPr>
-          <p:nvPr>
-            <p:ph idx="1"/>
-          </p:nvPr>
-        </p:nvSpPr>
-        <p:spPr/>
-        <p:txBody>
-          <a:bodyPr/>
-          <a:lstStyle/>
-          <a:p>
-            <a:pPr lvl="1">
-              <a:buAutoNum type="arabicPeriod"/>
-            </a:pPr>
-            <a:r>
-              <a:rPr/>
-              <a:t>Taamneh, S. et al. A multimodal dataset for various forms of distracted driving. Sci. Data 4:170110 doi: 10.1038/sdata.2017.110 (2017).</a:t>
-            </a:r>
-          </a:p>
-          <a:p>
-            <a:pPr lvl="1">
-              <a:buAutoNum type="arabicPeriod"/>
-            </a:pPr>
-            <a:r>
-              <a:rPr/>
-              <a:t>Betancourt, Michael. 2018. “A Principled Bayesian Workflow” June 2018</a:t>
-            </a:r>
-          </a:p>
-          <a:p>
-            <a:pPr lvl="1">
-              <a:buAutoNum type="arabicPeriod"/>
-            </a:pPr>
-            <a:r>
-              <a:rPr/>
-              <a:t>Kim, Shephard, Chib (1998) “Stochastic Volatility: Likelihood Inference and Comparison with ARCH Models” </a:t>
-            </a:r>
-            <a:r>
-              <a:rPr i="1"/>
-              <a:t>The Review of Economic Studies Vol. 65, No. 3</a:t>
-            </a:r>
-          </a:p>
-          <a:p>
-            <a:pPr lvl="1">
-              <a:buAutoNum type="arabicPeriod"/>
-            </a:pPr>
-            <a:r>
-              <a:rPr/>
-              <a:t>Stan Development Team. “Stan Modeling Language User’s Guide and Reference Manual” Version 2.17.0, Sept 2017</a:t>
-            </a:r>
-          </a:p>
-        </p:txBody>
-      </p:sp>
-    </p:spTree>
-  </p:cSld>
-</p:sld>
-</file>
-
-<file path=ppt/slides/slide16.xml><?xml version="1.0" encoding="utf-8"?>
-<p:sld xmlns:a="http://schemas.openxmlformats.org/drawingml/2006/main" xmlns:r="http://schemas.openxmlformats.org/officeDocument/2006/relationships" xmlns:p="http://schemas.openxmlformats.org/presentationml/2006/main">
-  <p:cSld>
-    <p:spTree>
-      <p:nvGrpSpPr>
-        <p:cNvPr id="1" name=""/>
-        <p:cNvGrpSpPr/>
-        <p:nvPr/>
-      </p:nvGrpSpPr>
-      <p:grpSpPr>
-        <a:xfrm>
-          <a:off x="0" y="0"/>
-          <a:ext cx="0" cy="0"/>
-          <a:chOff x="0" y="0"/>
-          <a:chExt cx="0" cy="0"/>
-        </a:xfrm>
-      </p:grpSpPr>
-      <p:sp>
-        <p:nvSpPr>
-          <p:cNvPr id="2" name="Title 1"/>
-          <p:cNvSpPr>
-            <a:spLocks noGrp="1"/>
-          </p:cNvSpPr>
-          <p:nvPr>
-            <p:ph type="title"/>
-          </p:nvPr>
-        </p:nvSpPr>
-        <p:spPr>
-          <a:xfrm>
-            <a:off x="603504" y="0"/>
-            <a:ext cx="10753344" cy="1207008"/>
-          </a:xfrm>
-        </p:spPr>
-        <p:txBody>
-          <a:bodyPr/>
-          <a:lstStyle/>
-          <a:p>
-            <a:pPr lvl="0" marL="0" indent="0">
-              <a:buNone/>
-            </a:pPr>
-            <a:r>
-              <a:rPr/>
-              <a:t>Future</a:t>
+              <a:t>Assignment</a:t>
             </a:r>
             <a:r>
               <a:rPr/>
@@ -5104,167 +6925,156 @@
             </a:r>
             <a:r>
               <a:rPr/>
-              <a:t>steps</a:t>
-            </a:r>
-          </a:p>
-        </p:txBody>
-      </p:sp>
-      <p:sp>
-        <p:nvSpPr>
-          <p:cNvPr id="3" name="Content Placeholder 2"/>
-          <p:cNvSpPr>
-            <a:spLocks noGrp="1"/>
-          </p:cNvSpPr>
-          <p:nvPr>
-            <p:ph idx="1"/>
-          </p:nvPr>
-        </p:nvSpPr>
-        <p:spPr/>
-        <p:txBody>
-          <a:bodyPr/>
-          <a:lstStyle/>
-          <a:p>
-            <a:pPr lvl="1"/>
-            <a:r>
-              <a:rPr/>
-              <a:t>Incorporate bayesian methods for dealing with missing data</a:t>
-            </a:r>
-          </a:p>
-          <a:p>
-            <a:pPr lvl="1"/>
-            <a:r>
-              <a:rPr/>
-              <a:t>Incorporate “change-point” model to account of lane changes</a:t>
-            </a:r>
-          </a:p>
-        </p:txBody>
-      </p:sp>
-    </p:spTree>
-  </p:cSld>
-</p:sld>
-</file>
-
-<file path=ppt/slides/slide2.xml><?xml version="1.0" encoding="utf-8"?>
-<p:sld xmlns:a="http://schemas.openxmlformats.org/drawingml/2006/main" xmlns:r="http://schemas.openxmlformats.org/officeDocument/2006/relationships" xmlns:p="http://schemas.openxmlformats.org/presentationml/2006/main">
-  <p:cSld>
-    <p:spTree>
-      <p:nvGrpSpPr>
-        <p:cNvPr id="1" name=""/>
-        <p:cNvGrpSpPr/>
-        <p:nvPr/>
-      </p:nvGrpSpPr>
-      <p:grpSpPr>
-        <a:xfrm>
-          <a:off x="0" y="0"/>
-          <a:ext cx="0" cy="0"/>
-          <a:chOff x="0" y="0"/>
-          <a:chExt cx="0" cy="0"/>
-        </a:xfrm>
-      </p:grpSpPr>
-      <p:sp>
-        <p:nvSpPr>
-          <p:cNvPr id="2" name="Title 1"/>
-          <p:cNvSpPr>
-            <a:spLocks noGrp="1"/>
-          </p:cNvSpPr>
-          <p:nvPr>
-            <p:ph type="title"/>
-          </p:nvPr>
-        </p:nvSpPr>
-        <p:spPr>
-          <a:xfrm>
-            <a:off x="603504" y="0"/>
-            <a:ext cx="10753344" cy="1207008"/>
-          </a:xfrm>
-        </p:spPr>
-        <p:txBody>
-          <a:bodyPr/>
-          <a:lstStyle/>
-          <a:p>
-            <a:pPr lvl="0" marL="0" indent="0">
-              <a:buNone/>
-            </a:pPr>
+              <a:t>8</a:t>
+            </a:r>
+            <a:r>
+              <a:rPr/>
+              <a:t> </a:t>
+            </a:r>
             <a:r>
               <a:rPr/>
               <a:t>Summary</a:t>
             </a:r>
-            <a:r>
-              <a:rPr/>
-              <a:t> </a:t>
-            </a:r>
-            <a:r>
-              <a:rPr/>
-              <a:t>(Assignment</a:t>
-            </a:r>
-            <a:r>
-              <a:rPr/>
-              <a:t> </a:t>
-            </a:r>
-            <a:r>
-              <a:rPr/>
-              <a:t>7)</a:t>
-            </a:r>
-          </a:p>
-        </p:txBody>
-      </p:sp>
-      <p:sp>
-        <p:nvSpPr>
-          <p:cNvPr id="3" name="Content Placeholder 2"/>
-          <p:cNvSpPr>
-            <a:spLocks noGrp="1"/>
-          </p:cNvSpPr>
-          <p:nvPr>
-            <p:ph idx="1"/>
-          </p:nvPr>
-        </p:nvSpPr>
-        <p:spPr/>
-        <p:txBody>
-          <a:bodyPr/>
-          <a:lstStyle/>
-          <a:p>
-            <a:pPr lvl="1"/>
-            <a:r>
-              <a:rPr/>
-              <a:t>Created cloud computing infrastructure to run MCMC samples more effectively</a:t>
-            </a:r>
-          </a:p>
-          <a:p>
-            <a:pPr lvl="2"/>
-            <a:r>
-              <a:rPr/>
-              <a:t>16 hour run time for one model on laptop</a:t>
-            </a:r>
-          </a:p>
-          <a:p>
-            <a:pPr lvl="2"/>
-            <a:r>
-              <a:rPr/>
-              <a:t>1 hour with concurrent docker containers</a:t>
-            </a:r>
-          </a:p>
-          <a:p>
-            <a:pPr lvl="1"/>
-            <a:r>
-              <a:rPr/>
-              <a:t>Updated stochastic volatility model with less complexity</a:t>
-            </a:r>
-          </a:p>
-          <a:p>
-            <a:pPr lvl="2"/>
-            <a:r>
-              <a:rPr/>
-              <a:t>Lots of divergences with non-stationarity</a:t>
-            </a:r>
-          </a:p>
-          <a:p>
-            <a:pPr lvl="1"/>
-            <a:r>
-              <a:rPr/>
-              <a:t>Created stochastic volatility model for all drivers</a:t>
-            </a:r>
-          </a:p>
-        </p:txBody>
-      </p:sp>
+          </a:p>
+        </p:txBody>
+      </p:sp>
+      <mc:AlternateContent xmlns:mc="http://schemas.openxmlformats.org/markup-compatibility/2006">
+        <mc:Choice xmlns:a14="http://schemas.microsoft.com/office/drawing/2010/main" Requires="a14">
+          <p:sp>
+            <p:nvSpPr>
+              <p:cNvPr id="3" name="Content Placeholder 2"/>
+              <p:cNvSpPr>
+                <a:spLocks noGrp="1"/>
+              </p:cNvSpPr>
+              <p:nvPr>
+                <p:ph idx="1"/>
+              </p:nvPr>
+            </p:nvSpPr>
+            <p:spPr/>
+            <p:txBody>
+              <a:bodyPr/>
+              <a:lstStyle/>
+              <a:p>
+                <a:pPr lvl="0" marL="0" indent="0">
+                  <a:spcBef>
+                    <a:spcPts val="3000"/>
+                  </a:spcBef>
+                  <a:buNone/>
+                </a:pPr>
+                <a:r>
+                  <a:rPr b="1"/>
+                  <a:t>Since last time …</a:t>
+                </a:r>
+              </a:p>
+              <a:p>
+                <a:pPr lvl="1"/>
+                <a:r>
+                  <a:rPr/>
+                  <a:t>Reverted back to AR(1) model, fit with </a:t>
+                </a:r>
+                <a14:m>
+                  <m:oMath xmlns:m="http://schemas.openxmlformats.org/officeDocument/2006/math">
+                    <m:sSub>
+                      <m:e>
+                        <m:r>
+                          <m:t>δ</m:t>
+                        </m:r>
+                      </m:e>
+                      <m:sub>
+                        <m:r>
+                          <m:t>j</m:t>
+                        </m:r>
+                      </m:sub>
+                    </m:sSub>
+                  </m:oMath>
+                </a14:m>
+                <a:r>
+                  <a:rPr/>
+                  <a:t> term</a:t>
+                </a:r>
+              </a:p>
+              <a:p>
+                <a:pPr lvl="1"/>
+                <a:r>
+                  <a:rPr/>
+                  <a:t>Fit multivariate model</a:t>
+                </a:r>
+              </a:p>
+              <a:p>
+                <a:pPr lvl="1"/>
+                <a:r>
+                  <a:rPr/>
+                  <a:t>Fit hierarchical multivariate model</a:t>
+                </a:r>
+              </a:p>
+              <a:p>
+                <a:pPr lvl="1"/>
+                <a:r>
+                  <a:rPr/>
+                  <a:t>Stopped progress on stochastic volatility model</a:t>
+                </a:r>
+              </a:p>
+              <a:p>
+                <a:pPr lvl="2"/>
+                <a:r>
+                  <a:rPr/>
+                  <a:t>Couldn’t fix non-stationarity in </a:t>
+                </a:r>
+                <a14:m>
+                  <m:oMath xmlns:m="http://schemas.openxmlformats.org/officeDocument/2006/math">
+                    <m:r>
+                      <m:t>p</m:t>
+                    </m:r>
+                    <m:r>
+                      <m:t>h</m:t>
+                    </m:r>
+                    <m:r>
+                      <m:t>i</m:t>
+                    </m:r>
+                  </m:oMath>
+                </a14:m>
+                <a:r>
+                  <a:rPr/>
+                  <a:t> term</a:t>
+                </a:r>
+              </a:p>
+              <a:p>
+                <a:pPr lvl="0" marL="0" indent="0">
+                  <a:spcBef>
+                    <a:spcPts val="3000"/>
+                  </a:spcBef>
+                  <a:buNone/>
+                </a:pPr>
+                <a:r>
+                  <a:rPr b="1"/>
+                  <a:t>Future work</a:t>
+                </a:r>
+              </a:p>
+              <a:p>
+                <a:pPr lvl="1"/>
+                <a:r>
+                  <a:rPr/>
+                  <a:t>Hierarchical AR model texting effect is too dampened</a:t>
+                </a:r>
+              </a:p>
+              <a:p>
+                <a:pPr lvl="1"/>
+                <a:r>
+                  <a:rPr/>
+                  <a:t>Population effects</a:t>
+                </a:r>
+              </a:p>
+              <a:p>
+                <a:pPr lvl="1"/>
+                <a:r>
+                  <a:rPr/>
+                  <a:t>Try SV model again?</a:t>
+                </a:r>
+              </a:p>
+            </p:txBody>
+          </p:sp>
+        </mc:Choice>
+      </mc:AlternateContent>
     </p:spTree>
   </p:cSld>
 </p:sld>
@@ -5312,47 +7122,7 @@
             </a:pPr>
             <a:r>
               <a:rPr/>
-              <a:t>Computing</a:t>
-            </a:r>
-            <a:r>
-              <a:rPr/>
-              <a:t> </a:t>
-            </a:r>
-            <a:r>
-              <a:rPr/>
-              <a:t>Cluster</a:t>
-            </a:r>
-            <a:r>
-              <a:rPr/>
-              <a:t> </a:t>
-            </a:r>
-            <a:r>
-              <a:rPr/>
-              <a:t>Setup</a:t>
-            </a:r>
-            <a:r>
-              <a:rPr/>
-              <a:t> </a:t>
-            </a:r>
-            <a:r>
-              <a:rPr/>
-              <a:t>(Amazon</a:t>
-            </a:r>
-            <a:r>
-              <a:rPr/>
-              <a:t> </a:t>
-            </a:r>
-            <a:r>
-              <a:rPr/>
-              <a:t>Web</a:t>
-            </a:r>
-            <a:r>
-              <a:rPr/>
-              <a:t> </a:t>
-            </a:r>
-            <a:r>
-              <a:rPr/>
-              <a:t>Services)</a:t>
+              <a:t>Objective</a:t>
             </a:r>
           </a:p>
         </p:txBody>
@@ -5372,66 +7142,61 @@
           <a:bodyPr/>
           <a:lstStyle/>
           <a:p>
-            <a:pPr lvl="0" marL="0" indent="0">
-              <a:spcBef>
-                <a:spcPts val="3000"/>
-              </a:spcBef>
-              <a:buNone/>
-            </a:pPr>
-            <a:r>
-              <a:rPr b="1"/>
-              <a:t>Prior Predictive Modelling</a:t>
-            </a:r>
-          </a:p>
-          <a:p>
             <a:pPr lvl="1"/>
             <a:r>
               <a:rPr/>
-              <a:t>Each prior predictive model runs 1000 simulations from the generative model</a:t>
+              <a:t>Model variance of lane positioning/offset to understand texting effect</a:t>
             </a:r>
           </a:p>
           <a:p>
             <a:pPr lvl="1"/>
             <a:r>
               <a:rPr/>
-              <a:t>Fitting 1000 simulations is a time consuming process on local machine</a:t>
+              <a:t>Bayesian modelling</a:t>
             </a:r>
           </a:p>
           <a:p>
             <a:pPr lvl="2"/>
             <a:r>
-              <a:rPr sz="1800">
-                <a:latin typeface="Courier"/>
+              <a:rPr/>
+              <a:t>Time series analysis</a:t>
+            </a:r>
+          </a:p>
+          <a:p>
+            <a:pPr lvl="2"/>
+            <a:r>
+              <a:rPr>
+                <a:hlinkClick r:id="rId2"/>
               </a:rPr>
               <a:t>Stan</a:t>
             </a:r>
             <a:r>
               <a:rPr/>
-              <a:t> runs 4 markov chains in parallel and aggregates (4 cores)</a:t>
+              <a:t> MCMC Programming: Sampling with Hamiltonian Monte Carlo</a:t>
             </a:r>
           </a:p>
           <a:p>
             <a:pPr lvl="2"/>
             <a:r>
-              <a:rPr/>
-              <a:t>1000 * 4 = 4000 CPU’s to run fit observations for one model!</a:t>
+              <a:rPr>
+                <a:hlinkClick r:id="rId3"/>
+              </a:rPr>
+              <a:t>“Modern Statistical Workflow”</a:t>
+            </a:r>
+            <a:r>
+              <a:rPr baseline="30000"/>
+              <a:t>2</a:t>
+            </a:r>
+            <a:r>
+              <a:rPr/>
+              <a:t>: Capture simulated data before fitting observations</a:t>
             </a:r>
           </a:p>
           <a:p>
             <a:pPr lvl="1"/>
             <a:r>
               <a:rPr/>
-              <a:t>Created a docker container with </a:t>
-            </a:r>
-            <a:r>
-              <a:rPr sz="1800">
-                <a:latin typeface="Courier"/>
-              </a:rPr>
-              <a:t>RStan</a:t>
-            </a:r>
-            <a:r>
-              <a:rPr/>
-              <a:t> and submitted jobs to AWS Batch service</a:t>
+              <a:t>Explore population level effects on variance</a:t>
             </a:r>
           </a:p>
         </p:txBody>
@@ -5483,7 +7248,31 @@
             </a:pPr>
             <a:r>
               <a:rPr/>
-              <a:t>Experiment</a:t>
+              <a:t>Preliminary</a:t>
+            </a:r>
+            <a:r>
+              <a:rPr/>
+              <a:t> </a:t>
+            </a:r>
+            <a:r>
+              <a:rPr/>
+              <a:t>Analysis:</a:t>
+            </a:r>
+            <a:r>
+              <a:rPr/>
+              <a:t> </a:t>
+            </a:r>
+            <a:r>
+              <a:rPr/>
+              <a:t>All</a:t>
+            </a:r>
+            <a:r>
+              <a:rPr/>
+              <a:t> </a:t>
+            </a:r>
+            <a:r>
+              <a:rPr/>
+              <a:t>drivers</a:t>
             </a:r>
           </a:p>
         </p:txBody>
@@ -5506,66 +7295,70 @@
             <a:pPr lvl="1"/>
             <a:r>
               <a:rPr/>
-              <a:t>Controlled simulated driving experiment</a:t>
-            </a:r>
-            <a:r>
-              <a:rPr baseline="30000">
-                <a:hlinkClick r:id="rId2"/>
-              </a:rPr>
-              <a:t>1</a:t>
-            </a:r>
-            <a:r>
-              <a:rPr/>
-              <a:t> to asses driving behavior</a:t>
+              <a:t>Each color is a separate driver (N=68)</a:t>
             </a:r>
           </a:p>
           <a:p>
             <a:pPr lvl="1"/>
             <a:r>
               <a:rPr/>
-              <a:t>Multiple different stressors: cognitive, emotional, sensorimotor (texting)</a:t>
+              <a:t>Data resampled at 390 data points and missing data filtered</a:t>
+            </a:r>
+          </a:p>
+          <a:p>
+            <a:pPr lvl="2"/>
+            <a:r>
+              <a:rPr/>
+              <a:t>Prior to lane change: 200</a:t>
+            </a:r>
+          </a:p>
+          <a:p>
+            <a:pPr lvl="2"/>
+            <a:r>
+              <a:rPr/>
+              <a:t>After lane change: 190</a:t>
             </a:r>
           </a:p>
           <a:p>
             <a:pPr lvl="1"/>
             <a:r>
               <a:rPr/>
-              <a:t>Sensors captured vehicle information and driver outputs</a:t>
+              <a:t>Focused on first half (prior to lane change)</a:t>
             </a:r>
           </a:p>
           <a:p>
             <a:pPr lvl="1"/>
             <a:r>
               <a:rPr/>
-              <a:t>Subject variables: age, gender, personality</a:t>
+              <a:t>Some drivers exhibit extremely long tails in their lane positioning</a:t>
             </a:r>
           </a:p>
           <a:p>
             <a:pPr lvl="1"/>
             <a:r>
               <a:rPr/>
-              <a:t>Drive variables: Speed, brake, lane position</a:t>
-            </a:r>
-          </a:p>
-          <a:p>
-            <a:pPr lvl="1"/>
-            <a:r>
-              <a:rPr/>
-              <a:t>Biological variables: eye gaze, heart rate, breathing rate, etc</a:t>
+              <a:t>Univariate (T021) data is stationary according to Dickey-Fuller test</a:t>
+            </a:r>
+          </a:p>
+          <a:p>
+            <a:pPr lvl="2"/>
+            <a:r>
+              <a:rPr/>
+              <a:t>Accounting for texting vs normal driving state</a:t>
             </a:r>
           </a:p>
         </p:txBody>
       </p:sp>
       <p:pic>
         <p:nvPicPr>
-          <p:cNvPr descr="https://media.nature.com/lw926/nature-assets/sdata/2017/sdata2017110/images_hires/sdata2017110-f1.jpg" id="0" name="Picture 1"/>
+          <p:cNvPr descr="final_presentation_files/figure-pptx/prelim_plot_all-1.png" id="0" name="Picture 1"/>
           <p:cNvPicPr>
             <a:picLocks noGrp="1" noChangeAspect="1"/>
           </p:cNvPicPr>
           <p:nvPr/>
         </p:nvPicPr>
         <p:blipFill>
-          <a:blip r:embed="rId3"/>
+          <a:blip r:embed="rId2"/>
           <a:stretch>
             <a:fillRect/>
           </a:stretch>
@@ -5620,310 +7413,6 @@
         </p:nvSpPr>
         <p:spPr>
           <a:xfrm>
-            <a:off x="603504" y="0"/>
-            <a:ext cx="10753344" cy="1207008"/>
-          </a:xfrm>
-        </p:spPr>
-        <p:txBody>
-          <a:bodyPr/>
-          <a:lstStyle/>
-          <a:p>
-            <a:pPr lvl="0" marL="0" indent="0">
-              <a:buNone/>
-            </a:pPr>
-            <a:r>
-              <a:rPr/>
-              <a:t>Objective</a:t>
-            </a:r>
-          </a:p>
-        </p:txBody>
-      </p:sp>
-      <p:sp>
-        <p:nvSpPr>
-          <p:cNvPr id="3" name="Content Placeholder 2"/>
-          <p:cNvSpPr>
-            <a:spLocks noGrp="1"/>
-          </p:cNvSpPr>
-          <p:nvPr>
-            <p:ph idx="1"/>
-          </p:nvPr>
-        </p:nvSpPr>
-        <p:spPr/>
-        <p:txBody>
-          <a:bodyPr/>
-          <a:lstStyle/>
-          <a:p>
-            <a:pPr lvl="1"/>
-            <a:r>
-              <a:rPr/>
-              <a:t>Model variance of lane positioning to understand texting effect</a:t>
-            </a:r>
-          </a:p>
-          <a:p>
-            <a:pPr lvl="1"/>
-            <a:r>
-              <a:rPr/>
-              <a:t>Bayesian modelling</a:t>
-            </a:r>
-          </a:p>
-          <a:p>
-            <a:pPr lvl="2"/>
-            <a:r>
-              <a:rPr/>
-              <a:t>Time series analysis</a:t>
-            </a:r>
-          </a:p>
-          <a:p>
-            <a:pPr lvl="2"/>
-            <a:r>
-              <a:rPr>
-                <a:hlinkClick r:id="rId2"/>
-              </a:rPr>
-              <a:t>Stan</a:t>
-            </a:r>
-            <a:r>
-              <a:rPr/>
-              <a:t> MCMC Programming: Sampling with Hamiltonian Monte Carlo</a:t>
-            </a:r>
-          </a:p>
-          <a:p>
-            <a:pPr lvl="2"/>
-            <a:r>
-              <a:rPr>
-                <a:hlinkClick r:id="rId3"/>
-              </a:rPr>
-              <a:t>“Modern Statistical Workflow”</a:t>
-            </a:r>
-            <a:r>
-              <a:rPr baseline="30000"/>
-              <a:t>2</a:t>
-            </a:r>
-            <a:r>
-              <a:rPr/>
-              <a:t>: Capture simulated data before fitting observations</a:t>
-            </a:r>
-          </a:p>
-          <a:p>
-            <a:pPr lvl="1"/>
-            <a:r>
-              <a:rPr/>
-              <a:t>Explore population level effects on variance</a:t>
-            </a:r>
-          </a:p>
-        </p:txBody>
-      </p:sp>
-    </p:spTree>
-  </p:cSld>
-</p:sld>
-</file>
-
-<file path=ppt/slides/slide6.xml><?xml version="1.0" encoding="utf-8"?>
-<p:sld xmlns:a="http://schemas.openxmlformats.org/drawingml/2006/main" xmlns:r="http://schemas.openxmlformats.org/officeDocument/2006/relationships" xmlns:p="http://schemas.openxmlformats.org/presentationml/2006/main">
-  <p:cSld>
-    <p:spTree>
-      <p:nvGrpSpPr>
-        <p:cNvPr id="1" name=""/>
-        <p:cNvGrpSpPr/>
-        <p:nvPr/>
-      </p:nvGrpSpPr>
-      <p:grpSpPr>
-        <a:xfrm>
-          <a:off x="0" y="0"/>
-          <a:ext cx="0" cy="0"/>
-          <a:chOff x="0" y="0"/>
-          <a:chExt cx="0" cy="0"/>
-        </a:xfrm>
-      </p:grpSpPr>
-      <p:sp>
-        <p:nvSpPr>
-          <p:cNvPr id="2" name="Title 1"/>
-          <p:cNvSpPr>
-            <a:spLocks noGrp="1"/>
-          </p:cNvSpPr>
-          <p:nvPr>
-            <p:ph type="title"/>
-          </p:nvPr>
-        </p:nvSpPr>
-        <p:spPr>
-          <a:xfrm>
-            <a:off x="838200" y="0"/>
-            <a:ext cx="10515600" cy="1207008"/>
-          </a:xfrm>
-        </p:spPr>
-        <p:txBody>
-          <a:bodyPr/>
-          <a:lstStyle/>
-          <a:p>
-            <a:pPr lvl="0" marL="0" indent="0">
-              <a:buNone/>
-            </a:pPr>
-            <a:r>
-              <a:rPr/>
-              <a:t>Preliminary</a:t>
-            </a:r>
-            <a:r>
-              <a:rPr/>
-              <a:t> </a:t>
-            </a:r>
-            <a:r>
-              <a:rPr/>
-              <a:t>Analysis:</a:t>
-            </a:r>
-            <a:r>
-              <a:rPr/>
-              <a:t> </a:t>
-            </a:r>
-            <a:r>
-              <a:rPr/>
-              <a:t>All</a:t>
-            </a:r>
-            <a:r>
-              <a:rPr/>
-              <a:t> </a:t>
-            </a:r>
-            <a:r>
-              <a:rPr/>
-              <a:t>drivers</a:t>
-            </a:r>
-          </a:p>
-        </p:txBody>
-      </p:sp>
-      <p:sp>
-        <p:nvSpPr>
-          <p:cNvPr id="3" name="Content Placeholder 2"/>
-          <p:cNvSpPr>
-            <a:spLocks noGrp="1"/>
-          </p:cNvSpPr>
-          <p:nvPr>
-            <p:ph sz="half" idx="1"/>
-          </p:nvPr>
-        </p:nvSpPr>
-        <p:spPr/>
-        <p:txBody>
-          <a:bodyPr/>
-          <a:lstStyle/>
-          <a:p>
-            <a:pPr lvl="1"/>
-            <a:r>
-              <a:rPr/>
-              <a:t>Each color is a separate driver (N=68)</a:t>
-            </a:r>
-          </a:p>
-          <a:p>
-            <a:pPr lvl="1"/>
-            <a:r>
-              <a:rPr/>
-              <a:t>Data resampled at 390 data points and missing data filtered</a:t>
-            </a:r>
-          </a:p>
-          <a:p>
-            <a:pPr lvl="2"/>
-            <a:r>
-              <a:rPr/>
-              <a:t>Prior to lane change: 200</a:t>
-            </a:r>
-          </a:p>
-          <a:p>
-            <a:pPr lvl="2"/>
-            <a:r>
-              <a:rPr/>
-              <a:t>After lane change: 190</a:t>
-            </a:r>
-          </a:p>
-          <a:p>
-            <a:pPr lvl="1"/>
-            <a:r>
-              <a:rPr/>
-              <a:t>Focused on first half (prior to lane change)</a:t>
-            </a:r>
-          </a:p>
-          <a:p>
-            <a:pPr lvl="1"/>
-            <a:r>
-              <a:rPr/>
-              <a:t>Some drivers exhibit extremely long tails in their lane positioning</a:t>
-            </a:r>
-          </a:p>
-          <a:p>
-            <a:pPr lvl="1"/>
-            <a:r>
-              <a:rPr/>
-              <a:t>Univariate (T021) data is stationary according to Dickey-Fuller test</a:t>
-            </a:r>
-          </a:p>
-          <a:p>
-            <a:pPr lvl="2"/>
-            <a:r>
-              <a:rPr/>
-              <a:t>Accounting for texting vs normal driving state</a:t>
-            </a:r>
-          </a:p>
-        </p:txBody>
-      </p:sp>
-      <p:pic>
-        <p:nvPicPr>
-          <p:cNvPr descr="final_presentation_files/figure-pptx/prelim_plot_all-1.png" id="0" name="Picture 1"/>
-          <p:cNvPicPr>
-            <a:picLocks noGrp="1" noChangeAspect="1"/>
-          </p:cNvPicPr>
-          <p:nvPr/>
-        </p:nvPicPr>
-        <p:blipFill>
-          <a:blip r:embed="rId2"/>
-          <a:stretch>
-            <a:fillRect/>
-          </a:stretch>
-        </p:blipFill>
-        <p:spPr bwMode="auto">
-          <a:xfrm>
-            <a:off x="6172200" y="1917700"/>
-            <a:ext cx="5181600" cy="4140200"/>
-          </a:xfrm>
-          <a:prstGeom prst="rect">
-            <a:avLst/>
-          </a:prstGeom>
-          <a:noFill/>
-          <a:ln w="9525">
-            <a:noFill/>
-            <a:headEnd/>
-            <a:tailEnd/>
-          </a:ln>
-        </p:spPr>
-      </p:pic>
-    </p:spTree>
-  </p:cSld>
-</p:sld>
-</file>
-
-<file path=ppt/slides/slide7.xml><?xml version="1.0" encoding="utf-8"?>
-<p:sld xmlns:a="http://schemas.openxmlformats.org/drawingml/2006/main" xmlns:r="http://schemas.openxmlformats.org/officeDocument/2006/relationships" xmlns:p="http://schemas.openxmlformats.org/presentationml/2006/main">
-  <p:cSld>
-    <p:spTree>
-      <p:nvGrpSpPr>
-        <p:cNvPr id="1" name=""/>
-        <p:cNvGrpSpPr/>
-        <p:nvPr/>
-      </p:nvGrpSpPr>
-      <p:grpSpPr>
-        <a:xfrm>
-          <a:off x="0" y="0"/>
-          <a:ext cx="0" cy="0"/>
-          <a:chOff x="0" y="0"/>
-          <a:chExt cx="0" cy="0"/>
-        </a:xfrm>
-      </p:grpSpPr>
-      <p:sp>
-        <p:nvSpPr>
-          <p:cNvPr id="2" name="Title 1"/>
-          <p:cNvSpPr>
-            <a:spLocks noGrp="1"/>
-          </p:cNvSpPr>
-          <p:nvPr>
-            <p:ph type="title"/>
-          </p:nvPr>
-        </p:nvSpPr>
-        <p:spPr>
-          <a:xfrm>
             <a:off x="838200" y="0"/>
             <a:ext cx="10515600" cy="1207008"/>
           </a:xfrm>
@@ -5982,8 +7471,8 @@
         </p:blipFill>
         <p:spPr bwMode="auto">
           <a:xfrm>
-            <a:off x="838200" y="1917700"/>
-            <a:ext cx="5181600" cy="4140200"/>
+            <a:off x="838200" y="2044700"/>
+            <a:ext cx="5181600" cy="3886200"/>
           </a:xfrm>
           <a:prstGeom prst="rect">
             <a:avLst/>
@@ -6012,8 +7501,8 @@
         </p:blipFill>
         <p:spPr bwMode="auto">
           <a:xfrm>
-            <a:off x="6172200" y="1917700"/>
-            <a:ext cx="5181600" cy="4140200"/>
+            <a:off x="6172200" y="2044700"/>
+            <a:ext cx="5181600" cy="3886200"/>
           </a:xfrm>
           <a:prstGeom prst="rect">
             <a:avLst/>
@@ -6031,7 +7520,7 @@
 </p:sld>
 </file>
 
-<file path=ppt/slides/slide8.xml><?xml version="1.0" encoding="utf-8"?>
+<file path=ppt/slides/slide6.xml><?xml version="1.0" encoding="utf-8"?>
 <p:sld xmlns:a="http://schemas.openxmlformats.org/drawingml/2006/main" xmlns:r="http://schemas.openxmlformats.org/officeDocument/2006/relationships" xmlns:p="http://schemas.openxmlformats.org/presentationml/2006/main">
   <p:cSld>
     <p:spTree>
@@ -6112,17 +7601,6 @@
             </a:r>
           </a:p>
           <a:p>
-            <a:pPr lvl="1"/>
-            <a:r>
-              <a:rPr/>
-              <a:t>Stochastic Volatility (SV) models</a:t>
-            </a:r>
-            <a:r>
-              <a:rPr baseline="30000"/>
-              <a:t>3</a:t>
-            </a:r>
-          </a:p>
-          <a:p>
             <a:pPr lvl="0" marL="0" indent="0">
               <a:spcBef>
                 <a:spcPts val="3000"/>
@@ -6155,7 +7633,7 @@
 </p:sld>
 </file>
 
-<file path=ppt/slides/slide9.xml><?xml version="1.0" encoding="utf-8"?>
+<file path=ppt/slides/slide7.xml><?xml version="1.0" encoding="utf-8"?>
 <p:sld xmlns:a="http://schemas.openxmlformats.org/drawingml/2006/main" xmlns:r="http://schemas.openxmlformats.org/officeDocument/2006/relationships" xmlns:p="http://schemas.openxmlformats.org/presentationml/2006/main">
   <p:cSld>
     <p:spTree>
@@ -6244,7 +7722,7 @@
                 </a:pPr>
                 <a:r>
                   <a:rPr/>
-                  <a:t>Single driver staying in the middle of a lane (3.65m wide). Should expect that as the driver moves out of the middle of lane to correct by reducing lane position back to middle (~1.825m). Would expect that mean and variance is constant in each state of driving (normal vs texting)</a:t>
+                  <a:t>Single driver staying in the middle of a lane. Should expect that as the driver moves out of the middle of lane to correct by reducing lane position back to middle (LaneOffset = 0). Would expect that mean and variance is constant in each state of driving (normal vs texting)</a:t>
                 </a:r>
               </a:p>
               <a:p>
@@ -6376,7 +7854,7 @@
                         <m:rPr>
                           <m:sty m:val="p"/>
                         </m:rPr>
-                        <m:t>Lane Position (meters)</m:t>
+                        <m:t>Lane Offset (meters)</m:t>
                       </m:r>
                     </m:oMath>
                   </m:oMathPara>
@@ -6455,7 +7933,7 @@
                 </a:pPr>
                 <a:r>
                   <a:rPr/>
-                  <a:t>Correlogram of </a:t>
+                  <a:t>Posterior Predictive mean of each </a:t>
                 </a:r>
                 <a14:m>
                   <m:oMath xmlns:m="http://schemas.openxmlformats.org/officeDocument/2006/math">
@@ -6468,6 +7946,12 @@
                       <m:sub>
                         <m:r>
                           <m:t>t</m:t>
+                        </m:r>
+                        <m:r>
+                          <m:t>+</m:t>
+                        </m:r>
+                        <m:r>
+                          <m:t>1</m:t>
                         </m:r>
                       </m:sub>
                     </m:sSub>
@@ -6551,10 +8035,16 @@
                       <m:r>
                         <m:t>,</m:t>
                       </m:r>
+                      <m:r>
+                        <m:t>σ</m:t>
+                      </m:r>
+                      <m:r>
+                        <m:t>+</m:t>
+                      </m:r>
                       <m:sSub>
                         <m:e>
                           <m:r>
-                            <m:t>σ</m:t>
+                            <m:t>δ</m:t>
                           </m:r>
                         </m:e>
                         <m:sub>
@@ -6590,19 +8080,19 @@
                         <m:rPr>
                           <m:sty m:val="p"/>
                         </m:rPr>
-                        <m:t>Beta</m:t>
+                        <m:t>Uniform</m:t>
                       </m:r>
                       <m:r>
                         <m:t>(</m:t>
                       </m:r>
                       <m:r>
-                        <m:t>1.5</m:t>
+                        <m:t>0</m:t>
                       </m:r>
                       <m:r>
                         <m:t>,</m:t>
                       </m:r>
                       <m:r>
-                        <m:t>1.5</m:t>
+                        <m:t>1</m:t>
                       </m:r>
                       <m:r>
                         <m:t>)</m:t>
@@ -6689,13 +8179,64 @@
                         <m:t>(</m:t>
                       </m:r>
                       <m:r>
-                        <m:t>1.825</m:t>
+                        <m:t>0</m:t>
                       </m:r>
                       <m:r>
                         <m:t>,</m:t>
                       </m:r>
                       <m:r>
-                        <m:t>0.1</m:t>
+                        <m:t>1</m:t>
+                      </m:r>
+                      <m:r>
+                        <m:t>)</m:t>
+                      </m:r>
+                    </m:oMath>
+                  </m:oMathPara>
+                </a14:m>
+              </a:p>
+              <a:p>
+                <a:pPr lvl="0" marL="0" indent="0">
+                  <a:buNone/>
+                </a:pPr>
+                <a14:m>
+                  <m:oMathPara xmlns:m="http://schemas.openxmlformats.org/officeDocument/2006/math">
+                    <m:oMathParaPr>
+                      <m:jc m:val="center"/>
+                    </m:oMathParaPr>
+                    <m:oMath>
+                      <m:sSub>
+                        <m:e>
+                          <m:r>
+                            <m:t>δ</m:t>
+                          </m:r>
+                        </m:e>
+                        <m:sub>
+                          <m:r>
+                            <m:t>j</m:t>
+                          </m:r>
+                        </m:sub>
+                      </m:sSub>
+                      <m:r>
+                        <m:t>∼</m:t>
+                      </m:r>
+                      <m:r>
+                        <m:rPr>
+                          <m:sty m:val="p"/>
+                          <m:scr m:val="script"/>
+                        </m:rPr>
+                        <m:t>H</m:t>
+                      </m:r>
+                      <m:r>
+                        <m:t>(</m:t>
+                      </m:r>
+                      <m:r>
+                        <m:t>0</m:t>
+                      </m:r>
+                      <m:r>
+                        <m:t>,</m:t>
+                      </m:r>
+                      <m:r>
+                        <m:t>1</m:t>
                       </m:r>
                       <m:r>
                         <m:t>)</m:t>
@@ -6708,6 +8249,278 @@
           </p:sp>
         </mc:Choice>
       </mc:AlternateContent>
+    </p:spTree>
+  </p:cSld>
+</p:sld>
+</file>
+
+<file path=ppt/slides/slide8.xml><?xml version="1.0" encoding="utf-8"?>
+<p:sld xmlns:a="http://schemas.openxmlformats.org/drawingml/2006/main" xmlns:r="http://schemas.openxmlformats.org/officeDocument/2006/relationships" xmlns:p="http://schemas.openxmlformats.org/presentationml/2006/main">
+  <p:cSld>
+    <p:spTree>
+      <p:nvGrpSpPr>
+        <p:cNvPr id="1" name=""/>
+        <p:cNvGrpSpPr/>
+        <p:nvPr/>
+      </p:nvGrpSpPr>
+      <p:grpSpPr>
+        <a:xfrm>
+          <a:off x="0" y="0"/>
+          <a:ext cx="0" cy="0"/>
+          <a:chOff x="0" y="0"/>
+          <a:chExt cx="0" cy="0"/>
+        </a:xfrm>
+      </p:grpSpPr>
+      <p:sp>
+        <p:nvSpPr>
+          <p:cNvPr id="2" name="Title 1"/>
+          <p:cNvSpPr>
+            <a:spLocks noGrp="1"/>
+          </p:cNvSpPr>
+          <p:nvPr>
+            <p:ph type="title"/>
+          </p:nvPr>
+        </p:nvSpPr>
+        <p:spPr>
+          <a:xfrm>
+            <a:off x="838200" y="0"/>
+            <a:ext cx="10515600" cy="1207008"/>
+          </a:xfrm>
+        </p:spPr>
+        <p:txBody>
+          <a:bodyPr/>
+          <a:lstStyle/>
+          <a:p>
+            <a:pPr lvl="0" marL="0" indent="0">
+              <a:buNone/>
+            </a:pPr>
+            <a:r>
+              <a:rPr/>
+              <a:t>Prior</a:t>
+            </a:r>
+            <a:r>
+              <a:rPr/>
+              <a:t> </a:t>
+            </a:r>
+            <a:r>
+              <a:rPr/>
+              <a:t>Predictive</a:t>
+            </a:r>
+            <a:r>
+              <a:rPr/>
+              <a:t> </a:t>
+            </a:r>
+            <a:r>
+              <a:rPr/>
+              <a:t>Fit</a:t>
+            </a:r>
+            <a:r>
+              <a:rPr/>
+              <a:t> </a:t>
+            </a:r>
+            <a:r>
+              <a:rPr/>
+              <a:t>Tests</a:t>
+            </a:r>
+          </a:p>
+        </p:txBody>
+      </p:sp>
+      <p:pic>
+        <p:nvPicPr>
+          <p:cNvPr descr="/Users/bryanyu/Dropbox/STATS/STAT685/etc/Shrinkage.png" id="0" name="Picture 1"/>
+          <p:cNvPicPr>
+            <a:picLocks noGrp="1" noChangeAspect="1"/>
+          </p:cNvPicPr>
+          <p:nvPr/>
+        </p:nvPicPr>
+        <p:blipFill>
+          <a:blip r:embed="rId2"/>
+          <a:stretch>
+            <a:fillRect/>
+          </a:stretch>
+        </p:blipFill>
+        <p:spPr bwMode="auto">
+          <a:xfrm>
+            <a:off x="838200" y="2286000"/>
+            <a:ext cx="5181600" cy="3403600"/>
+          </a:xfrm>
+          <a:prstGeom prst="rect">
+            <a:avLst/>
+          </a:prstGeom>
+          <a:noFill/>
+          <a:ln w="9525">
+            <a:noFill/>
+            <a:headEnd/>
+            <a:tailEnd/>
+          </a:ln>
+        </p:spPr>
+      </p:pic>
+      <p:pic>
+        <p:nvPicPr>
+          <p:cNvPr descr="/Users/bryanyu/Dropbox/STATS/STAT685/etc/sbc.png" id="0" name="Picture 1"/>
+          <p:cNvPicPr>
+            <a:picLocks noGrp="1" noChangeAspect="1"/>
+          </p:cNvPicPr>
+          <p:nvPr/>
+        </p:nvPicPr>
+        <p:blipFill>
+          <a:blip r:embed="rId3"/>
+          <a:stretch>
+            <a:fillRect/>
+          </a:stretch>
+        </p:blipFill>
+        <p:spPr bwMode="auto">
+          <a:xfrm>
+            <a:off x="6172200" y="2197100"/>
+            <a:ext cx="5181600" cy="3568700"/>
+          </a:xfrm>
+          <a:prstGeom prst="rect">
+            <a:avLst/>
+          </a:prstGeom>
+          <a:noFill/>
+          <a:ln w="9525">
+            <a:noFill/>
+            <a:headEnd/>
+            <a:tailEnd/>
+          </a:ln>
+        </p:spPr>
+      </p:pic>
+    </p:spTree>
+  </p:cSld>
+</p:sld>
+</file>
+
+<file path=ppt/slides/slide9.xml><?xml version="1.0" encoding="utf-8"?>
+<p:sld xmlns:a="http://schemas.openxmlformats.org/drawingml/2006/main" xmlns:r="http://schemas.openxmlformats.org/officeDocument/2006/relationships" xmlns:p="http://schemas.openxmlformats.org/presentationml/2006/main">
+  <p:cSld>
+    <p:spTree>
+      <p:nvGrpSpPr>
+        <p:cNvPr id="1" name=""/>
+        <p:cNvGrpSpPr/>
+        <p:nvPr/>
+      </p:nvGrpSpPr>
+      <p:grpSpPr>
+        <a:xfrm>
+          <a:off x="0" y="0"/>
+          <a:ext cx="0" cy="0"/>
+          <a:chOff x="0" y="0"/>
+          <a:chExt cx="0" cy="0"/>
+        </a:xfrm>
+      </p:grpSpPr>
+      <p:sp>
+        <p:nvSpPr>
+          <p:cNvPr id="2" name="Title 1"/>
+          <p:cNvSpPr>
+            <a:spLocks noGrp="1"/>
+          </p:cNvSpPr>
+          <p:nvPr>
+            <p:ph type="title"/>
+          </p:nvPr>
+        </p:nvSpPr>
+        <p:spPr>
+          <a:xfrm>
+            <a:off x="838200" y="0"/>
+            <a:ext cx="10515600" cy="1207008"/>
+          </a:xfrm>
+        </p:spPr>
+        <p:txBody>
+          <a:bodyPr/>
+          <a:lstStyle/>
+          <a:p>
+            <a:pPr lvl="0" marL="0" indent="0">
+              <a:buNone/>
+            </a:pPr>
+            <a:r>
+              <a:rPr/>
+              <a:t>AR(1):</a:t>
+            </a:r>
+            <a:r>
+              <a:rPr/>
+              <a:t> </a:t>
+            </a:r>
+            <a:r>
+              <a:rPr/>
+              <a:t>Prior</a:t>
+            </a:r>
+            <a:r>
+              <a:rPr/>
+              <a:t> </a:t>
+            </a:r>
+            <a:r>
+              <a:rPr/>
+              <a:t>Predictive</a:t>
+            </a:r>
+            <a:r>
+              <a:rPr/>
+              <a:t> </a:t>
+            </a:r>
+            <a:r>
+              <a:rPr/>
+              <a:t>Analysis</a:t>
+            </a:r>
+          </a:p>
+        </p:txBody>
+      </p:sp>
+      <p:pic>
+        <p:nvPicPr>
+          <p:cNvPr descr="final_presentation_files/figure-pptx/generate_ensemble-1.png" id="0" name="Picture 1"/>
+          <p:cNvPicPr>
+            <a:picLocks noGrp="1" noChangeAspect="1"/>
+          </p:cNvPicPr>
+          <p:nvPr/>
+        </p:nvPicPr>
+        <p:blipFill>
+          <a:blip r:embed="rId2"/>
+          <a:stretch>
+            <a:fillRect/>
+          </a:stretch>
+        </p:blipFill>
+        <p:spPr bwMode="auto">
+          <a:xfrm>
+            <a:off x="838200" y="2044700"/>
+            <a:ext cx="5181600" cy="3886200"/>
+          </a:xfrm>
+          <a:prstGeom prst="rect">
+            <a:avLst/>
+          </a:prstGeom>
+          <a:noFill/>
+          <a:ln w="9525">
+            <a:noFill/>
+            <a:headEnd/>
+            <a:tailEnd/>
+          </a:ln>
+        </p:spPr>
+      </p:pic>
+      <p:pic>
+        <p:nvPicPr>
+          <p:cNvPr descr="/Users/bryanyu/Dropbox/STATS/STAT685/src/presentation/graphics/prior/ar1_texting_sbc_shrink.png" id="0" name="Picture 1"/>
+          <p:cNvPicPr>
+            <a:picLocks noGrp="1" noChangeAspect="1"/>
+          </p:cNvPicPr>
+          <p:nvPr/>
+        </p:nvPicPr>
+        <p:blipFill>
+          <a:blip r:embed="rId3"/>
+          <a:stretch>
+            <a:fillRect/>
+          </a:stretch>
+        </p:blipFill>
+        <p:spPr bwMode="auto">
+          <a:xfrm>
+            <a:off x="6172200" y="2044700"/>
+            <a:ext cx="5181600" cy="3886200"/>
+          </a:xfrm>
+          <a:prstGeom prst="rect">
+            <a:avLst/>
+          </a:prstGeom>
+          <a:noFill/>
+          <a:ln w="9525">
+            <a:noFill/>
+            <a:headEnd/>
+            <a:tailEnd/>
+          </a:ln>
+        </p:spPr>
+      </p:pic>
     </p:spTree>
   </p:cSld>
 </p:sld>
